--- a/Diagrams/dibujosModMat.pptx
+++ b/Diagrams/dibujosModMat.pptx
@@ -5,11 +5,12 @@
     <p:sldMasterId id="2147483648" r:id="rId1"/>
   </p:sldMasterIdLst>
   <p:sldIdLst>
-    <p:sldId id="256" r:id="rId2"/>
-    <p:sldId id="257" r:id="rId3"/>
-    <p:sldId id="258" r:id="rId4"/>
-    <p:sldId id="260" r:id="rId5"/>
-    <p:sldId id="259" r:id="rId6"/>
+    <p:sldId id="258" r:id="rId2"/>
+    <p:sldId id="260" r:id="rId3"/>
+    <p:sldId id="259" r:id="rId4"/>
+    <p:sldId id="261" r:id="rId5"/>
+    <p:sldId id="256" r:id="rId6"/>
+    <p:sldId id="257" r:id="rId7"/>
   </p:sldIdLst>
   <p:sldSz cx="12192000" cy="6858000"/>
   <p:notesSz cx="6858000" cy="9144000"/>
@@ -222,6 +223,33 @@
     </inkml:brush>
   </inkml:definitions>
   <inkml:trace contextRef="#ctx0" brushRef="#br0">29 0 24575,'-1'1'0,"-1"-1"0,1 1 0,0-1 0,0 1 0,0-1 0,0 1 0,0 0 0,0 0 0,0 0 0,0-1 0,0 1 0,0 0 0,0 0 0,0 0 0,1 0 0,-1 0 0,0 1 0,1-1 0,-1 0 0,1 0 0,-1 0 0,1 0 0,0 1 0,-1-1 0,1 0 0,0 1 0,0 1 0,-5 41 0,5-39 0,0 16 0,1-1 0,0 0 0,2 0 0,1 0 0,0-1 0,8 22 0,10 46 0,-21-81 0,0 0 0,-1-1 0,0 1 0,0 0 0,-1 0 0,1-1 0,-1 1 0,-1 0 0,1-1 0,-1 0 0,0 1 0,0-1 0,0 0 0,-1 0 0,-3 6 0,-8 17 0,11-19-227,0-1-1,1 1 1,0 0-1,0 1 1,0 11-1,0 1-6598</inkml:trace>
+</inkml:ink>
+</file>
+
+<file path=ppt/ink/ink13.xml><?xml version="1.0" encoding="utf-8"?>
+<inkml:ink xmlns:inkml="http://www.w3.org/2003/InkML">
+  <inkml:definitions>
+    <inkml:context xml:id="ctx0">
+      <inkml:inkSource xml:id="inkSrc0">
+        <inkml:traceFormat>
+          <inkml:channel name="X" type="integer" min="-2.14748E9" max="2.14748E9" units="cm"/>
+          <inkml:channel name="Y" type="integer" min="-2.14748E9" max="2.14748E9" units="cm"/>
+          <inkml:channel name="F" type="integer" max="32767" units="dev"/>
+        </inkml:traceFormat>
+        <inkml:channelProperties>
+          <inkml:channelProperty channel="X" name="resolution" value="1000" units="1/cm"/>
+          <inkml:channelProperty channel="Y" name="resolution" value="1000" units="1/cm"/>
+          <inkml:channelProperty channel="F" name="resolution" value="0" units="1/dev"/>
+        </inkml:channelProperties>
+      </inkml:inkSource>
+      <inkml:timestamp xml:id="ts0" timeString="2024-11-17T23:31:18.277"/>
+    </inkml:context>
+    <inkml:brush xml:id="br0">
+      <inkml:brushProperty name="width" value="0.035" units="cm"/>
+      <inkml:brushProperty name="height" value="0.035" units="cm"/>
+    </inkml:brush>
+  </inkml:definitions>
+  <inkml:trace contextRef="#ctx0" brushRef="#br0">1 0 24575,'0'0'-8191</inkml:trace>
 </inkml:ink>
 </file>
 
@@ -593,7 +621,7 @@
           <a:p>
             <a:fld id="{5B8E2A68-2C95-458A-80FB-0F5865924768}" type="datetimeFigureOut">
               <a:rPr lang="es-CO" smtClean="0"/>
-              <a:t>14/11/2024</a:t>
+              <a:t>17/11/2024</a:t>
             </a:fld>
             <a:endParaRPr lang="es-CO"/>
           </a:p>
@@ -793,7 +821,7 @@
           <a:p>
             <a:fld id="{5B8E2A68-2C95-458A-80FB-0F5865924768}" type="datetimeFigureOut">
               <a:rPr lang="es-CO" smtClean="0"/>
-              <a:t>14/11/2024</a:t>
+              <a:t>17/11/2024</a:t>
             </a:fld>
             <a:endParaRPr lang="es-CO"/>
           </a:p>
@@ -1003,7 +1031,7 @@
           <a:p>
             <a:fld id="{5B8E2A68-2C95-458A-80FB-0F5865924768}" type="datetimeFigureOut">
               <a:rPr lang="es-CO" smtClean="0"/>
-              <a:t>14/11/2024</a:t>
+              <a:t>17/11/2024</a:t>
             </a:fld>
             <a:endParaRPr lang="es-CO"/>
           </a:p>
@@ -1203,7 +1231,7 @@
           <a:p>
             <a:fld id="{5B8E2A68-2C95-458A-80FB-0F5865924768}" type="datetimeFigureOut">
               <a:rPr lang="es-CO" smtClean="0"/>
-              <a:t>14/11/2024</a:t>
+              <a:t>17/11/2024</a:t>
             </a:fld>
             <a:endParaRPr lang="es-CO"/>
           </a:p>
@@ -1479,7 +1507,7 @@
           <a:p>
             <a:fld id="{5B8E2A68-2C95-458A-80FB-0F5865924768}" type="datetimeFigureOut">
               <a:rPr lang="es-CO" smtClean="0"/>
-              <a:t>14/11/2024</a:t>
+              <a:t>17/11/2024</a:t>
             </a:fld>
             <a:endParaRPr lang="es-CO"/>
           </a:p>
@@ -1747,7 +1775,7 @@
           <a:p>
             <a:fld id="{5B8E2A68-2C95-458A-80FB-0F5865924768}" type="datetimeFigureOut">
               <a:rPr lang="es-CO" smtClean="0"/>
-              <a:t>14/11/2024</a:t>
+              <a:t>17/11/2024</a:t>
             </a:fld>
             <a:endParaRPr lang="es-CO"/>
           </a:p>
@@ -2162,7 +2190,7 @@
           <a:p>
             <a:fld id="{5B8E2A68-2C95-458A-80FB-0F5865924768}" type="datetimeFigureOut">
               <a:rPr lang="es-CO" smtClean="0"/>
-              <a:t>14/11/2024</a:t>
+              <a:t>17/11/2024</a:t>
             </a:fld>
             <a:endParaRPr lang="es-CO"/>
           </a:p>
@@ -2304,7 +2332,7 @@
           <a:p>
             <a:fld id="{5B8E2A68-2C95-458A-80FB-0F5865924768}" type="datetimeFigureOut">
               <a:rPr lang="es-CO" smtClean="0"/>
-              <a:t>14/11/2024</a:t>
+              <a:t>17/11/2024</a:t>
             </a:fld>
             <a:endParaRPr lang="es-CO"/>
           </a:p>
@@ -2417,7 +2445,7 @@
           <a:p>
             <a:fld id="{5B8E2A68-2C95-458A-80FB-0F5865924768}" type="datetimeFigureOut">
               <a:rPr lang="es-CO" smtClean="0"/>
-              <a:t>14/11/2024</a:t>
+              <a:t>17/11/2024</a:t>
             </a:fld>
             <a:endParaRPr lang="es-CO"/>
           </a:p>
@@ -2730,7 +2758,7 @@
           <a:p>
             <a:fld id="{5B8E2A68-2C95-458A-80FB-0F5865924768}" type="datetimeFigureOut">
               <a:rPr lang="es-CO" smtClean="0"/>
-              <a:t>14/11/2024</a:t>
+              <a:t>17/11/2024</a:t>
             </a:fld>
             <a:endParaRPr lang="es-CO"/>
           </a:p>
@@ -3019,7 +3047,7 @@
           <a:p>
             <a:fld id="{5B8E2A68-2C95-458A-80FB-0F5865924768}" type="datetimeFigureOut">
               <a:rPr lang="es-CO" smtClean="0"/>
-              <a:t>14/11/2024</a:t>
+              <a:t>17/11/2024</a:t>
             </a:fld>
             <a:endParaRPr lang="es-CO"/>
           </a:p>
@@ -3262,7 +3290,7 @@
           <a:p>
             <a:fld id="{5B8E2A68-2C95-458A-80FB-0F5865924768}" type="datetimeFigureOut">
               <a:rPr lang="es-CO" smtClean="0"/>
-              <a:t>14/11/2024</a:t>
+              <a:t>17/11/2024</a:t>
             </a:fld>
             <a:endParaRPr lang="es-CO"/>
           </a:p>
@@ -3667,6 +3695,3149 @@
   <p:cSld>
     <p:spTree>
       <p:nvGrpSpPr>
+        <p:cNvPr id="1" name="">
+          <a:extLst>
+            <a:ext uri="{FF2B5EF4-FFF2-40B4-BE49-F238E27FC236}">
+              <a16:creationId xmlns:a16="http://schemas.microsoft.com/office/drawing/2014/main" id="{8058BF13-EC47-A2B8-F209-427B6AA7AD56}"/>
+            </a:ext>
+          </a:extLst>
+        </p:cNvPr>
+        <p:cNvGrpSpPr/>
+        <p:nvPr/>
+      </p:nvGrpSpPr>
+      <p:grpSpPr>
+        <a:xfrm>
+          <a:off x="0" y="0"/>
+          <a:ext cx="0" cy="0"/>
+          <a:chOff x="0" y="0"/>
+          <a:chExt cx="0" cy="0"/>
+        </a:xfrm>
+      </p:grpSpPr>
+      <p:sp>
+        <p:nvSpPr>
+          <p:cNvPr id="10" name="Cilindro 9">
+            <a:extLst>
+              <a:ext uri="{FF2B5EF4-FFF2-40B4-BE49-F238E27FC236}">
+                <a16:creationId xmlns:a16="http://schemas.microsoft.com/office/drawing/2014/main" id="{0081F030-181E-AF70-309B-62A946B1CB08}"/>
+              </a:ext>
+            </a:extLst>
+          </p:cNvPr>
+          <p:cNvSpPr/>
+          <p:nvPr/>
+        </p:nvSpPr>
+        <p:spPr>
+          <a:xfrm>
+            <a:off x="5107019" y="4717915"/>
+            <a:ext cx="486383" cy="680936"/>
+          </a:xfrm>
+          <a:prstGeom prst="can">
+            <a:avLst/>
+          </a:prstGeom>
+          <a:solidFill>
+            <a:schemeClr val="accent1">
+              <a:lumMod val="40000"/>
+              <a:lumOff val="60000"/>
+            </a:schemeClr>
+          </a:solidFill>
+          <a:ln w="38100"/>
+        </p:spPr>
+        <p:style>
+          <a:lnRef idx="2">
+            <a:schemeClr val="accent1">
+              <a:shade val="15000"/>
+            </a:schemeClr>
+          </a:lnRef>
+          <a:fillRef idx="1">
+            <a:schemeClr val="accent1"/>
+          </a:fillRef>
+          <a:effectRef idx="0">
+            <a:schemeClr val="accent1"/>
+          </a:effectRef>
+          <a:fontRef idx="minor">
+            <a:schemeClr val="lt1"/>
+          </a:fontRef>
+        </p:style>
+        <p:txBody>
+          <a:bodyPr rtlCol="0" anchor="ctr"/>
+          <a:lstStyle/>
+          <a:p>
+            <a:pPr algn="ctr"/>
+            <a:endParaRPr lang="es-CO"/>
+          </a:p>
+        </p:txBody>
+      </p:sp>
+      <p:sp>
+        <p:nvSpPr>
+          <p:cNvPr id="2" name="Cilindro 1">
+            <a:extLst>
+              <a:ext uri="{FF2B5EF4-FFF2-40B4-BE49-F238E27FC236}">
+                <a16:creationId xmlns:a16="http://schemas.microsoft.com/office/drawing/2014/main" id="{610AE16E-BEE4-88D3-B23F-2F9F38F12D5E}"/>
+              </a:ext>
+            </a:extLst>
+          </p:cNvPr>
+          <p:cNvSpPr/>
+          <p:nvPr/>
+        </p:nvSpPr>
+        <p:spPr>
+          <a:xfrm>
+            <a:off x="4027251" y="836579"/>
+            <a:ext cx="2645923" cy="4056434"/>
+          </a:xfrm>
+          <a:prstGeom prst="can">
+            <a:avLst/>
+          </a:prstGeom>
+          <a:ln w="57150">
+            <a:solidFill>
+              <a:schemeClr val="tx1"/>
+            </a:solidFill>
+          </a:ln>
+        </p:spPr>
+        <p:style>
+          <a:lnRef idx="2">
+            <a:schemeClr val="accent1"/>
+          </a:lnRef>
+          <a:fillRef idx="1">
+            <a:schemeClr val="lt1"/>
+          </a:fillRef>
+          <a:effectRef idx="0">
+            <a:schemeClr val="accent1"/>
+          </a:effectRef>
+          <a:fontRef idx="minor">
+            <a:schemeClr val="dk1"/>
+          </a:fontRef>
+        </p:style>
+        <p:txBody>
+          <a:bodyPr rtlCol="0" anchor="ctr"/>
+          <a:lstStyle/>
+          <a:p>
+            <a:pPr algn="ctr"/>
+            <a:endParaRPr lang="es-CO"/>
+          </a:p>
+        </p:txBody>
+      </p:sp>
+      <p:sp>
+        <p:nvSpPr>
+          <p:cNvPr id="3" name="Cilindro 2">
+            <a:extLst>
+              <a:ext uri="{FF2B5EF4-FFF2-40B4-BE49-F238E27FC236}">
+                <a16:creationId xmlns:a16="http://schemas.microsoft.com/office/drawing/2014/main" id="{FCFF5BC6-C57B-29DF-8E36-AEE7DDFFAE28}"/>
+              </a:ext>
+            </a:extLst>
+          </p:cNvPr>
+          <p:cNvSpPr/>
+          <p:nvPr/>
+        </p:nvSpPr>
+        <p:spPr>
+          <a:xfrm>
+            <a:off x="4027250" y="1964987"/>
+            <a:ext cx="2645923" cy="2928026"/>
+          </a:xfrm>
+          <a:prstGeom prst="can">
+            <a:avLst/>
+          </a:prstGeom>
+          <a:solidFill>
+            <a:schemeClr val="accent1">
+              <a:lumMod val="40000"/>
+              <a:lumOff val="60000"/>
+            </a:schemeClr>
+          </a:solidFill>
+        </p:spPr>
+        <p:style>
+          <a:lnRef idx="2">
+            <a:schemeClr val="accent1">
+              <a:shade val="15000"/>
+            </a:schemeClr>
+          </a:lnRef>
+          <a:fillRef idx="1">
+            <a:schemeClr val="accent1"/>
+          </a:fillRef>
+          <a:effectRef idx="0">
+            <a:schemeClr val="accent1"/>
+          </a:effectRef>
+          <a:fontRef idx="minor">
+            <a:schemeClr val="lt1"/>
+          </a:fontRef>
+        </p:style>
+        <p:txBody>
+          <a:bodyPr rtlCol="0" anchor="ctr"/>
+          <a:lstStyle/>
+          <a:p>
+            <a:pPr algn="ctr"/>
+            <a:endParaRPr lang="es-CO"/>
+          </a:p>
+        </p:txBody>
+      </p:sp>
+      <p:sp>
+        <p:nvSpPr>
+          <p:cNvPr id="17" name="Elipse 16">
+            <a:extLst>
+              <a:ext uri="{FF2B5EF4-FFF2-40B4-BE49-F238E27FC236}">
+                <a16:creationId xmlns:a16="http://schemas.microsoft.com/office/drawing/2014/main" id="{5006B443-2492-BDC3-347A-5A8239719EA0}"/>
+              </a:ext>
+            </a:extLst>
+          </p:cNvPr>
+          <p:cNvSpPr/>
+          <p:nvPr/>
+        </p:nvSpPr>
+        <p:spPr>
+          <a:xfrm>
+            <a:off x="4027250" y="4299625"/>
+            <a:ext cx="2645923" cy="593387"/>
+          </a:xfrm>
+          <a:prstGeom prst="ellipse">
+            <a:avLst/>
+          </a:prstGeom>
+          <a:noFill/>
+          <a:ln w="38100">
+            <a:prstDash val="lgDash"/>
+          </a:ln>
+        </p:spPr>
+        <p:style>
+          <a:lnRef idx="2">
+            <a:schemeClr val="accent1">
+              <a:shade val="15000"/>
+            </a:schemeClr>
+          </a:lnRef>
+          <a:fillRef idx="1">
+            <a:schemeClr val="accent1"/>
+          </a:fillRef>
+          <a:effectRef idx="0">
+            <a:schemeClr val="accent1"/>
+          </a:effectRef>
+          <a:fontRef idx="minor">
+            <a:schemeClr val="lt1"/>
+          </a:fontRef>
+        </p:style>
+        <p:txBody>
+          <a:bodyPr rtlCol="0" anchor="ctr"/>
+          <a:lstStyle/>
+          <a:p>
+            <a:pPr algn="ctr"/>
+            <a:endParaRPr lang="es-CO"/>
+          </a:p>
+        </p:txBody>
+      </p:sp>
+      <p:sp>
+        <p:nvSpPr>
+          <p:cNvPr id="18" name="Elipse 17">
+            <a:extLst>
+              <a:ext uri="{FF2B5EF4-FFF2-40B4-BE49-F238E27FC236}">
+                <a16:creationId xmlns:a16="http://schemas.microsoft.com/office/drawing/2014/main" id="{92BD70AD-8CF1-3D23-A183-B9EE660448D8}"/>
+              </a:ext>
+            </a:extLst>
+          </p:cNvPr>
+          <p:cNvSpPr/>
+          <p:nvPr/>
+        </p:nvSpPr>
+        <p:spPr>
+          <a:xfrm>
+            <a:off x="5145932" y="4610907"/>
+            <a:ext cx="418288" cy="87550"/>
+          </a:xfrm>
+          <a:prstGeom prst="ellipse">
+            <a:avLst/>
+          </a:prstGeom>
+          <a:noFill/>
+          <a:ln w="28575">
+            <a:prstDash val="dash"/>
+          </a:ln>
+        </p:spPr>
+        <p:style>
+          <a:lnRef idx="2">
+            <a:schemeClr val="accent1">
+              <a:shade val="15000"/>
+            </a:schemeClr>
+          </a:lnRef>
+          <a:fillRef idx="1">
+            <a:schemeClr val="accent1"/>
+          </a:fillRef>
+          <a:effectRef idx="0">
+            <a:schemeClr val="accent1"/>
+          </a:effectRef>
+          <a:fontRef idx="minor">
+            <a:schemeClr val="lt1"/>
+          </a:fontRef>
+        </p:style>
+        <p:txBody>
+          <a:bodyPr rtlCol="0" anchor="ctr"/>
+          <a:lstStyle/>
+          <a:p>
+            <a:pPr algn="ctr"/>
+            <a:endParaRPr lang="es-CO"/>
+          </a:p>
+        </p:txBody>
+      </p:sp>
+      <mc:AlternateContent xmlns:mc="http://schemas.openxmlformats.org/markup-compatibility/2006" xmlns:p14="http://schemas.microsoft.com/office/powerpoint/2010/main">
+        <mc:Choice Requires="p14">
+          <p:contentPart p14:bwMode="auto" r:id="rId2">
+            <p14:nvContentPartPr>
+              <p14:cNvPr id="22" name="Entrada de lápiz 21">
+                <a:extLst>
+                  <a:ext uri="{FF2B5EF4-FFF2-40B4-BE49-F238E27FC236}">
+                    <a16:creationId xmlns:a16="http://schemas.microsoft.com/office/drawing/2014/main" id="{36E60DD2-BA21-65D8-8E0B-9786993FE4D9}"/>
+                  </a:ext>
+                </a:extLst>
+              </p14:cNvPr>
+              <p14:cNvContentPartPr/>
+              <p14:nvPr/>
+            </p14:nvContentPartPr>
+            <p14:xfrm>
+              <a:off x="5085084" y="5417885"/>
+              <a:ext cx="129960" cy="1001160"/>
+            </p14:xfrm>
+          </p:contentPart>
+        </mc:Choice>
+        <mc:Fallback xmlns="">
+          <p:pic>
+            <p:nvPicPr>
+              <p:cNvPr id="22" name="Entrada de lápiz 21">
+                <a:extLst>
+                  <a:ext uri="{FF2B5EF4-FFF2-40B4-BE49-F238E27FC236}">
+                    <a16:creationId xmlns:a16="http://schemas.microsoft.com/office/drawing/2014/main" id="{36E60DD2-BA21-65D8-8E0B-9786993FE4D9}"/>
+                  </a:ext>
+                </a:extLst>
+              </p:cNvPr>
+              <p:cNvPicPr/>
+              <p:nvPr/>
+            </p:nvPicPr>
+            <p:blipFill>
+              <a:blip r:embed="rId3"/>
+              <a:stretch>
+                <a:fillRect/>
+              </a:stretch>
+            </p:blipFill>
+            <p:spPr>
+              <a:xfrm>
+                <a:off x="5049084" y="5382245"/>
+                <a:ext cx="201600" cy="1072800"/>
+              </a:xfrm>
+              <a:prstGeom prst="rect">
+                <a:avLst/>
+              </a:prstGeom>
+            </p:spPr>
+          </p:pic>
+        </mc:Fallback>
+      </mc:AlternateContent>
+      <mc:AlternateContent xmlns:mc="http://schemas.openxmlformats.org/markup-compatibility/2006" xmlns:p14="http://schemas.microsoft.com/office/powerpoint/2010/main">
+        <mc:Choice Requires="p14">
+          <p:contentPart p14:bwMode="auto" r:id="rId4">
+            <p14:nvContentPartPr>
+              <p14:cNvPr id="23" name="Entrada de lápiz 22">
+                <a:extLst>
+                  <a:ext uri="{FF2B5EF4-FFF2-40B4-BE49-F238E27FC236}">
+                    <a16:creationId xmlns:a16="http://schemas.microsoft.com/office/drawing/2014/main" id="{E0570B77-64F8-F6DA-6F5B-C50DEB7D1D1B}"/>
+                  </a:ext>
+                </a:extLst>
+              </p14:cNvPr>
+              <p14:cNvContentPartPr/>
+              <p14:nvPr/>
+            </p14:nvContentPartPr>
+            <p14:xfrm>
+              <a:off x="5562804" y="5437325"/>
+              <a:ext cx="159120" cy="948960"/>
+            </p14:xfrm>
+          </p:contentPart>
+        </mc:Choice>
+        <mc:Fallback xmlns="">
+          <p:pic>
+            <p:nvPicPr>
+              <p:cNvPr id="23" name="Entrada de lápiz 22">
+                <a:extLst>
+                  <a:ext uri="{FF2B5EF4-FFF2-40B4-BE49-F238E27FC236}">
+                    <a16:creationId xmlns:a16="http://schemas.microsoft.com/office/drawing/2014/main" id="{E0570B77-64F8-F6DA-6F5B-C50DEB7D1D1B}"/>
+                  </a:ext>
+                </a:extLst>
+              </p:cNvPr>
+              <p:cNvPicPr/>
+              <p:nvPr/>
+            </p:nvPicPr>
+            <p:blipFill>
+              <a:blip r:embed="rId5"/>
+              <a:stretch>
+                <a:fillRect/>
+              </a:stretch>
+            </p:blipFill>
+            <p:spPr>
+              <a:xfrm>
+                <a:off x="5526804" y="5401685"/>
+                <a:ext cx="230760" cy="1020600"/>
+              </a:xfrm>
+              <a:prstGeom prst="rect">
+                <a:avLst/>
+              </a:prstGeom>
+            </p:spPr>
+          </p:pic>
+        </mc:Fallback>
+      </mc:AlternateContent>
+      <p:grpSp>
+        <p:nvGrpSpPr>
+          <p:cNvPr id="28" name="Grupo 27">
+            <a:extLst>
+              <a:ext uri="{FF2B5EF4-FFF2-40B4-BE49-F238E27FC236}">
+                <a16:creationId xmlns:a16="http://schemas.microsoft.com/office/drawing/2014/main" id="{7A67CBF1-6033-2797-63AF-1F50F2DB3E44}"/>
+              </a:ext>
+            </a:extLst>
+          </p:cNvPr>
+          <p:cNvGrpSpPr/>
+          <p:nvPr/>
+        </p:nvGrpSpPr>
+        <p:grpSpPr>
+          <a:xfrm>
+            <a:off x="5279484" y="5476565"/>
+            <a:ext cx="322560" cy="971280"/>
+            <a:chOff x="5279484" y="5476565"/>
+            <a:chExt cx="322560" cy="971280"/>
+          </a:xfrm>
+        </p:grpSpPr>
+        <mc:AlternateContent xmlns:mc="http://schemas.openxmlformats.org/markup-compatibility/2006" xmlns:p14="http://schemas.microsoft.com/office/powerpoint/2010/main">
+          <mc:Choice Requires="p14">
+            <p:contentPart p14:bwMode="auto" r:id="rId6">
+              <p14:nvContentPartPr>
+                <p14:cNvPr id="24" name="Entrada de lápiz 23">
+                  <a:extLst>
+                    <a:ext uri="{FF2B5EF4-FFF2-40B4-BE49-F238E27FC236}">
+                      <a16:creationId xmlns:a16="http://schemas.microsoft.com/office/drawing/2014/main" id="{5EF010FD-3390-3F23-E3E0-548A53F305B8}"/>
+                    </a:ext>
+                  </a:extLst>
+                </p14:cNvPr>
+                <p14:cNvContentPartPr/>
+                <p14:nvPr/>
+              </p14:nvContentPartPr>
+              <p14:xfrm>
+                <a:off x="5279484" y="5641805"/>
+                <a:ext cx="52200" cy="455760"/>
+              </p14:xfrm>
+            </p:contentPart>
+          </mc:Choice>
+          <mc:Fallback xmlns="">
+            <p:pic>
+              <p:nvPicPr>
+                <p:cNvPr id="24" name="Entrada de lápiz 23">
+                  <a:extLst>
+                    <a:ext uri="{FF2B5EF4-FFF2-40B4-BE49-F238E27FC236}">
+                      <a16:creationId xmlns:a16="http://schemas.microsoft.com/office/drawing/2014/main" id="{5EF010FD-3390-3F23-E3E0-548A53F305B8}"/>
+                    </a:ext>
+                  </a:extLst>
+                </p:cNvPr>
+                <p:cNvPicPr/>
+                <p:nvPr/>
+              </p:nvPicPr>
+              <p:blipFill>
+                <a:blip r:embed="rId7"/>
+                <a:stretch>
+                  <a:fillRect/>
+                </a:stretch>
+              </p:blipFill>
+              <p:spPr>
+                <a:xfrm>
+                  <a:off x="5273364" y="5635685"/>
+                  <a:ext cx="64440" cy="468000"/>
+                </a:xfrm>
+                <a:prstGeom prst="rect">
+                  <a:avLst/>
+                </a:prstGeom>
+              </p:spPr>
+            </p:pic>
+          </mc:Fallback>
+        </mc:AlternateContent>
+        <mc:AlternateContent xmlns:mc="http://schemas.openxmlformats.org/markup-compatibility/2006" xmlns:p14="http://schemas.microsoft.com/office/powerpoint/2010/main">
+          <mc:Choice Requires="p14">
+            <p:contentPart p14:bwMode="auto" r:id="rId8">
+              <p14:nvContentPartPr>
+                <p14:cNvPr id="25" name="Entrada de lápiz 24">
+                  <a:extLst>
+                    <a:ext uri="{FF2B5EF4-FFF2-40B4-BE49-F238E27FC236}">
+                      <a16:creationId xmlns:a16="http://schemas.microsoft.com/office/drawing/2014/main" id="{0F2ADFCD-D831-0EFA-96C1-80B8C5D38A94}"/>
+                    </a:ext>
+                  </a:extLst>
+                </p14:cNvPr>
+                <p14:cNvContentPartPr/>
+                <p14:nvPr/>
+              </p14:nvContentPartPr>
+              <p14:xfrm>
+                <a:off x="5378124" y="5729285"/>
+                <a:ext cx="61920" cy="588600"/>
+              </p14:xfrm>
+            </p:contentPart>
+          </mc:Choice>
+          <mc:Fallback xmlns="">
+            <p:pic>
+              <p:nvPicPr>
+                <p:cNvPr id="25" name="Entrada de lápiz 24">
+                  <a:extLst>
+                    <a:ext uri="{FF2B5EF4-FFF2-40B4-BE49-F238E27FC236}">
+                      <a16:creationId xmlns:a16="http://schemas.microsoft.com/office/drawing/2014/main" id="{0F2ADFCD-D831-0EFA-96C1-80B8C5D38A94}"/>
+                    </a:ext>
+                  </a:extLst>
+                </p:cNvPr>
+                <p:cNvPicPr/>
+                <p:nvPr/>
+              </p:nvPicPr>
+              <p:blipFill>
+                <a:blip r:embed="rId9"/>
+                <a:stretch>
+                  <a:fillRect/>
+                </a:stretch>
+              </p:blipFill>
+              <p:spPr>
+                <a:xfrm>
+                  <a:off x="5372004" y="5723165"/>
+                  <a:ext cx="74160" cy="600840"/>
+                </a:xfrm>
+                <a:prstGeom prst="rect">
+                  <a:avLst/>
+                </a:prstGeom>
+              </p:spPr>
+            </p:pic>
+          </mc:Fallback>
+        </mc:AlternateContent>
+        <mc:AlternateContent xmlns:mc="http://schemas.openxmlformats.org/markup-compatibility/2006" xmlns:p14="http://schemas.microsoft.com/office/powerpoint/2010/main">
+          <mc:Choice Requires="p14">
+            <p:contentPart p14:bwMode="auto" r:id="rId10">
+              <p14:nvContentPartPr>
+                <p14:cNvPr id="26" name="Entrada de lápiz 25">
+                  <a:extLst>
+                    <a:ext uri="{FF2B5EF4-FFF2-40B4-BE49-F238E27FC236}">
+                      <a16:creationId xmlns:a16="http://schemas.microsoft.com/office/drawing/2014/main" id="{CFFB1932-01C0-168B-5A12-0585FC7B135A}"/>
+                    </a:ext>
+                  </a:extLst>
+                </p14:cNvPr>
+                <p14:cNvContentPartPr/>
+                <p14:nvPr/>
+              </p14:nvContentPartPr>
+              <p14:xfrm>
+                <a:off x="5436444" y="5476565"/>
+                <a:ext cx="41040" cy="408240"/>
+              </p14:xfrm>
+            </p:contentPart>
+          </mc:Choice>
+          <mc:Fallback xmlns="">
+            <p:pic>
+              <p:nvPicPr>
+                <p:cNvPr id="26" name="Entrada de lápiz 25">
+                  <a:extLst>
+                    <a:ext uri="{FF2B5EF4-FFF2-40B4-BE49-F238E27FC236}">
+                      <a16:creationId xmlns:a16="http://schemas.microsoft.com/office/drawing/2014/main" id="{CFFB1932-01C0-168B-5A12-0585FC7B135A}"/>
+                    </a:ext>
+                  </a:extLst>
+                </p:cNvPr>
+                <p:cNvPicPr/>
+                <p:nvPr/>
+              </p:nvPicPr>
+              <p:blipFill>
+                <a:blip r:embed="rId11"/>
+                <a:stretch>
+                  <a:fillRect/>
+                </a:stretch>
+              </p:blipFill>
+              <p:spPr>
+                <a:xfrm>
+                  <a:off x="5430324" y="5470445"/>
+                  <a:ext cx="53280" cy="420480"/>
+                </a:xfrm>
+                <a:prstGeom prst="rect">
+                  <a:avLst/>
+                </a:prstGeom>
+              </p:spPr>
+            </p:pic>
+          </mc:Fallback>
+        </mc:AlternateContent>
+        <mc:AlternateContent xmlns:mc="http://schemas.openxmlformats.org/markup-compatibility/2006" xmlns:p14="http://schemas.microsoft.com/office/powerpoint/2010/main">
+          <mc:Choice Requires="p14">
+            <p:contentPart p14:bwMode="auto" r:id="rId12">
+              <p14:nvContentPartPr>
+                <p14:cNvPr id="27" name="Entrada de lápiz 26">
+                  <a:extLst>
+                    <a:ext uri="{FF2B5EF4-FFF2-40B4-BE49-F238E27FC236}">
+                      <a16:creationId xmlns:a16="http://schemas.microsoft.com/office/drawing/2014/main" id="{C09DF3E3-B54E-4A46-DC77-B018820CD53B}"/>
+                    </a:ext>
+                  </a:extLst>
+                </p14:cNvPr>
+                <p14:cNvContentPartPr/>
+                <p14:nvPr/>
+              </p14:nvContentPartPr>
+              <p14:xfrm>
+                <a:off x="5582964" y="6254525"/>
+                <a:ext cx="19080" cy="193320"/>
+              </p14:xfrm>
+            </p:contentPart>
+          </mc:Choice>
+          <mc:Fallback xmlns="">
+            <p:pic>
+              <p:nvPicPr>
+                <p:cNvPr id="27" name="Entrada de lápiz 26">
+                  <a:extLst>
+                    <a:ext uri="{FF2B5EF4-FFF2-40B4-BE49-F238E27FC236}">
+                      <a16:creationId xmlns:a16="http://schemas.microsoft.com/office/drawing/2014/main" id="{C09DF3E3-B54E-4A46-DC77-B018820CD53B}"/>
+                    </a:ext>
+                  </a:extLst>
+                </p:cNvPr>
+                <p:cNvPicPr/>
+                <p:nvPr/>
+              </p:nvPicPr>
+              <p:blipFill>
+                <a:blip r:embed="rId13"/>
+                <a:stretch>
+                  <a:fillRect/>
+                </a:stretch>
+              </p:blipFill>
+              <p:spPr>
+                <a:xfrm>
+                  <a:off x="5576844" y="6248405"/>
+                  <a:ext cx="31320" cy="205560"/>
+                </a:xfrm>
+                <a:prstGeom prst="rect">
+                  <a:avLst/>
+                </a:prstGeom>
+              </p:spPr>
+            </p:pic>
+          </mc:Fallback>
+        </mc:AlternateContent>
+      </p:grpSp>
+      <p:cxnSp>
+        <p:nvCxnSpPr>
+          <p:cNvPr id="38" name="Conector recto de flecha 37">
+            <a:extLst>
+              <a:ext uri="{FF2B5EF4-FFF2-40B4-BE49-F238E27FC236}">
+                <a16:creationId xmlns:a16="http://schemas.microsoft.com/office/drawing/2014/main" id="{8C076F04-B7B8-72E6-E7E4-244EA4015324}"/>
+              </a:ext>
+            </a:extLst>
+          </p:cNvPr>
+          <p:cNvCxnSpPr>
+            <a:cxnSpLocks/>
+          </p:cNvCxnSpPr>
+          <p:nvPr/>
+        </p:nvCxnSpPr>
+        <p:spPr>
+          <a:xfrm>
+            <a:off x="4036265" y="3516552"/>
+            <a:ext cx="2645923" cy="0"/>
+          </a:xfrm>
+          <a:prstGeom prst="straightConnector1">
+            <a:avLst/>
+          </a:prstGeom>
+          <a:ln w="38100">
+            <a:solidFill>
+              <a:schemeClr val="tx1"/>
+            </a:solidFill>
+            <a:headEnd type="triangle"/>
+            <a:tailEnd type="triangle"/>
+          </a:ln>
+        </p:spPr>
+        <p:style>
+          <a:lnRef idx="2">
+            <a:schemeClr val="accent1"/>
+          </a:lnRef>
+          <a:fillRef idx="0">
+            <a:schemeClr val="accent1"/>
+          </a:fillRef>
+          <a:effectRef idx="1">
+            <a:schemeClr val="accent1"/>
+          </a:effectRef>
+          <a:fontRef idx="minor">
+            <a:schemeClr val="tx1"/>
+          </a:fontRef>
+        </p:style>
+      </p:cxnSp>
+      <mc:AlternateContent xmlns:mc="http://schemas.openxmlformats.org/markup-compatibility/2006" xmlns:a14="http://schemas.microsoft.com/office/drawing/2010/main">
+        <mc:Choice Requires="a14">
+          <p:sp>
+            <p:nvSpPr>
+              <p:cNvPr id="40" name="CuadroTexto 39">
+                <a:extLst>
+                  <a:ext uri="{FF2B5EF4-FFF2-40B4-BE49-F238E27FC236}">
+                    <a16:creationId xmlns:a16="http://schemas.microsoft.com/office/drawing/2014/main" id="{FCB4C706-D92E-5187-E50A-C6D59270DE82}"/>
+                  </a:ext>
+                </a:extLst>
+              </p:cNvPr>
+              <p:cNvSpPr txBox="1"/>
+              <p:nvPr/>
+            </p:nvSpPr>
+            <p:spPr>
+              <a:xfrm>
+                <a:off x="5040988" y="2891973"/>
+                <a:ext cx="680936" cy="1077218"/>
+              </a:xfrm>
+              <a:prstGeom prst="rect">
+                <a:avLst/>
+              </a:prstGeom>
+              <a:noFill/>
+            </p:spPr>
+            <p:txBody>
+              <a:bodyPr wrap="square" rtlCol="0">
+                <a:spAutoFit/>
+              </a:bodyPr>
+              <a:lstStyle/>
+              <a:p>
+                <a:pPr/>
+                <a14:m>
+                  <m:oMathPara xmlns:m="http://schemas.openxmlformats.org/officeDocument/2006/math">
+                    <m:oMathParaPr>
+                      <m:jc m:val="centerGroup"/>
+                    </m:oMathParaPr>
+                    <m:oMath xmlns:m="http://schemas.openxmlformats.org/officeDocument/2006/math">
+                      <m:sSub>
+                        <m:sSubPr>
+                          <m:ctrlPr>
+                            <a:rPr lang="es-CO" sz="3200" b="1" i="1" smtClean="0">
+                              <a:solidFill>
+                                <a:schemeClr val="tx1"/>
+                              </a:solidFill>
+                              <a:latin typeface="Cambria Math" panose="02040503050406030204" pitchFamily="18" charset="0"/>
+                            </a:rPr>
+                          </m:ctrlPr>
+                        </m:sSubPr>
+                        <m:e>
+                          <m:r>
+                            <a:rPr lang="es-CO" sz="3200" b="1" i="1" smtClean="0">
+                              <a:solidFill>
+                                <a:schemeClr val="tx1"/>
+                              </a:solidFill>
+                              <a:latin typeface="Cambria Math" panose="02040503050406030204" pitchFamily="18" charset="0"/>
+                            </a:rPr>
+                            <m:t>𝑨</m:t>
+                          </m:r>
+                        </m:e>
+                        <m:sub>
+                          <m:r>
+                            <a:rPr lang="es-CO" sz="3200" b="1" i="1" smtClean="0">
+                              <a:solidFill>
+                                <a:schemeClr val="tx1"/>
+                              </a:solidFill>
+                              <a:latin typeface="Cambria Math" panose="02040503050406030204" pitchFamily="18" charset="0"/>
+                            </a:rPr>
+                            <m:t>𝒕</m:t>
+                          </m:r>
+                        </m:sub>
+                      </m:sSub>
+                    </m:oMath>
+                  </m:oMathPara>
+                </a14:m>
+                <a:endParaRPr lang="es-CO" sz="3200" b="1" dirty="0"/>
+              </a:p>
+              <a:p>
+                <a:endParaRPr lang="es-CO" sz="3200" dirty="0"/>
+              </a:p>
+            </p:txBody>
+          </p:sp>
+        </mc:Choice>
+        <mc:Fallback xmlns="">
+          <p:sp>
+            <p:nvSpPr>
+              <p:cNvPr id="40" name="CuadroTexto 39">
+                <a:extLst>
+                  <a:ext uri="{FF2B5EF4-FFF2-40B4-BE49-F238E27FC236}">
+                    <a16:creationId xmlns:a16="http://schemas.microsoft.com/office/drawing/2014/main" id="{FCB4C706-D92E-5187-E50A-C6D59270DE82}"/>
+                  </a:ext>
+                </a:extLst>
+              </p:cNvPr>
+              <p:cNvSpPr txBox="1">
+                <a:spLocks noRot="1" noChangeAspect="1" noMove="1" noResize="1" noEditPoints="1" noAdjustHandles="1" noChangeArrowheads="1" noChangeShapeType="1" noTextEdit="1"/>
+              </p:cNvSpPr>
+              <p:nvPr/>
+            </p:nvSpPr>
+            <p:spPr>
+              <a:xfrm>
+                <a:off x="5040988" y="2891973"/>
+                <a:ext cx="680936" cy="1077218"/>
+              </a:xfrm>
+              <a:prstGeom prst="rect">
+                <a:avLst/>
+              </a:prstGeom>
+              <a:blipFill>
+                <a:blip r:embed="rId14"/>
+                <a:stretch>
+                  <a:fillRect/>
+                </a:stretch>
+              </a:blipFill>
+            </p:spPr>
+            <p:txBody>
+              <a:bodyPr/>
+              <a:lstStyle/>
+              <a:p>
+                <a:r>
+                  <a:rPr lang="es-CO">
+                    <a:noFill/>
+                  </a:rPr>
+                  <a:t> </a:t>
+                </a:r>
+              </a:p>
+            </p:txBody>
+          </p:sp>
+        </mc:Fallback>
+      </mc:AlternateContent>
+      <p:cxnSp>
+        <p:nvCxnSpPr>
+          <p:cNvPr id="44" name="Conector recto de flecha 43">
+            <a:extLst>
+              <a:ext uri="{FF2B5EF4-FFF2-40B4-BE49-F238E27FC236}">
+                <a16:creationId xmlns:a16="http://schemas.microsoft.com/office/drawing/2014/main" id="{DA78D069-CE26-23CF-857F-FDE15ED6B550}"/>
+              </a:ext>
+            </a:extLst>
+          </p:cNvPr>
+          <p:cNvCxnSpPr/>
+          <p:nvPr/>
+        </p:nvCxnSpPr>
+        <p:spPr>
+          <a:xfrm>
+            <a:off x="4474723" y="5155660"/>
+            <a:ext cx="632296" cy="0"/>
+          </a:xfrm>
+          <a:prstGeom prst="straightConnector1">
+            <a:avLst/>
+          </a:prstGeom>
+          <a:ln w="38100">
+            <a:solidFill>
+              <a:schemeClr val="tx1"/>
+            </a:solidFill>
+            <a:tailEnd type="triangle"/>
+          </a:ln>
+        </p:spPr>
+        <p:style>
+          <a:lnRef idx="2">
+            <a:schemeClr val="dk1"/>
+          </a:lnRef>
+          <a:fillRef idx="0">
+            <a:schemeClr val="dk1"/>
+          </a:fillRef>
+          <a:effectRef idx="1">
+            <a:schemeClr val="dk1"/>
+          </a:effectRef>
+          <a:fontRef idx="minor">
+            <a:schemeClr val="tx1"/>
+          </a:fontRef>
+        </p:style>
+      </p:cxnSp>
+      <p:cxnSp>
+        <p:nvCxnSpPr>
+          <p:cNvPr id="47" name="Conector recto de flecha 46">
+            <a:extLst>
+              <a:ext uri="{FF2B5EF4-FFF2-40B4-BE49-F238E27FC236}">
+                <a16:creationId xmlns:a16="http://schemas.microsoft.com/office/drawing/2014/main" id="{B8CA313C-F9BC-F116-CECB-832BDA9CE2DD}"/>
+              </a:ext>
+            </a:extLst>
+          </p:cNvPr>
+          <p:cNvCxnSpPr>
+            <a:cxnSpLocks/>
+          </p:cNvCxnSpPr>
+          <p:nvPr/>
+        </p:nvCxnSpPr>
+        <p:spPr>
+          <a:xfrm flipH="1" flipV="1">
+            <a:off x="5602044" y="5144311"/>
+            <a:ext cx="714985" cy="22698"/>
+          </a:xfrm>
+          <a:prstGeom prst="straightConnector1">
+            <a:avLst/>
+          </a:prstGeom>
+          <a:ln w="38100">
+            <a:solidFill>
+              <a:schemeClr val="tx1"/>
+            </a:solidFill>
+            <a:tailEnd type="triangle"/>
+          </a:ln>
+        </p:spPr>
+        <p:style>
+          <a:lnRef idx="2">
+            <a:schemeClr val="dk1"/>
+          </a:lnRef>
+          <a:fillRef idx="0">
+            <a:schemeClr val="dk1"/>
+          </a:fillRef>
+          <a:effectRef idx="1">
+            <a:schemeClr val="dk1"/>
+          </a:effectRef>
+          <a:fontRef idx="minor">
+            <a:schemeClr val="tx1"/>
+          </a:fontRef>
+        </p:style>
+      </p:cxnSp>
+      <mc:AlternateContent xmlns:mc="http://schemas.openxmlformats.org/markup-compatibility/2006" xmlns:a14="http://schemas.microsoft.com/office/drawing/2010/main">
+        <mc:Choice Requires="a14">
+          <p:sp>
+            <p:nvSpPr>
+              <p:cNvPr id="49" name="CuadroTexto 48">
+                <a:extLst>
+                  <a:ext uri="{FF2B5EF4-FFF2-40B4-BE49-F238E27FC236}">
+                    <a16:creationId xmlns:a16="http://schemas.microsoft.com/office/drawing/2014/main" id="{F7069771-2CAD-91BC-8F56-D5EE8BAFE0CB}"/>
+                  </a:ext>
+                </a:extLst>
+              </p:cNvPr>
+              <p:cNvSpPr txBox="1"/>
+              <p:nvPr/>
+            </p:nvSpPr>
+            <p:spPr>
+              <a:xfrm>
+                <a:off x="6419142" y="4886664"/>
+                <a:ext cx="1090607" cy="513282"/>
+              </a:xfrm>
+              <a:prstGeom prst="rect">
+                <a:avLst/>
+              </a:prstGeom>
+              <a:noFill/>
+            </p:spPr>
+            <p:txBody>
+              <a:bodyPr wrap="square" rtlCol="0">
+                <a:spAutoFit/>
+              </a:bodyPr>
+              <a:lstStyle/>
+              <a:p>
+                <a14:m>
+                  <m:oMath xmlns:m="http://schemas.openxmlformats.org/officeDocument/2006/math">
+                    <m:r>
+                      <a:rPr lang="es-CO" sz="2400" b="1" i="1" smtClean="0">
+                        <a:latin typeface="Cambria Math" panose="02040503050406030204" pitchFamily="18" charset="0"/>
+                      </a:rPr>
+                      <m:t>𝒂</m:t>
+                    </m:r>
+                  </m:oMath>
+                </a14:m>
+                <a:r>
+                  <a:rPr lang="es-CO" b="1" dirty="0"/>
+                  <a:t> ó </a:t>
+                </a:r>
+                <a14:m>
+                  <m:oMath xmlns:m="http://schemas.openxmlformats.org/officeDocument/2006/math">
+                    <m:sSub>
+                      <m:sSubPr>
+                        <m:ctrlPr>
+                          <a:rPr lang="es-CO" sz="2800" b="1" i="1">
+                            <a:latin typeface="Cambria Math" panose="02040503050406030204" pitchFamily="18" charset="0"/>
+                          </a:rPr>
+                        </m:ctrlPr>
+                      </m:sSubPr>
+                      <m:e>
+                        <m:r>
+                          <a:rPr lang="es-CO" sz="2800" b="1" i="1">
+                            <a:latin typeface="Cambria Math" panose="02040503050406030204" pitchFamily="18" charset="0"/>
+                          </a:rPr>
+                          <m:t>𝑨</m:t>
+                        </m:r>
+                      </m:e>
+                      <m:sub>
+                        <m:r>
+                          <a:rPr lang="es-CO" sz="2800" b="1" i="1">
+                            <a:latin typeface="Cambria Math" panose="02040503050406030204" pitchFamily="18" charset="0"/>
+                          </a:rPr>
+                          <m:t>𝟎</m:t>
+                        </m:r>
+                      </m:sub>
+                    </m:sSub>
+                  </m:oMath>
+                </a14:m>
+                <a:r>
+                  <a:rPr lang="es-CO" b="1" dirty="0"/>
+                  <a:t> </a:t>
+                </a:r>
+              </a:p>
+            </p:txBody>
+          </p:sp>
+        </mc:Choice>
+        <mc:Fallback xmlns="">
+          <p:sp>
+            <p:nvSpPr>
+              <p:cNvPr id="49" name="CuadroTexto 48">
+                <a:extLst>
+                  <a:ext uri="{FF2B5EF4-FFF2-40B4-BE49-F238E27FC236}">
+                    <a16:creationId xmlns:a16="http://schemas.microsoft.com/office/drawing/2014/main" id="{F7069771-2CAD-91BC-8F56-D5EE8BAFE0CB}"/>
+                  </a:ext>
+                </a:extLst>
+              </p:cNvPr>
+              <p:cNvSpPr txBox="1">
+                <a:spLocks noRot="1" noChangeAspect="1" noMove="1" noResize="1" noEditPoints="1" noAdjustHandles="1" noChangeArrowheads="1" noChangeShapeType="1" noTextEdit="1"/>
+              </p:cNvSpPr>
+              <p:nvPr/>
+            </p:nvSpPr>
+            <p:spPr>
+              <a:xfrm>
+                <a:off x="6419142" y="4886664"/>
+                <a:ext cx="1090607" cy="513282"/>
+              </a:xfrm>
+              <a:prstGeom prst="rect">
+                <a:avLst/>
+              </a:prstGeom>
+              <a:blipFill>
+                <a:blip r:embed="rId15"/>
+                <a:stretch>
+                  <a:fillRect b="-15476"/>
+                </a:stretch>
+              </a:blipFill>
+            </p:spPr>
+            <p:txBody>
+              <a:bodyPr/>
+              <a:lstStyle/>
+              <a:p>
+                <a:r>
+                  <a:rPr lang="es-CO">
+                    <a:noFill/>
+                  </a:rPr>
+                  <a:t> </a:t>
+                </a:r>
+              </a:p>
+            </p:txBody>
+          </p:sp>
+        </mc:Fallback>
+      </mc:AlternateContent>
+      <p:cxnSp>
+        <p:nvCxnSpPr>
+          <p:cNvPr id="51" name="Conector recto de flecha 50">
+            <a:extLst>
+              <a:ext uri="{FF2B5EF4-FFF2-40B4-BE49-F238E27FC236}">
+                <a16:creationId xmlns:a16="http://schemas.microsoft.com/office/drawing/2014/main" id="{4A52A29E-1676-6D54-CFD8-0F561224D30B}"/>
+              </a:ext>
+            </a:extLst>
+          </p:cNvPr>
+          <p:cNvCxnSpPr>
+            <a:cxnSpLocks/>
+          </p:cNvCxnSpPr>
+          <p:nvPr/>
+        </p:nvCxnSpPr>
+        <p:spPr>
+          <a:xfrm>
+            <a:off x="7130375" y="2315183"/>
+            <a:ext cx="0" cy="2295724"/>
+          </a:xfrm>
+          <a:prstGeom prst="straightConnector1">
+            <a:avLst/>
+          </a:prstGeom>
+          <a:ln w="38100">
+            <a:headEnd type="triangle"/>
+            <a:tailEnd type="triangle"/>
+          </a:ln>
+        </p:spPr>
+        <p:style>
+          <a:lnRef idx="2">
+            <a:schemeClr val="dk1"/>
+          </a:lnRef>
+          <a:fillRef idx="0">
+            <a:schemeClr val="dk1"/>
+          </a:fillRef>
+          <a:effectRef idx="1">
+            <a:schemeClr val="dk1"/>
+          </a:effectRef>
+          <a:fontRef idx="minor">
+            <a:schemeClr val="tx1"/>
+          </a:fontRef>
+        </p:style>
+      </p:cxnSp>
+      <p:cxnSp>
+        <p:nvCxnSpPr>
+          <p:cNvPr id="53" name="Conector recto 52">
+            <a:extLst>
+              <a:ext uri="{FF2B5EF4-FFF2-40B4-BE49-F238E27FC236}">
+                <a16:creationId xmlns:a16="http://schemas.microsoft.com/office/drawing/2014/main" id="{6083BF3B-67A5-6F8B-5CF4-D54AA1D3AF62}"/>
+              </a:ext>
+            </a:extLst>
+          </p:cNvPr>
+          <p:cNvCxnSpPr>
+            <a:cxnSpLocks/>
+          </p:cNvCxnSpPr>
+          <p:nvPr/>
+        </p:nvCxnSpPr>
+        <p:spPr>
+          <a:xfrm>
+            <a:off x="6682188" y="2315183"/>
+            <a:ext cx="827565" cy="0"/>
+          </a:xfrm>
+          <a:prstGeom prst="line">
+            <a:avLst/>
+          </a:prstGeom>
+          <a:ln w="38100"/>
+        </p:spPr>
+        <p:style>
+          <a:lnRef idx="2">
+            <a:schemeClr val="dk1"/>
+          </a:lnRef>
+          <a:fillRef idx="0">
+            <a:schemeClr val="dk1"/>
+          </a:fillRef>
+          <a:effectRef idx="1">
+            <a:schemeClr val="dk1"/>
+          </a:effectRef>
+          <a:fontRef idx="minor">
+            <a:schemeClr val="tx1"/>
+          </a:fontRef>
+        </p:style>
+      </p:cxnSp>
+      <p:cxnSp>
+        <p:nvCxnSpPr>
+          <p:cNvPr id="55" name="Conector recto 54">
+            <a:extLst>
+              <a:ext uri="{FF2B5EF4-FFF2-40B4-BE49-F238E27FC236}">
+                <a16:creationId xmlns:a16="http://schemas.microsoft.com/office/drawing/2014/main" id="{92DCEBF0-A1DF-B9F8-516C-A1073D51BF49}"/>
+              </a:ext>
+            </a:extLst>
+          </p:cNvPr>
+          <p:cNvCxnSpPr>
+            <a:cxnSpLocks/>
+          </p:cNvCxnSpPr>
+          <p:nvPr/>
+        </p:nvCxnSpPr>
+        <p:spPr>
+          <a:xfrm>
+            <a:off x="6688668" y="4588218"/>
+            <a:ext cx="821085" cy="0"/>
+          </a:xfrm>
+          <a:prstGeom prst="line">
+            <a:avLst/>
+          </a:prstGeom>
+          <a:ln w="38100"/>
+        </p:spPr>
+        <p:style>
+          <a:lnRef idx="2">
+            <a:schemeClr val="dk1"/>
+          </a:lnRef>
+          <a:fillRef idx="0">
+            <a:schemeClr val="dk1"/>
+          </a:fillRef>
+          <a:effectRef idx="1">
+            <a:schemeClr val="dk1"/>
+          </a:effectRef>
+          <a:fontRef idx="minor">
+            <a:schemeClr val="tx1"/>
+          </a:fontRef>
+        </p:style>
+      </p:cxnSp>
+      <mc:AlternateContent xmlns:mc="http://schemas.openxmlformats.org/markup-compatibility/2006" xmlns:a14="http://schemas.microsoft.com/office/drawing/2010/main">
+        <mc:Choice Requires="a14">
+          <p:sp>
+            <p:nvSpPr>
+              <p:cNvPr id="59" name="CuadroTexto 58">
+                <a:extLst>
+                  <a:ext uri="{FF2B5EF4-FFF2-40B4-BE49-F238E27FC236}">
+                    <a16:creationId xmlns:a16="http://schemas.microsoft.com/office/drawing/2014/main" id="{CC23E74C-6EEA-C5E4-E75C-EF80294DDAB2}"/>
+                  </a:ext>
+                </a:extLst>
+              </p:cNvPr>
+              <p:cNvSpPr txBox="1"/>
+              <p:nvPr/>
+            </p:nvSpPr>
+            <p:spPr>
+              <a:xfrm>
+                <a:off x="7108702" y="3054887"/>
+                <a:ext cx="622571" cy="461665"/>
+              </a:xfrm>
+              <a:prstGeom prst="rect">
+                <a:avLst/>
+              </a:prstGeom>
+              <a:noFill/>
+            </p:spPr>
+            <p:txBody>
+              <a:bodyPr wrap="square" rtlCol="0">
+                <a:spAutoFit/>
+              </a:bodyPr>
+              <a:lstStyle/>
+              <a:p>
+                <a:pPr/>
+                <a14:m>
+                  <m:oMathPara xmlns:m="http://schemas.openxmlformats.org/officeDocument/2006/math">
+                    <m:oMathParaPr>
+                      <m:jc m:val="centerGroup"/>
+                    </m:oMathParaPr>
+                    <m:oMath xmlns:m="http://schemas.openxmlformats.org/officeDocument/2006/math">
+                      <m:r>
+                        <a:rPr lang="es-CO" sz="2400" b="1" i="1" smtClean="0">
+                          <a:latin typeface="Cambria Math" panose="02040503050406030204" pitchFamily="18" charset="0"/>
+                        </a:rPr>
+                        <m:t>𝒉</m:t>
+                      </m:r>
+                    </m:oMath>
+                  </m:oMathPara>
+                </a14:m>
+                <a:endParaRPr lang="es-CO" b="1" dirty="0"/>
+              </a:p>
+            </p:txBody>
+          </p:sp>
+        </mc:Choice>
+        <mc:Fallback xmlns="">
+          <p:sp>
+            <p:nvSpPr>
+              <p:cNvPr id="59" name="CuadroTexto 58">
+                <a:extLst>
+                  <a:ext uri="{FF2B5EF4-FFF2-40B4-BE49-F238E27FC236}">
+                    <a16:creationId xmlns:a16="http://schemas.microsoft.com/office/drawing/2014/main" id="{CC23E74C-6EEA-C5E4-E75C-EF80294DDAB2}"/>
+                  </a:ext>
+                </a:extLst>
+              </p:cNvPr>
+              <p:cNvSpPr txBox="1">
+                <a:spLocks noRot="1" noChangeAspect="1" noMove="1" noResize="1" noEditPoints="1" noAdjustHandles="1" noChangeArrowheads="1" noChangeShapeType="1" noTextEdit="1"/>
+              </p:cNvSpPr>
+              <p:nvPr/>
+            </p:nvSpPr>
+            <p:spPr>
+              <a:xfrm>
+                <a:off x="7108702" y="3054887"/>
+                <a:ext cx="622571" cy="461665"/>
+              </a:xfrm>
+              <a:prstGeom prst="rect">
+                <a:avLst/>
+              </a:prstGeom>
+              <a:blipFill>
+                <a:blip r:embed="rId16"/>
+                <a:stretch>
+                  <a:fillRect/>
+                </a:stretch>
+              </a:blipFill>
+            </p:spPr>
+            <p:txBody>
+              <a:bodyPr/>
+              <a:lstStyle/>
+              <a:p>
+                <a:r>
+                  <a:rPr lang="es-CO">
+                    <a:noFill/>
+                  </a:rPr>
+                  <a:t> </a:t>
+                </a:r>
+              </a:p>
+            </p:txBody>
+          </p:sp>
+        </mc:Fallback>
+      </mc:AlternateContent>
+      <p:cxnSp>
+        <p:nvCxnSpPr>
+          <p:cNvPr id="62" name="Conector recto 61">
+            <a:extLst>
+              <a:ext uri="{FF2B5EF4-FFF2-40B4-BE49-F238E27FC236}">
+                <a16:creationId xmlns:a16="http://schemas.microsoft.com/office/drawing/2014/main" id="{E92FD7E5-CF51-BB4F-CF1E-71C41FC759DE}"/>
+              </a:ext>
+            </a:extLst>
+          </p:cNvPr>
+          <p:cNvCxnSpPr>
+            <a:cxnSpLocks/>
+          </p:cNvCxnSpPr>
+          <p:nvPr/>
+        </p:nvCxnSpPr>
+        <p:spPr>
+          <a:xfrm>
+            <a:off x="5100885" y="5155449"/>
+            <a:ext cx="554477" cy="1"/>
+          </a:xfrm>
+          <a:prstGeom prst="line">
+            <a:avLst/>
+          </a:prstGeom>
+          <a:ln>
+            <a:prstDash val="dash"/>
+          </a:ln>
+        </p:spPr>
+        <p:style>
+          <a:lnRef idx="2">
+            <a:schemeClr val="dk1"/>
+          </a:lnRef>
+          <a:fillRef idx="0">
+            <a:schemeClr val="dk1"/>
+          </a:fillRef>
+          <a:effectRef idx="1">
+            <a:schemeClr val="dk1"/>
+          </a:effectRef>
+          <a:fontRef idx="minor">
+            <a:schemeClr val="tx1"/>
+          </a:fontRef>
+        </p:style>
+      </p:cxnSp>
+    </p:spTree>
+    <p:extLst>
+      <p:ext uri="{BB962C8B-B14F-4D97-AF65-F5344CB8AC3E}">
+        <p14:creationId xmlns:p14="http://schemas.microsoft.com/office/powerpoint/2010/main" val="3094165783"/>
+      </p:ext>
+    </p:extLst>
+  </p:cSld>
+  <p:clrMapOvr>
+    <a:masterClrMapping/>
+  </p:clrMapOvr>
+</p:sld>
+</file>
+
+<file path=ppt/slides/slide2.xml><?xml version="1.0" encoding="utf-8"?>
+<p:sld xmlns:a="http://schemas.openxmlformats.org/drawingml/2006/main" xmlns:r="http://schemas.openxmlformats.org/officeDocument/2006/relationships" xmlns:p="http://schemas.openxmlformats.org/presentationml/2006/main">
+  <p:cSld>
+    <p:spTree>
+      <p:nvGrpSpPr>
+        <p:cNvPr id="1" name="">
+          <a:extLst>
+            <a:ext uri="{FF2B5EF4-FFF2-40B4-BE49-F238E27FC236}">
+              <a16:creationId xmlns:a16="http://schemas.microsoft.com/office/drawing/2014/main" id="{79BF8679-0B1A-4A83-307A-7B9867069757}"/>
+            </a:ext>
+          </a:extLst>
+        </p:cNvPr>
+        <p:cNvGrpSpPr/>
+        <p:nvPr/>
+      </p:nvGrpSpPr>
+      <p:grpSpPr>
+        <a:xfrm>
+          <a:off x="0" y="0"/>
+          <a:ext cx="0" cy="0"/>
+          <a:chOff x="0" y="0"/>
+          <a:chExt cx="0" cy="0"/>
+        </a:xfrm>
+      </p:grpSpPr>
+      <p:sp>
+        <p:nvSpPr>
+          <p:cNvPr id="10" name="Cilindro 9">
+            <a:extLst>
+              <a:ext uri="{FF2B5EF4-FFF2-40B4-BE49-F238E27FC236}">
+                <a16:creationId xmlns:a16="http://schemas.microsoft.com/office/drawing/2014/main" id="{983EF379-DD07-0DFD-1CA4-AA96F69036AF}"/>
+              </a:ext>
+            </a:extLst>
+          </p:cNvPr>
+          <p:cNvSpPr/>
+          <p:nvPr/>
+        </p:nvSpPr>
+        <p:spPr>
+          <a:xfrm>
+            <a:off x="5107019" y="4717915"/>
+            <a:ext cx="486383" cy="680936"/>
+          </a:xfrm>
+          <a:prstGeom prst="can">
+            <a:avLst/>
+          </a:prstGeom>
+          <a:solidFill>
+            <a:schemeClr val="accent6">
+              <a:lumMod val="60000"/>
+              <a:lumOff val="40000"/>
+            </a:schemeClr>
+          </a:solidFill>
+          <a:ln w="38100"/>
+        </p:spPr>
+        <p:style>
+          <a:lnRef idx="2">
+            <a:schemeClr val="accent1">
+              <a:shade val="15000"/>
+            </a:schemeClr>
+          </a:lnRef>
+          <a:fillRef idx="1">
+            <a:schemeClr val="accent1"/>
+          </a:fillRef>
+          <a:effectRef idx="0">
+            <a:schemeClr val="accent1"/>
+          </a:effectRef>
+          <a:fontRef idx="minor">
+            <a:schemeClr val="lt1"/>
+          </a:fontRef>
+        </p:style>
+        <p:txBody>
+          <a:bodyPr rtlCol="0" anchor="ctr"/>
+          <a:lstStyle/>
+          <a:p>
+            <a:pPr algn="ctr"/>
+            <a:endParaRPr lang="es-CO"/>
+          </a:p>
+        </p:txBody>
+      </p:sp>
+      <p:sp>
+        <p:nvSpPr>
+          <p:cNvPr id="2" name="Cilindro 1">
+            <a:extLst>
+              <a:ext uri="{FF2B5EF4-FFF2-40B4-BE49-F238E27FC236}">
+                <a16:creationId xmlns:a16="http://schemas.microsoft.com/office/drawing/2014/main" id="{FB0870E7-2F04-BFD7-09E1-5E5931B8B404}"/>
+              </a:ext>
+            </a:extLst>
+          </p:cNvPr>
+          <p:cNvSpPr/>
+          <p:nvPr/>
+        </p:nvSpPr>
+        <p:spPr>
+          <a:xfrm>
+            <a:off x="4027251" y="836579"/>
+            <a:ext cx="2645923" cy="4056434"/>
+          </a:xfrm>
+          <a:prstGeom prst="can">
+            <a:avLst/>
+          </a:prstGeom>
+          <a:ln w="57150">
+            <a:solidFill>
+              <a:schemeClr val="tx1"/>
+            </a:solidFill>
+          </a:ln>
+        </p:spPr>
+        <p:style>
+          <a:lnRef idx="2">
+            <a:schemeClr val="accent1"/>
+          </a:lnRef>
+          <a:fillRef idx="1">
+            <a:schemeClr val="lt1"/>
+          </a:fillRef>
+          <a:effectRef idx="0">
+            <a:schemeClr val="accent1"/>
+          </a:effectRef>
+          <a:fontRef idx="minor">
+            <a:schemeClr val="dk1"/>
+          </a:fontRef>
+        </p:style>
+        <p:txBody>
+          <a:bodyPr rtlCol="0" anchor="ctr"/>
+          <a:lstStyle/>
+          <a:p>
+            <a:pPr algn="ctr"/>
+            <a:endParaRPr lang="es-CO"/>
+          </a:p>
+        </p:txBody>
+      </p:sp>
+      <p:sp>
+        <p:nvSpPr>
+          <p:cNvPr id="3" name="Cilindro 2">
+            <a:extLst>
+              <a:ext uri="{FF2B5EF4-FFF2-40B4-BE49-F238E27FC236}">
+                <a16:creationId xmlns:a16="http://schemas.microsoft.com/office/drawing/2014/main" id="{B9954016-3563-2207-5835-582378E169E3}"/>
+              </a:ext>
+            </a:extLst>
+          </p:cNvPr>
+          <p:cNvSpPr/>
+          <p:nvPr/>
+        </p:nvSpPr>
+        <p:spPr>
+          <a:xfrm>
+            <a:off x="4027250" y="1964987"/>
+            <a:ext cx="2645923" cy="2928026"/>
+          </a:xfrm>
+          <a:prstGeom prst="can">
+            <a:avLst/>
+          </a:prstGeom>
+          <a:solidFill>
+            <a:schemeClr val="accent6">
+              <a:lumMod val="60000"/>
+              <a:lumOff val="40000"/>
+            </a:schemeClr>
+          </a:solidFill>
+        </p:spPr>
+        <p:style>
+          <a:lnRef idx="2">
+            <a:schemeClr val="accent1">
+              <a:shade val="15000"/>
+            </a:schemeClr>
+          </a:lnRef>
+          <a:fillRef idx="1">
+            <a:schemeClr val="accent1"/>
+          </a:fillRef>
+          <a:effectRef idx="0">
+            <a:schemeClr val="accent1"/>
+          </a:effectRef>
+          <a:fontRef idx="minor">
+            <a:schemeClr val="lt1"/>
+          </a:fontRef>
+        </p:style>
+        <p:txBody>
+          <a:bodyPr rtlCol="0" anchor="ctr"/>
+          <a:lstStyle/>
+          <a:p>
+            <a:pPr algn="ctr"/>
+            <a:endParaRPr lang="es-CO"/>
+          </a:p>
+        </p:txBody>
+      </p:sp>
+      <p:sp>
+        <p:nvSpPr>
+          <p:cNvPr id="17" name="Elipse 16">
+            <a:extLst>
+              <a:ext uri="{FF2B5EF4-FFF2-40B4-BE49-F238E27FC236}">
+                <a16:creationId xmlns:a16="http://schemas.microsoft.com/office/drawing/2014/main" id="{15F83DA3-D3AD-8CD5-CEF7-19D24737DA01}"/>
+              </a:ext>
+            </a:extLst>
+          </p:cNvPr>
+          <p:cNvSpPr/>
+          <p:nvPr/>
+        </p:nvSpPr>
+        <p:spPr>
+          <a:xfrm>
+            <a:off x="4027250" y="4299625"/>
+            <a:ext cx="2645923" cy="593387"/>
+          </a:xfrm>
+          <a:prstGeom prst="ellipse">
+            <a:avLst/>
+          </a:prstGeom>
+          <a:noFill/>
+          <a:ln w="38100">
+            <a:prstDash val="lgDash"/>
+          </a:ln>
+        </p:spPr>
+        <p:style>
+          <a:lnRef idx="2">
+            <a:schemeClr val="accent1">
+              <a:shade val="15000"/>
+            </a:schemeClr>
+          </a:lnRef>
+          <a:fillRef idx="1">
+            <a:schemeClr val="accent1"/>
+          </a:fillRef>
+          <a:effectRef idx="0">
+            <a:schemeClr val="accent1"/>
+          </a:effectRef>
+          <a:fontRef idx="minor">
+            <a:schemeClr val="lt1"/>
+          </a:fontRef>
+        </p:style>
+        <p:txBody>
+          <a:bodyPr rtlCol="0" anchor="ctr"/>
+          <a:lstStyle/>
+          <a:p>
+            <a:pPr algn="ctr"/>
+            <a:endParaRPr lang="es-CO"/>
+          </a:p>
+        </p:txBody>
+      </p:sp>
+      <p:sp>
+        <p:nvSpPr>
+          <p:cNvPr id="18" name="Elipse 17">
+            <a:extLst>
+              <a:ext uri="{FF2B5EF4-FFF2-40B4-BE49-F238E27FC236}">
+                <a16:creationId xmlns:a16="http://schemas.microsoft.com/office/drawing/2014/main" id="{FCF633EA-3E05-21F4-6F4C-741A98587FAE}"/>
+              </a:ext>
+            </a:extLst>
+          </p:cNvPr>
+          <p:cNvSpPr/>
+          <p:nvPr/>
+        </p:nvSpPr>
+        <p:spPr>
+          <a:xfrm>
+            <a:off x="5145932" y="4610907"/>
+            <a:ext cx="418288" cy="87550"/>
+          </a:xfrm>
+          <a:prstGeom prst="ellipse">
+            <a:avLst/>
+          </a:prstGeom>
+          <a:noFill/>
+          <a:ln w="28575">
+            <a:prstDash val="dash"/>
+          </a:ln>
+        </p:spPr>
+        <p:style>
+          <a:lnRef idx="2">
+            <a:schemeClr val="accent1">
+              <a:shade val="15000"/>
+            </a:schemeClr>
+          </a:lnRef>
+          <a:fillRef idx="1">
+            <a:schemeClr val="accent1"/>
+          </a:fillRef>
+          <a:effectRef idx="0">
+            <a:schemeClr val="accent1"/>
+          </a:effectRef>
+          <a:fontRef idx="minor">
+            <a:schemeClr val="lt1"/>
+          </a:fontRef>
+        </p:style>
+        <p:txBody>
+          <a:bodyPr rtlCol="0" anchor="ctr"/>
+          <a:lstStyle/>
+          <a:p>
+            <a:pPr algn="ctr"/>
+            <a:endParaRPr lang="es-CO"/>
+          </a:p>
+        </p:txBody>
+      </p:sp>
+      <mc:AlternateContent xmlns:mc="http://schemas.openxmlformats.org/markup-compatibility/2006" xmlns:p14="http://schemas.microsoft.com/office/powerpoint/2010/main">
+        <mc:Choice Requires="p14">
+          <p:contentPart p14:bwMode="auto" r:id="rId2">
+            <p14:nvContentPartPr>
+              <p14:cNvPr id="22" name="Entrada de lápiz 21">
+                <a:extLst>
+                  <a:ext uri="{FF2B5EF4-FFF2-40B4-BE49-F238E27FC236}">
+                    <a16:creationId xmlns:a16="http://schemas.microsoft.com/office/drawing/2014/main" id="{8883193C-D82D-00FD-A347-42F207BEF8EB}"/>
+                  </a:ext>
+                </a:extLst>
+              </p14:cNvPr>
+              <p14:cNvContentPartPr/>
+              <p14:nvPr/>
+            </p14:nvContentPartPr>
+            <p14:xfrm>
+              <a:off x="5085084" y="5417885"/>
+              <a:ext cx="129960" cy="1001160"/>
+            </p14:xfrm>
+          </p:contentPart>
+        </mc:Choice>
+        <mc:Fallback xmlns="">
+          <p:pic>
+            <p:nvPicPr>
+              <p:cNvPr id="22" name="Entrada de lápiz 21">
+                <a:extLst>
+                  <a:ext uri="{FF2B5EF4-FFF2-40B4-BE49-F238E27FC236}">
+                    <a16:creationId xmlns:a16="http://schemas.microsoft.com/office/drawing/2014/main" id="{8883193C-D82D-00FD-A347-42F207BEF8EB}"/>
+                  </a:ext>
+                </a:extLst>
+              </p:cNvPr>
+              <p:cNvPicPr/>
+              <p:nvPr/>
+            </p:nvPicPr>
+            <p:blipFill>
+              <a:blip r:embed="rId3"/>
+              <a:stretch>
+                <a:fillRect/>
+              </a:stretch>
+            </p:blipFill>
+            <p:spPr>
+              <a:xfrm>
+                <a:off x="5049084" y="5381885"/>
+                <a:ext cx="201600" cy="1072800"/>
+              </a:xfrm>
+              <a:prstGeom prst="rect">
+                <a:avLst/>
+              </a:prstGeom>
+            </p:spPr>
+          </p:pic>
+        </mc:Fallback>
+      </mc:AlternateContent>
+      <mc:AlternateContent xmlns:mc="http://schemas.openxmlformats.org/markup-compatibility/2006" xmlns:p14="http://schemas.microsoft.com/office/powerpoint/2010/main">
+        <mc:Choice Requires="p14">
+          <p:contentPart p14:bwMode="auto" r:id="rId4">
+            <p14:nvContentPartPr>
+              <p14:cNvPr id="23" name="Entrada de lápiz 22">
+                <a:extLst>
+                  <a:ext uri="{FF2B5EF4-FFF2-40B4-BE49-F238E27FC236}">
+                    <a16:creationId xmlns:a16="http://schemas.microsoft.com/office/drawing/2014/main" id="{DAA8C00E-E576-8F1C-B31F-5C1F92C49CA5}"/>
+                  </a:ext>
+                </a:extLst>
+              </p14:cNvPr>
+              <p14:cNvContentPartPr/>
+              <p14:nvPr/>
+            </p14:nvContentPartPr>
+            <p14:xfrm>
+              <a:off x="5562804" y="5437325"/>
+              <a:ext cx="159120" cy="948960"/>
+            </p14:xfrm>
+          </p:contentPart>
+        </mc:Choice>
+        <mc:Fallback xmlns="">
+          <p:pic>
+            <p:nvPicPr>
+              <p:cNvPr id="23" name="Entrada de lápiz 22">
+                <a:extLst>
+                  <a:ext uri="{FF2B5EF4-FFF2-40B4-BE49-F238E27FC236}">
+                    <a16:creationId xmlns:a16="http://schemas.microsoft.com/office/drawing/2014/main" id="{DAA8C00E-E576-8F1C-B31F-5C1F92C49CA5}"/>
+                  </a:ext>
+                </a:extLst>
+              </p:cNvPr>
+              <p:cNvPicPr/>
+              <p:nvPr/>
+            </p:nvPicPr>
+            <p:blipFill>
+              <a:blip r:embed="rId5"/>
+              <a:stretch>
+                <a:fillRect/>
+              </a:stretch>
+            </p:blipFill>
+            <p:spPr>
+              <a:xfrm>
+                <a:off x="5526804" y="5401325"/>
+                <a:ext cx="230760" cy="1020600"/>
+              </a:xfrm>
+              <a:prstGeom prst="rect">
+                <a:avLst/>
+              </a:prstGeom>
+            </p:spPr>
+          </p:pic>
+        </mc:Fallback>
+      </mc:AlternateContent>
+      <p:grpSp>
+        <p:nvGrpSpPr>
+          <p:cNvPr id="28" name="Grupo 27">
+            <a:extLst>
+              <a:ext uri="{FF2B5EF4-FFF2-40B4-BE49-F238E27FC236}">
+                <a16:creationId xmlns:a16="http://schemas.microsoft.com/office/drawing/2014/main" id="{9D931282-2B67-B95A-EC0D-09ABE77B9C2F}"/>
+              </a:ext>
+            </a:extLst>
+          </p:cNvPr>
+          <p:cNvGrpSpPr/>
+          <p:nvPr/>
+        </p:nvGrpSpPr>
+        <p:grpSpPr>
+          <a:xfrm>
+            <a:off x="5279484" y="5476565"/>
+            <a:ext cx="322560" cy="971280"/>
+            <a:chOff x="5279484" y="5476565"/>
+            <a:chExt cx="322560" cy="971280"/>
+          </a:xfrm>
+        </p:grpSpPr>
+        <mc:AlternateContent xmlns:mc="http://schemas.openxmlformats.org/markup-compatibility/2006" xmlns:p14="http://schemas.microsoft.com/office/powerpoint/2010/main">
+          <mc:Choice Requires="p14">
+            <p:contentPart p14:bwMode="auto" r:id="rId6">
+              <p14:nvContentPartPr>
+                <p14:cNvPr id="24" name="Entrada de lápiz 23">
+                  <a:extLst>
+                    <a:ext uri="{FF2B5EF4-FFF2-40B4-BE49-F238E27FC236}">
+                      <a16:creationId xmlns:a16="http://schemas.microsoft.com/office/drawing/2014/main" id="{171904C9-A5C3-89C9-0F79-1A6208D3DE65}"/>
+                    </a:ext>
+                  </a:extLst>
+                </p14:cNvPr>
+                <p14:cNvContentPartPr/>
+                <p14:nvPr/>
+              </p14:nvContentPartPr>
+              <p14:xfrm>
+                <a:off x="5279484" y="5641805"/>
+                <a:ext cx="52200" cy="455760"/>
+              </p14:xfrm>
+            </p:contentPart>
+          </mc:Choice>
+          <mc:Fallback xmlns="">
+            <p:pic>
+              <p:nvPicPr>
+                <p:cNvPr id="24" name="Entrada de lápiz 23">
+                  <a:extLst>
+                    <a:ext uri="{FF2B5EF4-FFF2-40B4-BE49-F238E27FC236}">
+                      <a16:creationId xmlns:a16="http://schemas.microsoft.com/office/drawing/2014/main" id="{5EF010FD-3390-3F23-E3E0-548A53F305B8}"/>
+                    </a:ext>
+                  </a:extLst>
+                </p:cNvPr>
+                <p:cNvPicPr/>
+                <p:nvPr/>
+              </p:nvPicPr>
+              <p:blipFill>
+                <a:blip r:embed="rId7"/>
+                <a:stretch>
+                  <a:fillRect/>
+                </a:stretch>
+              </p:blipFill>
+              <p:spPr>
+                <a:xfrm>
+                  <a:off x="5273364" y="5635685"/>
+                  <a:ext cx="64440" cy="468000"/>
+                </a:xfrm>
+                <a:prstGeom prst="rect">
+                  <a:avLst/>
+                </a:prstGeom>
+              </p:spPr>
+            </p:pic>
+          </mc:Fallback>
+        </mc:AlternateContent>
+        <mc:AlternateContent xmlns:mc="http://schemas.openxmlformats.org/markup-compatibility/2006" xmlns:p14="http://schemas.microsoft.com/office/powerpoint/2010/main">
+          <mc:Choice Requires="p14">
+            <p:contentPart p14:bwMode="auto" r:id="rId8">
+              <p14:nvContentPartPr>
+                <p14:cNvPr id="25" name="Entrada de lápiz 24">
+                  <a:extLst>
+                    <a:ext uri="{FF2B5EF4-FFF2-40B4-BE49-F238E27FC236}">
+                      <a16:creationId xmlns:a16="http://schemas.microsoft.com/office/drawing/2014/main" id="{E8D1FA2B-CD98-D0FB-7902-F0544E9AF837}"/>
+                    </a:ext>
+                  </a:extLst>
+                </p14:cNvPr>
+                <p14:cNvContentPartPr/>
+                <p14:nvPr/>
+              </p14:nvContentPartPr>
+              <p14:xfrm>
+                <a:off x="5378124" y="5729285"/>
+                <a:ext cx="61920" cy="588600"/>
+              </p14:xfrm>
+            </p:contentPart>
+          </mc:Choice>
+          <mc:Fallback xmlns="">
+            <p:pic>
+              <p:nvPicPr>
+                <p:cNvPr id="25" name="Entrada de lápiz 24">
+                  <a:extLst>
+                    <a:ext uri="{FF2B5EF4-FFF2-40B4-BE49-F238E27FC236}">
+                      <a16:creationId xmlns:a16="http://schemas.microsoft.com/office/drawing/2014/main" id="{0F2ADFCD-D831-0EFA-96C1-80B8C5D38A94}"/>
+                    </a:ext>
+                  </a:extLst>
+                </p:cNvPr>
+                <p:cNvPicPr/>
+                <p:nvPr/>
+              </p:nvPicPr>
+              <p:blipFill>
+                <a:blip r:embed="rId9"/>
+                <a:stretch>
+                  <a:fillRect/>
+                </a:stretch>
+              </p:blipFill>
+              <p:spPr>
+                <a:xfrm>
+                  <a:off x="5372004" y="5723165"/>
+                  <a:ext cx="74160" cy="600840"/>
+                </a:xfrm>
+                <a:prstGeom prst="rect">
+                  <a:avLst/>
+                </a:prstGeom>
+              </p:spPr>
+            </p:pic>
+          </mc:Fallback>
+        </mc:AlternateContent>
+        <mc:AlternateContent xmlns:mc="http://schemas.openxmlformats.org/markup-compatibility/2006" xmlns:p14="http://schemas.microsoft.com/office/powerpoint/2010/main">
+          <mc:Choice Requires="p14">
+            <p:contentPart p14:bwMode="auto" r:id="rId10">
+              <p14:nvContentPartPr>
+                <p14:cNvPr id="26" name="Entrada de lápiz 25">
+                  <a:extLst>
+                    <a:ext uri="{FF2B5EF4-FFF2-40B4-BE49-F238E27FC236}">
+                      <a16:creationId xmlns:a16="http://schemas.microsoft.com/office/drawing/2014/main" id="{6257C71C-C9AD-1DB3-58B5-72C947250F3C}"/>
+                    </a:ext>
+                  </a:extLst>
+                </p14:cNvPr>
+                <p14:cNvContentPartPr/>
+                <p14:nvPr/>
+              </p14:nvContentPartPr>
+              <p14:xfrm>
+                <a:off x="5436444" y="5476565"/>
+                <a:ext cx="41040" cy="408240"/>
+              </p14:xfrm>
+            </p:contentPart>
+          </mc:Choice>
+          <mc:Fallback xmlns="">
+            <p:pic>
+              <p:nvPicPr>
+                <p:cNvPr id="26" name="Entrada de lápiz 25">
+                  <a:extLst>
+                    <a:ext uri="{FF2B5EF4-FFF2-40B4-BE49-F238E27FC236}">
+                      <a16:creationId xmlns:a16="http://schemas.microsoft.com/office/drawing/2014/main" id="{CFFB1932-01C0-168B-5A12-0585FC7B135A}"/>
+                    </a:ext>
+                  </a:extLst>
+                </p:cNvPr>
+                <p:cNvPicPr/>
+                <p:nvPr/>
+              </p:nvPicPr>
+              <p:blipFill>
+                <a:blip r:embed="rId11"/>
+                <a:stretch>
+                  <a:fillRect/>
+                </a:stretch>
+              </p:blipFill>
+              <p:spPr>
+                <a:xfrm>
+                  <a:off x="5430324" y="5470445"/>
+                  <a:ext cx="53280" cy="420480"/>
+                </a:xfrm>
+                <a:prstGeom prst="rect">
+                  <a:avLst/>
+                </a:prstGeom>
+              </p:spPr>
+            </p:pic>
+          </mc:Fallback>
+        </mc:AlternateContent>
+        <mc:AlternateContent xmlns:mc="http://schemas.openxmlformats.org/markup-compatibility/2006" xmlns:p14="http://schemas.microsoft.com/office/powerpoint/2010/main">
+          <mc:Choice Requires="p14">
+            <p:contentPart p14:bwMode="auto" r:id="rId12">
+              <p14:nvContentPartPr>
+                <p14:cNvPr id="27" name="Entrada de lápiz 26">
+                  <a:extLst>
+                    <a:ext uri="{FF2B5EF4-FFF2-40B4-BE49-F238E27FC236}">
+                      <a16:creationId xmlns:a16="http://schemas.microsoft.com/office/drawing/2014/main" id="{1AFF8474-2945-0C28-C63A-CFE8E472BEF2}"/>
+                    </a:ext>
+                  </a:extLst>
+                </p14:cNvPr>
+                <p14:cNvContentPartPr/>
+                <p14:nvPr/>
+              </p14:nvContentPartPr>
+              <p14:xfrm>
+                <a:off x="5582964" y="6254525"/>
+                <a:ext cx="19080" cy="193320"/>
+              </p14:xfrm>
+            </p:contentPart>
+          </mc:Choice>
+          <mc:Fallback xmlns="">
+            <p:pic>
+              <p:nvPicPr>
+                <p:cNvPr id="27" name="Entrada de lápiz 26">
+                  <a:extLst>
+                    <a:ext uri="{FF2B5EF4-FFF2-40B4-BE49-F238E27FC236}">
+                      <a16:creationId xmlns:a16="http://schemas.microsoft.com/office/drawing/2014/main" id="{C09DF3E3-B54E-4A46-DC77-B018820CD53B}"/>
+                    </a:ext>
+                  </a:extLst>
+                </p:cNvPr>
+                <p:cNvPicPr/>
+                <p:nvPr/>
+              </p:nvPicPr>
+              <p:blipFill>
+                <a:blip r:embed="rId13"/>
+                <a:stretch>
+                  <a:fillRect/>
+                </a:stretch>
+              </p:blipFill>
+              <p:spPr>
+                <a:xfrm>
+                  <a:off x="5576844" y="6248405"/>
+                  <a:ext cx="31320" cy="205560"/>
+                </a:xfrm>
+                <a:prstGeom prst="rect">
+                  <a:avLst/>
+                </a:prstGeom>
+              </p:spPr>
+            </p:pic>
+          </mc:Fallback>
+        </mc:AlternateContent>
+      </p:grpSp>
+      <p:cxnSp>
+        <p:nvCxnSpPr>
+          <p:cNvPr id="38" name="Conector recto de flecha 37">
+            <a:extLst>
+              <a:ext uri="{FF2B5EF4-FFF2-40B4-BE49-F238E27FC236}">
+                <a16:creationId xmlns:a16="http://schemas.microsoft.com/office/drawing/2014/main" id="{A34B9125-B1FC-F13D-444A-C6A1A126BCF6}"/>
+              </a:ext>
+            </a:extLst>
+          </p:cNvPr>
+          <p:cNvCxnSpPr>
+            <a:cxnSpLocks/>
+          </p:cNvCxnSpPr>
+          <p:nvPr/>
+        </p:nvCxnSpPr>
+        <p:spPr>
+          <a:xfrm>
+            <a:off x="4036265" y="3516552"/>
+            <a:ext cx="2645923" cy="0"/>
+          </a:xfrm>
+          <a:prstGeom prst="straightConnector1">
+            <a:avLst/>
+          </a:prstGeom>
+          <a:ln w="38100">
+            <a:solidFill>
+              <a:schemeClr val="tx1"/>
+            </a:solidFill>
+            <a:headEnd type="triangle"/>
+            <a:tailEnd type="triangle"/>
+          </a:ln>
+        </p:spPr>
+        <p:style>
+          <a:lnRef idx="2">
+            <a:schemeClr val="accent1"/>
+          </a:lnRef>
+          <a:fillRef idx="0">
+            <a:schemeClr val="accent1"/>
+          </a:fillRef>
+          <a:effectRef idx="1">
+            <a:schemeClr val="accent1"/>
+          </a:effectRef>
+          <a:fontRef idx="minor">
+            <a:schemeClr val="tx1"/>
+          </a:fontRef>
+        </p:style>
+      </p:cxnSp>
+      <mc:AlternateContent xmlns:mc="http://schemas.openxmlformats.org/markup-compatibility/2006" xmlns:a14="http://schemas.microsoft.com/office/drawing/2010/main">
+        <mc:Choice Requires="a14">
+          <p:sp>
+            <p:nvSpPr>
+              <p:cNvPr id="40" name="CuadroTexto 39">
+                <a:extLst>
+                  <a:ext uri="{FF2B5EF4-FFF2-40B4-BE49-F238E27FC236}">
+                    <a16:creationId xmlns:a16="http://schemas.microsoft.com/office/drawing/2014/main" id="{7B279D7A-CF11-41EA-8D5B-D13360341B2F}"/>
+                  </a:ext>
+                </a:extLst>
+              </p:cNvPr>
+              <p:cNvSpPr txBox="1"/>
+              <p:nvPr/>
+            </p:nvSpPr>
+            <p:spPr>
+              <a:xfrm>
+                <a:off x="4701718" y="2985991"/>
+                <a:ext cx="1155531" cy="954107"/>
+              </a:xfrm>
+              <a:prstGeom prst="rect">
+                <a:avLst/>
+              </a:prstGeom>
+              <a:noFill/>
+            </p:spPr>
+            <p:txBody>
+              <a:bodyPr wrap="square" rtlCol="0">
+                <a:spAutoFit/>
+              </a:bodyPr>
+              <a:lstStyle/>
+              <a:p>
+                <a:pPr/>
+                <a14:m>
+                  <m:oMathPara xmlns:m="http://schemas.openxmlformats.org/officeDocument/2006/math">
+                    <m:oMathParaPr>
+                      <m:jc m:val="centerGroup"/>
+                    </m:oMathParaPr>
+                    <m:oMath xmlns:m="http://schemas.openxmlformats.org/officeDocument/2006/math">
+                      <m:r>
+                        <a:rPr lang="es-CO" sz="2400" b="0" i="0" smtClean="0">
+                          <a:latin typeface="Cambria Math" panose="02040503050406030204" pitchFamily="18" charset="0"/>
+                        </a:rPr>
+                        <m:t>∅ 90 </m:t>
+                      </m:r>
+                      <m:r>
+                        <m:rPr>
+                          <m:sty m:val="p"/>
+                        </m:rPr>
+                        <a:rPr lang="es-CO" sz="2400" b="0" i="0" smtClean="0">
+                          <a:latin typeface="Cambria Math" panose="02040503050406030204" pitchFamily="18" charset="0"/>
+                        </a:rPr>
+                        <m:t>mm</m:t>
+                      </m:r>
+                    </m:oMath>
+                  </m:oMathPara>
+                </a14:m>
+                <a:endParaRPr lang="es-CO" sz="3200" dirty="0"/>
+              </a:p>
+              <a:p>
+                <a:endParaRPr lang="es-CO" sz="3200" dirty="0"/>
+              </a:p>
+            </p:txBody>
+          </p:sp>
+        </mc:Choice>
+        <mc:Fallback xmlns="">
+          <p:sp>
+            <p:nvSpPr>
+              <p:cNvPr id="40" name="CuadroTexto 39">
+                <a:extLst>
+                  <a:ext uri="{FF2B5EF4-FFF2-40B4-BE49-F238E27FC236}">
+                    <a16:creationId xmlns:a16="http://schemas.microsoft.com/office/drawing/2014/main" id="{7B279D7A-CF11-41EA-8D5B-D13360341B2F}"/>
+                  </a:ext>
+                </a:extLst>
+              </p:cNvPr>
+              <p:cNvSpPr txBox="1">
+                <a:spLocks noRot="1" noChangeAspect="1" noMove="1" noResize="1" noEditPoints="1" noAdjustHandles="1" noChangeArrowheads="1" noChangeShapeType="1" noTextEdit="1"/>
+              </p:cNvSpPr>
+              <p:nvPr/>
+            </p:nvSpPr>
+            <p:spPr>
+              <a:xfrm>
+                <a:off x="4701718" y="2985991"/>
+                <a:ext cx="1155531" cy="954107"/>
+              </a:xfrm>
+              <a:prstGeom prst="rect">
+                <a:avLst/>
+              </a:prstGeom>
+              <a:blipFill>
+                <a:blip r:embed="rId14"/>
+                <a:stretch>
+                  <a:fillRect l="-2632" r="-16316"/>
+                </a:stretch>
+              </a:blipFill>
+            </p:spPr>
+            <p:txBody>
+              <a:bodyPr/>
+              <a:lstStyle/>
+              <a:p>
+                <a:r>
+                  <a:rPr lang="es-CO">
+                    <a:noFill/>
+                  </a:rPr>
+                  <a:t> </a:t>
+                </a:r>
+              </a:p>
+            </p:txBody>
+          </p:sp>
+        </mc:Fallback>
+      </mc:AlternateContent>
+      <p:cxnSp>
+        <p:nvCxnSpPr>
+          <p:cNvPr id="44" name="Conector recto de flecha 43">
+            <a:extLst>
+              <a:ext uri="{FF2B5EF4-FFF2-40B4-BE49-F238E27FC236}">
+                <a16:creationId xmlns:a16="http://schemas.microsoft.com/office/drawing/2014/main" id="{857FB432-8289-8CA4-146C-08883BCCE28A}"/>
+              </a:ext>
+            </a:extLst>
+          </p:cNvPr>
+          <p:cNvCxnSpPr/>
+          <p:nvPr/>
+        </p:nvCxnSpPr>
+        <p:spPr>
+          <a:xfrm>
+            <a:off x="4474723" y="5155660"/>
+            <a:ext cx="632296" cy="0"/>
+          </a:xfrm>
+          <a:prstGeom prst="straightConnector1">
+            <a:avLst/>
+          </a:prstGeom>
+          <a:ln w="38100">
+            <a:solidFill>
+              <a:schemeClr val="tx1"/>
+            </a:solidFill>
+            <a:tailEnd type="triangle"/>
+          </a:ln>
+        </p:spPr>
+        <p:style>
+          <a:lnRef idx="2">
+            <a:schemeClr val="dk1"/>
+          </a:lnRef>
+          <a:fillRef idx="0">
+            <a:schemeClr val="dk1"/>
+          </a:fillRef>
+          <a:effectRef idx="1">
+            <a:schemeClr val="dk1"/>
+          </a:effectRef>
+          <a:fontRef idx="minor">
+            <a:schemeClr val="tx1"/>
+          </a:fontRef>
+        </p:style>
+      </p:cxnSp>
+      <p:cxnSp>
+        <p:nvCxnSpPr>
+          <p:cNvPr id="47" name="Conector recto de flecha 46">
+            <a:extLst>
+              <a:ext uri="{FF2B5EF4-FFF2-40B4-BE49-F238E27FC236}">
+                <a16:creationId xmlns:a16="http://schemas.microsoft.com/office/drawing/2014/main" id="{6F57711F-9B68-41DE-11C3-F8DCD818B153}"/>
+              </a:ext>
+            </a:extLst>
+          </p:cNvPr>
+          <p:cNvCxnSpPr>
+            <a:cxnSpLocks/>
+          </p:cNvCxnSpPr>
+          <p:nvPr/>
+        </p:nvCxnSpPr>
+        <p:spPr>
+          <a:xfrm flipH="1" flipV="1">
+            <a:off x="5602044" y="5144311"/>
+            <a:ext cx="714985" cy="22698"/>
+          </a:xfrm>
+          <a:prstGeom prst="straightConnector1">
+            <a:avLst/>
+          </a:prstGeom>
+          <a:ln w="38100">
+            <a:solidFill>
+              <a:schemeClr val="tx1"/>
+            </a:solidFill>
+            <a:tailEnd type="triangle"/>
+          </a:ln>
+        </p:spPr>
+        <p:style>
+          <a:lnRef idx="2">
+            <a:schemeClr val="dk1"/>
+          </a:lnRef>
+          <a:fillRef idx="0">
+            <a:schemeClr val="dk1"/>
+          </a:fillRef>
+          <a:effectRef idx="1">
+            <a:schemeClr val="dk1"/>
+          </a:effectRef>
+          <a:fontRef idx="minor">
+            <a:schemeClr val="tx1"/>
+          </a:fontRef>
+        </p:style>
+      </p:cxnSp>
+      <mc:AlternateContent xmlns:mc="http://schemas.openxmlformats.org/markup-compatibility/2006" xmlns:a14="http://schemas.microsoft.com/office/drawing/2010/main">
+        <mc:Choice Requires="a14">
+          <p:sp>
+            <p:nvSpPr>
+              <p:cNvPr id="49" name="CuadroTexto 48">
+                <a:extLst>
+                  <a:ext uri="{FF2B5EF4-FFF2-40B4-BE49-F238E27FC236}">
+                    <a16:creationId xmlns:a16="http://schemas.microsoft.com/office/drawing/2014/main" id="{ED39A0B0-9622-4721-74A5-89782DB0AB0B}"/>
+                  </a:ext>
+                </a:extLst>
+              </p:cNvPr>
+              <p:cNvSpPr txBox="1"/>
+              <p:nvPr/>
+            </p:nvSpPr>
+            <p:spPr>
+              <a:xfrm>
+                <a:off x="6419142" y="4886664"/>
+                <a:ext cx="1090607" cy="461665"/>
+              </a:xfrm>
+              <a:prstGeom prst="rect">
+                <a:avLst/>
+              </a:prstGeom>
+              <a:noFill/>
+            </p:spPr>
+            <p:txBody>
+              <a:bodyPr wrap="square" rtlCol="0">
+                <a:spAutoFit/>
+              </a:bodyPr>
+              <a:lstStyle/>
+              <a:p>
+                <a:pPr/>
+                <a14:m>
+                  <m:oMathPara xmlns:m="http://schemas.openxmlformats.org/officeDocument/2006/math">
+                    <m:oMathParaPr>
+                      <m:jc m:val="centerGroup"/>
+                    </m:oMathParaPr>
+                    <m:oMath xmlns:m="http://schemas.openxmlformats.org/officeDocument/2006/math">
+                      <m:r>
+                        <a:rPr lang="es-CO" sz="2400" b="0" i="0" smtClean="0">
+                          <a:latin typeface="Cambria Math" panose="02040503050406030204" pitchFamily="18" charset="0"/>
+                        </a:rPr>
+                        <m:t>∅ 6 </m:t>
+                      </m:r>
+                      <m:r>
+                        <m:rPr>
+                          <m:sty m:val="p"/>
+                        </m:rPr>
+                        <a:rPr lang="es-CO" sz="2400" b="0" i="0" smtClean="0">
+                          <a:latin typeface="Cambria Math" panose="02040503050406030204" pitchFamily="18" charset="0"/>
+                        </a:rPr>
+                        <m:t>mm</m:t>
+                      </m:r>
+                    </m:oMath>
+                  </m:oMathPara>
+                </a14:m>
+                <a:endParaRPr lang="es-CO" sz="2400" dirty="0"/>
+              </a:p>
+            </p:txBody>
+          </p:sp>
+        </mc:Choice>
+        <mc:Fallback xmlns="">
+          <p:sp>
+            <p:nvSpPr>
+              <p:cNvPr id="49" name="CuadroTexto 48">
+                <a:extLst>
+                  <a:ext uri="{FF2B5EF4-FFF2-40B4-BE49-F238E27FC236}">
+                    <a16:creationId xmlns:a16="http://schemas.microsoft.com/office/drawing/2014/main" id="{ED39A0B0-9622-4721-74A5-89782DB0AB0B}"/>
+                  </a:ext>
+                </a:extLst>
+              </p:cNvPr>
+              <p:cNvSpPr txBox="1">
+                <a:spLocks noRot="1" noChangeAspect="1" noMove="1" noResize="1" noEditPoints="1" noAdjustHandles="1" noChangeArrowheads="1" noChangeShapeType="1" noTextEdit="1"/>
+              </p:cNvSpPr>
+              <p:nvPr/>
+            </p:nvSpPr>
+            <p:spPr>
+              <a:xfrm>
+                <a:off x="6419142" y="4886664"/>
+                <a:ext cx="1090607" cy="461665"/>
+              </a:xfrm>
+              <a:prstGeom prst="rect">
+                <a:avLst/>
+              </a:prstGeom>
+              <a:blipFill>
+                <a:blip r:embed="rId15"/>
+                <a:stretch>
+                  <a:fillRect l="-2793" r="-7821" b="-4000"/>
+                </a:stretch>
+              </a:blipFill>
+            </p:spPr>
+            <p:txBody>
+              <a:bodyPr/>
+              <a:lstStyle/>
+              <a:p>
+                <a:r>
+                  <a:rPr lang="es-CO">
+                    <a:noFill/>
+                  </a:rPr>
+                  <a:t> </a:t>
+                </a:r>
+              </a:p>
+            </p:txBody>
+          </p:sp>
+        </mc:Fallback>
+      </mc:AlternateContent>
+      <p:cxnSp>
+        <p:nvCxnSpPr>
+          <p:cNvPr id="51" name="Conector recto de flecha 50">
+            <a:extLst>
+              <a:ext uri="{FF2B5EF4-FFF2-40B4-BE49-F238E27FC236}">
+                <a16:creationId xmlns:a16="http://schemas.microsoft.com/office/drawing/2014/main" id="{FEA37C46-0FE5-04E6-22ED-8864D42791EF}"/>
+              </a:ext>
+            </a:extLst>
+          </p:cNvPr>
+          <p:cNvCxnSpPr>
+            <a:cxnSpLocks/>
+          </p:cNvCxnSpPr>
+          <p:nvPr/>
+        </p:nvCxnSpPr>
+        <p:spPr>
+          <a:xfrm>
+            <a:off x="7130375" y="2315183"/>
+            <a:ext cx="0" cy="2295724"/>
+          </a:xfrm>
+          <a:prstGeom prst="straightConnector1">
+            <a:avLst/>
+          </a:prstGeom>
+          <a:ln w="38100">
+            <a:headEnd type="triangle"/>
+            <a:tailEnd type="triangle"/>
+          </a:ln>
+        </p:spPr>
+        <p:style>
+          <a:lnRef idx="2">
+            <a:schemeClr val="dk1"/>
+          </a:lnRef>
+          <a:fillRef idx="0">
+            <a:schemeClr val="dk1"/>
+          </a:fillRef>
+          <a:effectRef idx="1">
+            <a:schemeClr val="dk1"/>
+          </a:effectRef>
+          <a:fontRef idx="minor">
+            <a:schemeClr val="tx1"/>
+          </a:fontRef>
+        </p:style>
+      </p:cxnSp>
+      <p:cxnSp>
+        <p:nvCxnSpPr>
+          <p:cNvPr id="53" name="Conector recto 52">
+            <a:extLst>
+              <a:ext uri="{FF2B5EF4-FFF2-40B4-BE49-F238E27FC236}">
+                <a16:creationId xmlns:a16="http://schemas.microsoft.com/office/drawing/2014/main" id="{58498B02-2A73-BE5E-5A0C-D746AF6E893B}"/>
+              </a:ext>
+            </a:extLst>
+          </p:cNvPr>
+          <p:cNvCxnSpPr>
+            <a:cxnSpLocks/>
+          </p:cNvCxnSpPr>
+          <p:nvPr/>
+        </p:nvCxnSpPr>
+        <p:spPr>
+          <a:xfrm>
+            <a:off x="6682188" y="2315183"/>
+            <a:ext cx="827565" cy="0"/>
+          </a:xfrm>
+          <a:prstGeom prst="line">
+            <a:avLst/>
+          </a:prstGeom>
+          <a:ln w="38100"/>
+        </p:spPr>
+        <p:style>
+          <a:lnRef idx="2">
+            <a:schemeClr val="dk1"/>
+          </a:lnRef>
+          <a:fillRef idx="0">
+            <a:schemeClr val="dk1"/>
+          </a:fillRef>
+          <a:effectRef idx="1">
+            <a:schemeClr val="dk1"/>
+          </a:effectRef>
+          <a:fontRef idx="minor">
+            <a:schemeClr val="tx1"/>
+          </a:fontRef>
+        </p:style>
+      </p:cxnSp>
+      <p:cxnSp>
+        <p:nvCxnSpPr>
+          <p:cNvPr id="55" name="Conector recto 54">
+            <a:extLst>
+              <a:ext uri="{FF2B5EF4-FFF2-40B4-BE49-F238E27FC236}">
+                <a16:creationId xmlns:a16="http://schemas.microsoft.com/office/drawing/2014/main" id="{9BC671A0-154B-28A9-1B20-78F9ACBE6054}"/>
+              </a:ext>
+            </a:extLst>
+          </p:cNvPr>
+          <p:cNvCxnSpPr>
+            <a:cxnSpLocks/>
+          </p:cNvCxnSpPr>
+          <p:nvPr/>
+        </p:nvCxnSpPr>
+        <p:spPr>
+          <a:xfrm>
+            <a:off x="6688668" y="4588218"/>
+            <a:ext cx="821085" cy="0"/>
+          </a:xfrm>
+          <a:prstGeom prst="line">
+            <a:avLst/>
+          </a:prstGeom>
+          <a:ln w="38100"/>
+        </p:spPr>
+        <p:style>
+          <a:lnRef idx="2">
+            <a:schemeClr val="dk1"/>
+          </a:lnRef>
+          <a:fillRef idx="0">
+            <a:schemeClr val="dk1"/>
+          </a:fillRef>
+          <a:effectRef idx="1">
+            <a:schemeClr val="dk1"/>
+          </a:effectRef>
+          <a:fontRef idx="minor">
+            <a:schemeClr val="tx1"/>
+          </a:fontRef>
+        </p:style>
+      </p:cxnSp>
+      <mc:AlternateContent xmlns:mc="http://schemas.openxmlformats.org/markup-compatibility/2006" xmlns:a14="http://schemas.microsoft.com/office/drawing/2010/main">
+        <mc:Choice Requires="a14">
+          <p:sp>
+            <p:nvSpPr>
+              <p:cNvPr id="59" name="CuadroTexto 58">
+                <a:extLst>
+                  <a:ext uri="{FF2B5EF4-FFF2-40B4-BE49-F238E27FC236}">
+                    <a16:creationId xmlns:a16="http://schemas.microsoft.com/office/drawing/2014/main" id="{47C10741-8C1C-5E9A-B1FA-AB3A67559190}"/>
+                  </a:ext>
+                </a:extLst>
+              </p:cNvPr>
+              <p:cNvSpPr txBox="1"/>
+              <p:nvPr/>
+            </p:nvSpPr>
+            <p:spPr>
+              <a:xfrm>
+                <a:off x="7198463" y="3152084"/>
+                <a:ext cx="622571" cy="400110"/>
+              </a:xfrm>
+              <a:prstGeom prst="rect">
+                <a:avLst/>
+              </a:prstGeom>
+              <a:noFill/>
+            </p:spPr>
+            <p:txBody>
+              <a:bodyPr wrap="square" rtlCol="0">
+                <a:spAutoFit/>
+              </a:bodyPr>
+              <a:lstStyle/>
+              <a:p>
+                <a:pPr/>
+                <a14:m>
+                  <m:oMathPara xmlns:m="http://schemas.openxmlformats.org/officeDocument/2006/math">
+                    <m:oMathParaPr>
+                      <m:jc m:val="centerGroup"/>
+                    </m:oMathParaPr>
+                    <m:oMath xmlns:m="http://schemas.openxmlformats.org/officeDocument/2006/math">
+                      <m:r>
+                        <a:rPr lang="es-CO" sz="2000" b="0" i="1" smtClean="0">
+                          <a:latin typeface="Cambria Math" panose="02040503050406030204" pitchFamily="18" charset="0"/>
+                        </a:rPr>
+                        <m:t>350 </m:t>
+                      </m:r>
+                      <m:r>
+                        <a:rPr lang="es-CO" sz="2000" b="0" i="1" smtClean="0">
+                          <a:latin typeface="Cambria Math" panose="02040503050406030204" pitchFamily="18" charset="0"/>
+                        </a:rPr>
+                        <m:t>𝑚𝑚</m:t>
+                      </m:r>
+                    </m:oMath>
+                  </m:oMathPara>
+                </a14:m>
+                <a:endParaRPr lang="es-CO" sz="2000" dirty="0"/>
+              </a:p>
+            </p:txBody>
+          </p:sp>
+        </mc:Choice>
+        <mc:Fallback xmlns="">
+          <p:sp>
+            <p:nvSpPr>
+              <p:cNvPr id="59" name="CuadroTexto 58">
+                <a:extLst>
+                  <a:ext uri="{FF2B5EF4-FFF2-40B4-BE49-F238E27FC236}">
+                    <a16:creationId xmlns:a16="http://schemas.microsoft.com/office/drawing/2014/main" id="{47C10741-8C1C-5E9A-B1FA-AB3A67559190}"/>
+                  </a:ext>
+                </a:extLst>
+              </p:cNvPr>
+              <p:cNvSpPr txBox="1">
+                <a:spLocks noRot="1" noChangeAspect="1" noMove="1" noResize="1" noEditPoints="1" noAdjustHandles="1" noChangeArrowheads="1" noChangeShapeType="1" noTextEdit="1"/>
+              </p:cNvSpPr>
+              <p:nvPr/>
+            </p:nvSpPr>
+            <p:spPr>
+              <a:xfrm>
+                <a:off x="7198463" y="3152084"/>
+                <a:ext cx="622571" cy="400110"/>
+              </a:xfrm>
+              <a:prstGeom prst="rect">
+                <a:avLst/>
+              </a:prstGeom>
+              <a:blipFill>
+                <a:blip r:embed="rId16"/>
+                <a:stretch>
+                  <a:fillRect r="-70588"/>
+                </a:stretch>
+              </a:blipFill>
+            </p:spPr>
+            <p:txBody>
+              <a:bodyPr/>
+              <a:lstStyle/>
+              <a:p>
+                <a:r>
+                  <a:rPr lang="es-CO">
+                    <a:noFill/>
+                  </a:rPr>
+                  <a:t> </a:t>
+                </a:r>
+              </a:p>
+            </p:txBody>
+          </p:sp>
+        </mc:Fallback>
+      </mc:AlternateContent>
+      <p:cxnSp>
+        <p:nvCxnSpPr>
+          <p:cNvPr id="62" name="Conector recto 61">
+            <a:extLst>
+              <a:ext uri="{FF2B5EF4-FFF2-40B4-BE49-F238E27FC236}">
+                <a16:creationId xmlns:a16="http://schemas.microsoft.com/office/drawing/2014/main" id="{4BD85EB7-3B8D-58BB-F30F-5A07D54CE48E}"/>
+              </a:ext>
+            </a:extLst>
+          </p:cNvPr>
+          <p:cNvCxnSpPr>
+            <a:cxnSpLocks/>
+          </p:cNvCxnSpPr>
+          <p:nvPr/>
+        </p:nvCxnSpPr>
+        <p:spPr>
+          <a:xfrm>
+            <a:off x="5100885" y="5155449"/>
+            <a:ext cx="554477" cy="1"/>
+          </a:xfrm>
+          <a:prstGeom prst="line">
+            <a:avLst/>
+          </a:prstGeom>
+          <a:ln>
+            <a:prstDash val="dash"/>
+          </a:ln>
+        </p:spPr>
+        <p:style>
+          <a:lnRef idx="2">
+            <a:schemeClr val="dk1"/>
+          </a:lnRef>
+          <a:fillRef idx="0">
+            <a:schemeClr val="dk1"/>
+          </a:fillRef>
+          <a:effectRef idx="1">
+            <a:schemeClr val="dk1"/>
+          </a:effectRef>
+          <a:fontRef idx="minor">
+            <a:schemeClr val="tx1"/>
+          </a:fontRef>
+        </p:style>
+      </p:cxnSp>
+    </p:spTree>
+    <p:extLst>
+      <p:ext uri="{BB962C8B-B14F-4D97-AF65-F5344CB8AC3E}">
+        <p14:creationId xmlns:p14="http://schemas.microsoft.com/office/powerpoint/2010/main" val="3571843028"/>
+      </p:ext>
+    </p:extLst>
+  </p:cSld>
+  <p:clrMapOvr>
+    <a:masterClrMapping/>
+  </p:clrMapOvr>
+</p:sld>
+</file>
+
+<file path=ppt/slides/slide3.xml><?xml version="1.0" encoding="utf-8"?>
+<p:sld xmlns:a="http://schemas.openxmlformats.org/drawingml/2006/main" xmlns:r="http://schemas.openxmlformats.org/officeDocument/2006/relationships" xmlns:p="http://schemas.openxmlformats.org/presentationml/2006/main">
+  <p:cSld>
+    <p:spTree>
+      <p:nvGrpSpPr>
+        <p:cNvPr id="1" name=""/>
+        <p:cNvGrpSpPr/>
+        <p:nvPr/>
+      </p:nvGrpSpPr>
+      <p:grpSpPr>
+        <a:xfrm>
+          <a:off x="0" y="0"/>
+          <a:ext cx="0" cy="0"/>
+          <a:chOff x="0" y="0"/>
+          <a:chExt cx="0" cy="0"/>
+        </a:xfrm>
+      </p:grpSpPr>
+      <p:pic>
+        <p:nvPicPr>
+          <p:cNvPr id="5" name="Imagen 4">
+            <a:extLst>
+              <a:ext uri="{FF2B5EF4-FFF2-40B4-BE49-F238E27FC236}">
+                <a16:creationId xmlns:a16="http://schemas.microsoft.com/office/drawing/2014/main" id="{EC161643-5E52-5A68-2696-4596A285ED95}"/>
+              </a:ext>
+            </a:extLst>
+          </p:cNvPr>
+          <p:cNvPicPr>
+            <a:picLocks noChangeAspect="1"/>
+          </p:cNvPicPr>
+          <p:nvPr/>
+        </p:nvPicPr>
+        <p:blipFill>
+          <a:blip r:embed="rId2"/>
+          <a:stretch>
+            <a:fillRect/>
+          </a:stretch>
+        </p:blipFill>
+        <p:spPr>
+          <a:xfrm>
+            <a:off x="4723300" y="437066"/>
+            <a:ext cx="2410161" cy="3238952"/>
+          </a:xfrm>
+          <a:prstGeom prst="rect">
+            <a:avLst/>
+          </a:prstGeom>
+        </p:spPr>
+      </p:pic>
+      <p:pic>
+        <p:nvPicPr>
+          <p:cNvPr id="1026" name="Picture 2" descr="Swimming Pool Drawing Vectors &amp; Illustrations for Free Download | Freepik">
+            <a:extLst>
+              <a:ext uri="{FF2B5EF4-FFF2-40B4-BE49-F238E27FC236}">
+                <a16:creationId xmlns:a16="http://schemas.microsoft.com/office/drawing/2014/main" id="{6268BA17-6B42-A9C8-1242-D284C397F69A}"/>
+              </a:ext>
+            </a:extLst>
+          </p:cNvPr>
+          <p:cNvPicPr>
+            <a:picLocks noChangeAspect="1" noChangeArrowheads="1"/>
+          </p:cNvPicPr>
+          <p:nvPr/>
+        </p:nvPicPr>
+        <p:blipFill rotWithShape="1">
+          <a:blip r:embed="rId3">
+            <a:extLst>
+              <a:ext uri="{28A0092B-C50C-407E-A947-70E740481C1C}">
+                <a14:useLocalDpi xmlns:a14="http://schemas.microsoft.com/office/drawing/2010/main" val="0"/>
+              </a:ext>
+            </a:extLst>
+          </a:blip>
+          <a:srcRect t="66642" r="6431"/>
+          <a:stretch/>
+        </p:blipFill>
+        <p:spPr bwMode="auto">
+          <a:xfrm>
+            <a:off x="3138791" y="4156382"/>
+            <a:ext cx="5579180" cy="1989050"/>
+          </a:xfrm>
+          <a:prstGeom prst="rect">
+            <a:avLst/>
+          </a:prstGeom>
+          <a:noFill/>
+          <a:extLst>
+            <a:ext uri="{909E8E84-426E-40DD-AFC4-6F175D3DCCD1}">
+              <a14:hiddenFill xmlns:a14="http://schemas.microsoft.com/office/drawing/2010/main">
+                <a:solidFill>
+                  <a:srgbClr val="FFFFFF"/>
+                </a:solidFill>
+              </a14:hiddenFill>
+            </a:ext>
+          </a:extLst>
+        </p:spPr>
+      </p:pic>
+      <p:cxnSp>
+        <p:nvCxnSpPr>
+          <p:cNvPr id="31" name="Conector recto de flecha 30">
+            <a:extLst>
+              <a:ext uri="{FF2B5EF4-FFF2-40B4-BE49-F238E27FC236}">
+                <a16:creationId xmlns:a16="http://schemas.microsoft.com/office/drawing/2014/main" id="{59BCEC5D-74E7-CD26-B355-BCF8236DB2AF}"/>
+              </a:ext>
+            </a:extLst>
+          </p:cNvPr>
+          <p:cNvCxnSpPr>
+            <a:cxnSpLocks/>
+          </p:cNvCxnSpPr>
+          <p:nvPr/>
+        </p:nvCxnSpPr>
+        <p:spPr>
+          <a:xfrm>
+            <a:off x="5706893" y="2538918"/>
+            <a:ext cx="0" cy="1539642"/>
+          </a:xfrm>
+          <a:prstGeom prst="straightConnector1">
+            <a:avLst/>
+          </a:prstGeom>
+          <a:ln w="57150">
+            <a:solidFill>
+              <a:srgbClr val="FF0000"/>
+            </a:solidFill>
+            <a:tailEnd type="triangle"/>
+          </a:ln>
+        </p:spPr>
+        <p:style>
+          <a:lnRef idx="2">
+            <a:schemeClr val="accent1"/>
+          </a:lnRef>
+          <a:fillRef idx="0">
+            <a:schemeClr val="accent1"/>
+          </a:fillRef>
+          <a:effectRef idx="1">
+            <a:schemeClr val="accent1"/>
+          </a:effectRef>
+          <a:fontRef idx="minor">
+            <a:schemeClr val="tx1"/>
+          </a:fontRef>
+        </p:style>
+      </p:cxnSp>
+      <mc:AlternateContent xmlns:mc="http://schemas.openxmlformats.org/markup-compatibility/2006" xmlns:a14="http://schemas.microsoft.com/office/drawing/2010/main">
+        <mc:Choice Requires="a14">
+          <p:sp>
+            <p:nvSpPr>
+              <p:cNvPr id="34" name="CuadroTexto 33">
+                <a:extLst>
+                  <a:ext uri="{FF2B5EF4-FFF2-40B4-BE49-F238E27FC236}">
+                    <a16:creationId xmlns:a16="http://schemas.microsoft.com/office/drawing/2014/main" id="{E5DE842B-CDED-6894-F4BC-ABC56E0696A6}"/>
+                  </a:ext>
+                </a:extLst>
+              </p:cNvPr>
+              <p:cNvSpPr txBox="1"/>
+              <p:nvPr/>
+            </p:nvSpPr>
+            <p:spPr>
+              <a:xfrm>
+                <a:off x="5928380" y="3676018"/>
+                <a:ext cx="655629" cy="307777"/>
+              </a:xfrm>
+              <a:prstGeom prst="rect">
+                <a:avLst/>
+              </a:prstGeom>
+              <a:noFill/>
+            </p:spPr>
+            <p:txBody>
+              <a:bodyPr wrap="none" lIns="0" tIns="0" rIns="0" bIns="0" rtlCol="0">
+                <a:spAutoFit/>
+              </a:bodyPr>
+              <a:lstStyle/>
+              <a:p>
+                <a:pPr/>
+                <a14:m>
+                  <m:oMathPara xmlns:m="http://schemas.openxmlformats.org/officeDocument/2006/math">
+                    <m:oMathParaPr>
+                      <m:jc m:val="centerGroup"/>
+                    </m:oMathParaPr>
+                    <m:oMath xmlns:m="http://schemas.openxmlformats.org/officeDocument/2006/math">
+                      <m:r>
+                        <a:rPr lang="es-CO" sz="2000" b="1" i="1" smtClean="0">
+                          <a:solidFill>
+                            <a:srgbClr val="0070C0"/>
+                          </a:solidFill>
+                          <a:latin typeface="Cambria Math" panose="02040503050406030204" pitchFamily="18" charset="0"/>
+                        </a:rPr>
+                        <m:t>−</m:t>
+                      </m:r>
+                      <m:r>
+                        <a:rPr lang="es-CO" sz="2000" b="1" i="1" smtClean="0">
+                          <a:solidFill>
+                            <a:srgbClr val="0070C0"/>
+                          </a:solidFill>
+                          <a:latin typeface="Cambria Math" panose="02040503050406030204" pitchFamily="18" charset="0"/>
+                        </a:rPr>
+                        <m:t>𝒎𝒈</m:t>
+                      </m:r>
+                    </m:oMath>
+                  </m:oMathPara>
+                </a14:m>
+                <a:endParaRPr lang="es-CO" b="1" dirty="0"/>
+              </a:p>
+            </p:txBody>
+          </p:sp>
+        </mc:Choice>
+        <mc:Fallback xmlns="">
+          <p:sp>
+            <p:nvSpPr>
+              <p:cNvPr id="34" name="CuadroTexto 33">
+                <a:extLst>
+                  <a:ext uri="{FF2B5EF4-FFF2-40B4-BE49-F238E27FC236}">
+                    <a16:creationId xmlns:a16="http://schemas.microsoft.com/office/drawing/2014/main" id="{E5DE842B-CDED-6894-F4BC-ABC56E0696A6}"/>
+                  </a:ext>
+                </a:extLst>
+              </p:cNvPr>
+              <p:cNvSpPr txBox="1">
+                <a:spLocks noRot="1" noChangeAspect="1" noMove="1" noResize="1" noEditPoints="1" noAdjustHandles="1" noChangeArrowheads="1" noChangeShapeType="1" noTextEdit="1"/>
+              </p:cNvSpPr>
+              <p:nvPr/>
+            </p:nvSpPr>
+            <p:spPr>
+              <a:xfrm>
+                <a:off x="5928380" y="3676018"/>
+                <a:ext cx="655629" cy="307777"/>
+              </a:xfrm>
+              <a:prstGeom prst="rect">
+                <a:avLst/>
+              </a:prstGeom>
+              <a:blipFill>
+                <a:blip r:embed="rId4"/>
+                <a:stretch>
+                  <a:fillRect l="-2804" r="-10280" b="-25490"/>
+                </a:stretch>
+              </a:blipFill>
+            </p:spPr>
+            <p:txBody>
+              <a:bodyPr/>
+              <a:lstStyle/>
+              <a:p>
+                <a:r>
+                  <a:rPr lang="es-CO">
+                    <a:noFill/>
+                  </a:rPr>
+                  <a:t> </a:t>
+                </a:r>
+              </a:p>
+            </p:txBody>
+          </p:sp>
+        </mc:Fallback>
+      </mc:AlternateContent>
+      <p:cxnSp>
+        <p:nvCxnSpPr>
+          <p:cNvPr id="35" name="Conector recto de flecha 34">
+            <a:extLst>
+              <a:ext uri="{FF2B5EF4-FFF2-40B4-BE49-F238E27FC236}">
+                <a16:creationId xmlns:a16="http://schemas.microsoft.com/office/drawing/2014/main" id="{DCD1C6AC-5381-BC12-36CC-9E0E3F501AB2}"/>
+              </a:ext>
+            </a:extLst>
+          </p:cNvPr>
+          <p:cNvCxnSpPr>
+            <a:cxnSpLocks/>
+          </p:cNvCxnSpPr>
+          <p:nvPr/>
+        </p:nvCxnSpPr>
+        <p:spPr>
+          <a:xfrm flipV="1">
+            <a:off x="5736076" y="694447"/>
+            <a:ext cx="0" cy="1549399"/>
+          </a:xfrm>
+          <a:prstGeom prst="straightConnector1">
+            <a:avLst/>
+          </a:prstGeom>
+          <a:ln w="57150">
+            <a:solidFill>
+              <a:srgbClr val="FF0000"/>
+            </a:solidFill>
+            <a:tailEnd type="triangle"/>
+          </a:ln>
+        </p:spPr>
+        <p:style>
+          <a:lnRef idx="2">
+            <a:schemeClr val="accent1"/>
+          </a:lnRef>
+          <a:fillRef idx="0">
+            <a:schemeClr val="accent1"/>
+          </a:fillRef>
+          <a:effectRef idx="1">
+            <a:schemeClr val="accent1"/>
+          </a:effectRef>
+          <a:fontRef idx="minor">
+            <a:schemeClr val="tx1"/>
+          </a:fontRef>
+        </p:style>
+      </p:cxnSp>
+      <mc:AlternateContent xmlns:mc="http://schemas.openxmlformats.org/markup-compatibility/2006" xmlns:a14="http://schemas.microsoft.com/office/drawing/2010/main">
+        <mc:Choice Requires="a14">
+          <p:sp>
+            <p:nvSpPr>
+              <p:cNvPr id="38" name="CuadroTexto 37">
+                <a:extLst>
+                  <a:ext uri="{FF2B5EF4-FFF2-40B4-BE49-F238E27FC236}">
+                    <a16:creationId xmlns:a16="http://schemas.microsoft.com/office/drawing/2014/main" id="{0BC4DD87-47C6-036F-460E-D8507F56B446}"/>
+                  </a:ext>
+                </a:extLst>
+              </p:cNvPr>
+              <p:cNvSpPr txBox="1"/>
+              <p:nvPr/>
+            </p:nvSpPr>
+            <p:spPr>
+              <a:xfrm>
+                <a:off x="6000355" y="509781"/>
+                <a:ext cx="434414" cy="369332"/>
+              </a:xfrm>
+              <a:prstGeom prst="rect">
+                <a:avLst/>
+              </a:prstGeom>
+              <a:noFill/>
+            </p:spPr>
+            <p:txBody>
+              <a:bodyPr wrap="none" lIns="0" tIns="0" rIns="0" bIns="0" rtlCol="0">
+                <a:spAutoFit/>
+              </a:bodyPr>
+              <a:lstStyle/>
+              <a:p>
+                <a:pPr/>
+                <a14:m>
+                  <m:oMathPara xmlns:m="http://schemas.openxmlformats.org/officeDocument/2006/math">
+                    <m:oMathParaPr>
+                      <m:jc m:val="centerGroup"/>
+                    </m:oMathParaPr>
+                    <m:oMath xmlns:m="http://schemas.openxmlformats.org/officeDocument/2006/math">
+                      <m:r>
+                        <a:rPr lang="es-CO" sz="2400" b="1" i="1" smtClean="0">
+                          <a:solidFill>
+                            <a:srgbClr val="0070C0"/>
+                          </a:solidFill>
+                          <a:latin typeface="Cambria Math" panose="02040503050406030204" pitchFamily="18" charset="0"/>
+                        </a:rPr>
+                        <m:t>𝒃𝒗</m:t>
+                      </m:r>
+                    </m:oMath>
+                  </m:oMathPara>
+                </a14:m>
+                <a:endParaRPr lang="es-CO" b="1" dirty="0"/>
+              </a:p>
+            </p:txBody>
+          </p:sp>
+        </mc:Choice>
+        <mc:Fallback xmlns="">
+          <p:sp>
+            <p:nvSpPr>
+              <p:cNvPr id="38" name="CuadroTexto 37">
+                <a:extLst>
+                  <a:ext uri="{FF2B5EF4-FFF2-40B4-BE49-F238E27FC236}">
+                    <a16:creationId xmlns:a16="http://schemas.microsoft.com/office/drawing/2014/main" id="{0BC4DD87-47C6-036F-460E-D8507F56B446}"/>
+                  </a:ext>
+                </a:extLst>
+              </p:cNvPr>
+              <p:cNvSpPr txBox="1">
+                <a:spLocks noRot="1" noChangeAspect="1" noMove="1" noResize="1" noEditPoints="1" noAdjustHandles="1" noChangeArrowheads="1" noChangeShapeType="1" noTextEdit="1"/>
+              </p:cNvSpPr>
+              <p:nvPr/>
+            </p:nvSpPr>
+            <p:spPr>
+              <a:xfrm>
+                <a:off x="6000355" y="509781"/>
+                <a:ext cx="434414" cy="369332"/>
+              </a:xfrm>
+              <a:prstGeom prst="rect">
+                <a:avLst/>
+              </a:prstGeom>
+              <a:blipFill>
+                <a:blip r:embed="rId5"/>
+                <a:stretch>
+                  <a:fillRect l="-19444" r="-16667" b="-10000"/>
+                </a:stretch>
+              </a:blipFill>
+            </p:spPr>
+            <p:txBody>
+              <a:bodyPr/>
+              <a:lstStyle/>
+              <a:p>
+                <a:r>
+                  <a:rPr lang="es-CO">
+                    <a:noFill/>
+                  </a:rPr>
+                  <a:t> </a:t>
+                </a:r>
+              </a:p>
+            </p:txBody>
+          </p:sp>
+        </mc:Fallback>
+      </mc:AlternateContent>
+      <p:cxnSp>
+        <p:nvCxnSpPr>
+          <p:cNvPr id="45" name="Conector recto de flecha 44">
+            <a:extLst>
+              <a:ext uri="{FF2B5EF4-FFF2-40B4-BE49-F238E27FC236}">
+                <a16:creationId xmlns:a16="http://schemas.microsoft.com/office/drawing/2014/main" id="{BD15EED6-8D35-F1AD-E59C-9FD693E2F7D2}"/>
+              </a:ext>
+            </a:extLst>
+          </p:cNvPr>
+          <p:cNvCxnSpPr/>
+          <p:nvPr/>
+        </p:nvCxnSpPr>
+        <p:spPr>
+          <a:xfrm flipV="1">
+            <a:off x="8035047" y="2243846"/>
+            <a:ext cx="0" cy="2522707"/>
+          </a:xfrm>
+          <a:prstGeom prst="straightConnector1">
+            <a:avLst/>
+          </a:prstGeom>
+          <a:ln w="57150">
+            <a:solidFill>
+              <a:schemeClr val="tx2">
+                <a:lumMod val="50000"/>
+                <a:lumOff val="50000"/>
+              </a:schemeClr>
+            </a:solidFill>
+            <a:tailEnd type="triangle"/>
+          </a:ln>
+        </p:spPr>
+        <p:style>
+          <a:lnRef idx="2">
+            <a:schemeClr val="accent1"/>
+          </a:lnRef>
+          <a:fillRef idx="0">
+            <a:schemeClr val="accent1"/>
+          </a:fillRef>
+          <a:effectRef idx="1">
+            <a:schemeClr val="accent1"/>
+          </a:effectRef>
+          <a:fontRef idx="minor">
+            <a:schemeClr val="tx1"/>
+          </a:fontRef>
+        </p:style>
+      </p:cxnSp>
+      <mc:AlternateContent xmlns:mc="http://schemas.openxmlformats.org/markup-compatibility/2006" xmlns:a14="http://schemas.microsoft.com/office/drawing/2010/main">
+        <mc:Choice Requires="a14">
+          <p:sp>
+            <p:nvSpPr>
+              <p:cNvPr id="46" name="CuadroTexto 45">
+                <a:extLst>
+                  <a:ext uri="{FF2B5EF4-FFF2-40B4-BE49-F238E27FC236}">
+                    <a16:creationId xmlns:a16="http://schemas.microsoft.com/office/drawing/2014/main" id="{5A0940D9-3695-90E4-EA17-0198F07EAC88}"/>
+                  </a:ext>
+                </a:extLst>
+              </p:cNvPr>
+              <p:cNvSpPr txBox="1"/>
+              <p:nvPr/>
+            </p:nvSpPr>
+            <p:spPr>
+              <a:xfrm>
+                <a:off x="7905204" y="1756367"/>
+                <a:ext cx="259686" cy="430887"/>
+              </a:xfrm>
+              <a:prstGeom prst="rect">
+                <a:avLst/>
+              </a:prstGeom>
+              <a:noFill/>
+            </p:spPr>
+            <p:txBody>
+              <a:bodyPr wrap="none" lIns="0" tIns="0" rIns="0" bIns="0" rtlCol="0">
+                <a:spAutoFit/>
+              </a:bodyPr>
+              <a:lstStyle/>
+              <a:p>
+                <a:pPr/>
+                <a14:m>
+                  <m:oMathPara xmlns:m="http://schemas.openxmlformats.org/officeDocument/2006/math">
+                    <m:oMathParaPr>
+                      <m:jc m:val="centerGroup"/>
+                    </m:oMathParaPr>
+                    <m:oMath xmlns:m="http://schemas.openxmlformats.org/officeDocument/2006/math">
+                      <m:r>
+                        <a:rPr lang="es-CO" sz="2800" b="1" i="1" smtClean="0">
+                          <a:solidFill>
+                            <a:srgbClr val="0070C0"/>
+                          </a:solidFill>
+                          <a:latin typeface="Cambria Math" panose="02040503050406030204" pitchFamily="18" charset="0"/>
+                        </a:rPr>
+                        <m:t>𝒛</m:t>
+                      </m:r>
+                    </m:oMath>
+                  </m:oMathPara>
+                </a14:m>
+                <a:endParaRPr lang="es-CO" b="1" dirty="0"/>
+              </a:p>
+            </p:txBody>
+          </p:sp>
+        </mc:Choice>
+        <mc:Fallback xmlns="">
+          <p:sp>
+            <p:nvSpPr>
+              <p:cNvPr id="46" name="CuadroTexto 45">
+                <a:extLst>
+                  <a:ext uri="{FF2B5EF4-FFF2-40B4-BE49-F238E27FC236}">
+                    <a16:creationId xmlns:a16="http://schemas.microsoft.com/office/drawing/2014/main" id="{5A0940D9-3695-90E4-EA17-0198F07EAC88}"/>
+                  </a:ext>
+                </a:extLst>
+              </p:cNvPr>
+              <p:cNvSpPr txBox="1">
+                <a:spLocks noRot="1" noChangeAspect="1" noMove="1" noResize="1" noEditPoints="1" noAdjustHandles="1" noChangeArrowheads="1" noChangeShapeType="1" noTextEdit="1"/>
+              </p:cNvSpPr>
+              <p:nvPr/>
+            </p:nvSpPr>
+            <p:spPr>
+              <a:xfrm>
+                <a:off x="7905204" y="1756367"/>
+                <a:ext cx="259686" cy="430887"/>
+              </a:xfrm>
+              <a:prstGeom prst="rect">
+                <a:avLst/>
+              </a:prstGeom>
+              <a:blipFill>
+                <a:blip r:embed="rId6"/>
+                <a:stretch>
+                  <a:fillRect/>
+                </a:stretch>
+              </a:blipFill>
+            </p:spPr>
+            <p:txBody>
+              <a:bodyPr/>
+              <a:lstStyle/>
+              <a:p>
+                <a:r>
+                  <a:rPr lang="es-CO">
+                    <a:noFill/>
+                  </a:rPr>
+                  <a:t> </a:t>
+                </a:r>
+              </a:p>
+            </p:txBody>
+          </p:sp>
+        </mc:Fallback>
+      </mc:AlternateContent>
+    </p:spTree>
+    <p:extLst>
+      <p:ext uri="{BB962C8B-B14F-4D97-AF65-F5344CB8AC3E}">
+        <p14:creationId xmlns:p14="http://schemas.microsoft.com/office/powerpoint/2010/main" val="3339832858"/>
+      </p:ext>
+    </p:extLst>
+  </p:cSld>
+  <p:clrMapOvr>
+    <a:masterClrMapping/>
+  </p:clrMapOvr>
+</p:sld>
+</file>
+
+<file path=ppt/slides/slide4.xml><?xml version="1.0" encoding="utf-8"?>
+<p:sld xmlns:a="http://schemas.openxmlformats.org/drawingml/2006/main" xmlns:r="http://schemas.openxmlformats.org/officeDocument/2006/relationships" xmlns:p="http://schemas.openxmlformats.org/presentationml/2006/main">
+  <p:cSld>
+    <p:spTree>
+      <p:nvGrpSpPr>
+        <p:cNvPr id="1" name="">
+          <a:extLst>
+            <a:ext uri="{FF2B5EF4-FFF2-40B4-BE49-F238E27FC236}">
+              <a16:creationId xmlns:a16="http://schemas.microsoft.com/office/drawing/2014/main" id="{A6FFFCD9-0399-A070-2937-D20812B35EF3}"/>
+            </a:ext>
+          </a:extLst>
+        </p:cNvPr>
+        <p:cNvGrpSpPr/>
+        <p:nvPr/>
+      </p:nvGrpSpPr>
+      <p:grpSpPr>
+        <a:xfrm>
+          <a:off x="0" y="0"/>
+          <a:ext cx="0" cy="0"/>
+          <a:chOff x="0" y="0"/>
+          <a:chExt cx="0" cy="0"/>
+        </a:xfrm>
+      </p:grpSpPr>
+      <mc:AlternateContent xmlns:mc="http://schemas.openxmlformats.org/markup-compatibility/2006">
+        <mc:Choice xmlns:p14="http://schemas.microsoft.com/office/powerpoint/2010/main" Requires="p14">
+          <p:contentPart p14:bwMode="auto" r:id="rId2">
+            <p14:nvContentPartPr>
+              <p14:cNvPr id="7" name="Entrada de lápiz 6">
+                <a:extLst>
+                  <a:ext uri="{FF2B5EF4-FFF2-40B4-BE49-F238E27FC236}">
+                    <a16:creationId xmlns:a16="http://schemas.microsoft.com/office/drawing/2014/main" id="{7D1E8E73-BC99-CCD6-EC59-853977CB96C5}"/>
+                  </a:ext>
+                </a:extLst>
+              </p14:cNvPr>
+              <p14:cNvContentPartPr/>
+              <p14:nvPr/>
+            </p14:nvContentPartPr>
+            <p14:xfrm>
+              <a:off x="5661084" y="5194325"/>
+              <a:ext cx="360" cy="360"/>
+            </p14:xfrm>
+          </p:contentPart>
+        </mc:Choice>
+        <mc:Fallback>
+          <p:pic>
+            <p:nvPicPr>
+              <p:cNvPr id="7" name="Entrada de lápiz 6">
+                <a:extLst>
+                  <a:ext uri="{FF2B5EF4-FFF2-40B4-BE49-F238E27FC236}">
+                    <a16:creationId xmlns:a16="http://schemas.microsoft.com/office/drawing/2014/main" id="{7D1E8E73-BC99-CCD6-EC59-853977CB96C5}"/>
+                  </a:ext>
+                </a:extLst>
+              </p:cNvPr>
+              <p:cNvPicPr/>
+              <p:nvPr/>
+            </p:nvPicPr>
+            <p:blipFill>
+              <a:blip r:embed="rId3"/>
+              <a:stretch>
+                <a:fillRect/>
+              </a:stretch>
+            </p:blipFill>
+            <p:spPr>
+              <a:xfrm>
+                <a:off x="5654964" y="5188205"/>
+                <a:ext cx="12600" cy="12600"/>
+              </a:xfrm>
+              <a:prstGeom prst="rect">
+                <a:avLst/>
+              </a:prstGeom>
+            </p:spPr>
+          </p:pic>
+        </mc:Fallback>
+      </mc:AlternateContent>
+      <p:pic>
+        <p:nvPicPr>
+          <p:cNvPr id="9" name="Imagen 8">
+            <a:extLst>
+              <a:ext uri="{FF2B5EF4-FFF2-40B4-BE49-F238E27FC236}">
+                <a16:creationId xmlns:a16="http://schemas.microsoft.com/office/drawing/2014/main" id="{ABBC78B9-78BA-B770-46C2-40250D76935B}"/>
+              </a:ext>
+            </a:extLst>
+          </p:cNvPr>
+          <p:cNvPicPr>
+            <a:picLocks noChangeAspect="1"/>
+          </p:cNvPicPr>
+          <p:nvPr/>
+        </p:nvPicPr>
+        <p:blipFill>
+          <a:blip r:embed="rId4"/>
+          <a:stretch>
+            <a:fillRect/>
+          </a:stretch>
+        </p:blipFill>
+        <p:spPr>
+          <a:xfrm>
+            <a:off x="2817949" y="1089274"/>
+            <a:ext cx="5615932" cy="3833347"/>
+          </a:xfrm>
+          <a:prstGeom prst="rect">
+            <a:avLst/>
+          </a:prstGeom>
+        </p:spPr>
+      </p:pic>
+    </p:spTree>
+    <p:extLst>
+      <p:ext uri="{BB962C8B-B14F-4D97-AF65-F5344CB8AC3E}">
+        <p14:creationId xmlns:p14="http://schemas.microsoft.com/office/powerpoint/2010/main" val="2895517441"/>
+      </p:ext>
+    </p:extLst>
+  </p:cSld>
+  <p:clrMapOvr>
+    <a:masterClrMapping/>
+  </p:clrMapOvr>
+</p:sld>
+</file>
+
+<file path=ppt/slides/slide5.xml><?xml version="1.0" encoding="utf-8"?>
+<p:sld xmlns:a="http://schemas.openxmlformats.org/drawingml/2006/main" xmlns:r="http://schemas.openxmlformats.org/officeDocument/2006/relationships" xmlns:p="http://schemas.openxmlformats.org/presentationml/2006/main">
+  <p:cSld>
+    <p:spTree>
+      <p:nvGrpSpPr>
         <p:cNvPr id="1" name=""/>
         <p:cNvGrpSpPr/>
         <p:nvPr/>
@@ -3722,7 +6893,7 @@
 </p:sld>
 </file>
 
-<file path=ppt/slides/slide2.xml><?xml version="1.0" encoding="utf-8"?>
+<file path=ppt/slides/slide6.xml><?xml version="1.0" encoding="utf-8"?>
 <p:sld xmlns:a="http://schemas.openxmlformats.org/drawingml/2006/main" xmlns:r="http://schemas.openxmlformats.org/officeDocument/2006/relationships" xmlns:p="http://schemas.openxmlformats.org/presentationml/2006/main">
   <p:cSld>
     <p:spTree>
@@ -4812,3032 +7983,6 @@
 </p:sld>
 </file>
 
-<file path=ppt/slides/slide3.xml><?xml version="1.0" encoding="utf-8"?>
-<p:sld xmlns:a="http://schemas.openxmlformats.org/drawingml/2006/main" xmlns:r="http://schemas.openxmlformats.org/officeDocument/2006/relationships" xmlns:p="http://schemas.openxmlformats.org/presentationml/2006/main">
-  <p:cSld>
-    <p:spTree>
-      <p:nvGrpSpPr>
-        <p:cNvPr id="1" name="">
-          <a:extLst>
-            <a:ext uri="{FF2B5EF4-FFF2-40B4-BE49-F238E27FC236}">
-              <a16:creationId xmlns:a16="http://schemas.microsoft.com/office/drawing/2014/main" id="{8058BF13-EC47-A2B8-F209-427B6AA7AD56}"/>
-            </a:ext>
-          </a:extLst>
-        </p:cNvPr>
-        <p:cNvGrpSpPr/>
-        <p:nvPr/>
-      </p:nvGrpSpPr>
-      <p:grpSpPr>
-        <a:xfrm>
-          <a:off x="0" y="0"/>
-          <a:ext cx="0" cy="0"/>
-          <a:chOff x="0" y="0"/>
-          <a:chExt cx="0" cy="0"/>
-        </a:xfrm>
-      </p:grpSpPr>
-      <p:sp>
-        <p:nvSpPr>
-          <p:cNvPr id="10" name="Cilindro 9">
-            <a:extLst>
-              <a:ext uri="{FF2B5EF4-FFF2-40B4-BE49-F238E27FC236}">
-                <a16:creationId xmlns:a16="http://schemas.microsoft.com/office/drawing/2014/main" id="{0081F030-181E-AF70-309B-62A946B1CB08}"/>
-              </a:ext>
-            </a:extLst>
-          </p:cNvPr>
-          <p:cNvSpPr/>
-          <p:nvPr/>
-        </p:nvSpPr>
-        <p:spPr>
-          <a:xfrm>
-            <a:off x="5107019" y="4717915"/>
-            <a:ext cx="486383" cy="680936"/>
-          </a:xfrm>
-          <a:prstGeom prst="can">
-            <a:avLst/>
-          </a:prstGeom>
-          <a:solidFill>
-            <a:schemeClr val="accent1">
-              <a:lumMod val="40000"/>
-              <a:lumOff val="60000"/>
-            </a:schemeClr>
-          </a:solidFill>
-          <a:ln w="38100"/>
-        </p:spPr>
-        <p:style>
-          <a:lnRef idx="2">
-            <a:schemeClr val="accent1">
-              <a:shade val="15000"/>
-            </a:schemeClr>
-          </a:lnRef>
-          <a:fillRef idx="1">
-            <a:schemeClr val="accent1"/>
-          </a:fillRef>
-          <a:effectRef idx="0">
-            <a:schemeClr val="accent1"/>
-          </a:effectRef>
-          <a:fontRef idx="minor">
-            <a:schemeClr val="lt1"/>
-          </a:fontRef>
-        </p:style>
-        <p:txBody>
-          <a:bodyPr rtlCol="0" anchor="ctr"/>
-          <a:lstStyle/>
-          <a:p>
-            <a:pPr algn="ctr"/>
-            <a:endParaRPr lang="es-CO"/>
-          </a:p>
-        </p:txBody>
-      </p:sp>
-      <p:sp>
-        <p:nvSpPr>
-          <p:cNvPr id="2" name="Cilindro 1">
-            <a:extLst>
-              <a:ext uri="{FF2B5EF4-FFF2-40B4-BE49-F238E27FC236}">
-                <a16:creationId xmlns:a16="http://schemas.microsoft.com/office/drawing/2014/main" id="{610AE16E-BEE4-88D3-B23F-2F9F38F12D5E}"/>
-              </a:ext>
-            </a:extLst>
-          </p:cNvPr>
-          <p:cNvSpPr/>
-          <p:nvPr/>
-        </p:nvSpPr>
-        <p:spPr>
-          <a:xfrm>
-            <a:off x="4027251" y="836579"/>
-            <a:ext cx="2645923" cy="4056434"/>
-          </a:xfrm>
-          <a:prstGeom prst="can">
-            <a:avLst/>
-          </a:prstGeom>
-          <a:ln w="57150">
-            <a:solidFill>
-              <a:schemeClr val="tx1"/>
-            </a:solidFill>
-          </a:ln>
-        </p:spPr>
-        <p:style>
-          <a:lnRef idx="2">
-            <a:schemeClr val="accent1"/>
-          </a:lnRef>
-          <a:fillRef idx="1">
-            <a:schemeClr val="lt1"/>
-          </a:fillRef>
-          <a:effectRef idx="0">
-            <a:schemeClr val="accent1"/>
-          </a:effectRef>
-          <a:fontRef idx="minor">
-            <a:schemeClr val="dk1"/>
-          </a:fontRef>
-        </p:style>
-        <p:txBody>
-          <a:bodyPr rtlCol="0" anchor="ctr"/>
-          <a:lstStyle/>
-          <a:p>
-            <a:pPr algn="ctr"/>
-            <a:endParaRPr lang="es-CO"/>
-          </a:p>
-        </p:txBody>
-      </p:sp>
-      <p:sp>
-        <p:nvSpPr>
-          <p:cNvPr id="3" name="Cilindro 2">
-            <a:extLst>
-              <a:ext uri="{FF2B5EF4-FFF2-40B4-BE49-F238E27FC236}">
-                <a16:creationId xmlns:a16="http://schemas.microsoft.com/office/drawing/2014/main" id="{FCFF5BC6-C57B-29DF-8E36-AEE7DDFFAE28}"/>
-              </a:ext>
-            </a:extLst>
-          </p:cNvPr>
-          <p:cNvSpPr/>
-          <p:nvPr/>
-        </p:nvSpPr>
-        <p:spPr>
-          <a:xfrm>
-            <a:off x="4027250" y="1964987"/>
-            <a:ext cx="2645923" cy="2928026"/>
-          </a:xfrm>
-          <a:prstGeom prst="can">
-            <a:avLst/>
-          </a:prstGeom>
-          <a:solidFill>
-            <a:schemeClr val="accent1">
-              <a:lumMod val="40000"/>
-              <a:lumOff val="60000"/>
-            </a:schemeClr>
-          </a:solidFill>
-        </p:spPr>
-        <p:style>
-          <a:lnRef idx="2">
-            <a:schemeClr val="accent1">
-              <a:shade val="15000"/>
-            </a:schemeClr>
-          </a:lnRef>
-          <a:fillRef idx="1">
-            <a:schemeClr val="accent1"/>
-          </a:fillRef>
-          <a:effectRef idx="0">
-            <a:schemeClr val="accent1"/>
-          </a:effectRef>
-          <a:fontRef idx="minor">
-            <a:schemeClr val="lt1"/>
-          </a:fontRef>
-        </p:style>
-        <p:txBody>
-          <a:bodyPr rtlCol="0" anchor="ctr"/>
-          <a:lstStyle/>
-          <a:p>
-            <a:pPr algn="ctr"/>
-            <a:endParaRPr lang="es-CO"/>
-          </a:p>
-        </p:txBody>
-      </p:sp>
-      <p:sp>
-        <p:nvSpPr>
-          <p:cNvPr id="17" name="Elipse 16">
-            <a:extLst>
-              <a:ext uri="{FF2B5EF4-FFF2-40B4-BE49-F238E27FC236}">
-                <a16:creationId xmlns:a16="http://schemas.microsoft.com/office/drawing/2014/main" id="{5006B443-2492-BDC3-347A-5A8239719EA0}"/>
-              </a:ext>
-            </a:extLst>
-          </p:cNvPr>
-          <p:cNvSpPr/>
-          <p:nvPr/>
-        </p:nvSpPr>
-        <p:spPr>
-          <a:xfrm>
-            <a:off x="4027250" y="4299625"/>
-            <a:ext cx="2645923" cy="593387"/>
-          </a:xfrm>
-          <a:prstGeom prst="ellipse">
-            <a:avLst/>
-          </a:prstGeom>
-          <a:noFill/>
-          <a:ln w="38100">
-            <a:prstDash val="lgDash"/>
-          </a:ln>
-        </p:spPr>
-        <p:style>
-          <a:lnRef idx="2">
-            <a:schemeClr val="accent1">
-              <a:shade val="15000"/>
-            </a:schemeClr>
-          </a:lnRef>
-          <a:fillRef idx="1">
-            <a:schemeClr val="accent1"/>
-          </a:fillRef>
-          <a:effectRef idx="0">
-            <a:schemeClr val="accent1"/>
-          </a:effectRef>
-          <a:fontRef idx="minor">
-            <a:schemeClr val="lt1"/>
-          </a:fontRef>
-        </p:style>
-        <p:txBody>
-          <a:bodyPr rtlCol="0" anchor="ctr"/>
-          <a:lstStyle/>
-          <a:p>
-            <a:pPr algn="ctr"/>
-            <a:endParaRPr lang="es-CO"/>
-          </a:p>
-        </p:txBody>
-      </p:sp>
-      <p:sp>
-        <p:nvSpPr>
-          <p:cNvPr id="18" name="Elipse 17">
-            <a:extLst>
-              <a:ext uri="{FF2B5EF4-FFF2-40B4-BE49-F238E27FC236}">
-                <a16:creationId xmlns:a16="http://schemas.microsoft.com/office/drawing/2014/main" id="{92BD70AD-8CF1-3D23-A183-B9EE660448D8}"/>
-              </a:ext>
-            </a:extLst>
-          </p:cNvPr>
-          <p:cNvSpPr/>
-          <p:nvPr/>
-        </p:nvSpPr>
-        <p:spPr>
-          <a:xfrm>
-            <a:off x="5145932" y="4610907"/>
-            <a:ext cx="418288" cy="87550"/>
-          </a:xfrm>
-          <a:prstGeom prst="ellipse">
-            <a:avLst/>
-          </a:prstGeom>
-          <a:noFill/>
-          <a:ln w="28575">
-            <a:prstDash val="dash"/>
-          </a:ln>
-        </p:spPr>
-        <p:style>
-          <a:lnRef idx="2">
-            <a:schemeClr val="accent1">
-              <a:shade val="15000"/>
-            </a:schemeClr>
-          </a:lnRef>
-          <a:fillRef idx="1">
-            <a:schemeClr val="accent1"/>
-          </a:fillRef>
-          <a:effectRef idx="0">
-            <a:schemeClr val="accent1"/>
-          </a:effectRef>
-          <a:fontRef idx="minor">
-            <a:schemeClr val="lt1"/>
-          </a:fontRef>
-        </p:style>
-        <p:txBody>
-          <a:bodyPr rtlCol="0" anchor="ctr"/>
-          <a:lstStyle/>
-          <a:p>
-            <a:pPr algn="ctr"/>
-            <a:endParaRPr lang="es-CO"/>
-          </a:p>
-        </p:txBody>
-      </p:sp>
-      <mc:AlternateContent xmlns:mc="http://schemas.openxmlformats.org/markup-compatibility/2006" xmlns:p14="http://schemas.microsoft.com/office/powerpoint/2010/main">
-        <mc:Choice Requires="p14">
-          <p:contentPart p14:bwMode="auto" r:id="rId2">
-            <p14:nvContentPartPr>
-              <p14:cNvPr id="22" name="Entrada de lápiz 21">
-                <a:extLst>
-                  <a:ext uri="{FF2B5EF4-FFF2-40B4-BE49-F238E27FC236}">
-                    <a16:creationId xmlns:a16="http://schemas.microsoft.com/office/drawing/2014/main" id="{36E60DD2-BA21-65D8-8E0B-9786993FE4D9}"/>
-                  </a:ext>
-                </a:extLst>
-              </p14:cNvPr>
-              <p14:cNvContentPartPr/>
-              <p14:nvPr/>
-            </p14:nvContentPartPr>
-            <p14:xfrm>
-              <a:off x="5085084" y="5417885"/>
-              <a:ext cx="129960" cy="1001160"/>
-            </p14:xfrm>
-          </p:contentPart>
-        </mc:Choice>
-        <mc:Fallback xmlns="">
-          <p:pic>
-            <p:nvPicPr>
-              <p:cNvPr id="22" name="Entrada de lápiz 21">
-                <a:extLst>
-                  <a:ext uri="{FF2B5EF4-FFF2-40B4-BE49-F238E27FC236}">
-                    <a16:creationId xmlns:a16="http://schemas.microsoft.com/office/drawing/2014/main" id="{36E60DD2-BA21-65D8-8E0B-9786993FE4D9}"/>
-                  </a:ext>
-                </a:extLst>
-              </p:cNvPr>
-              <p:cNvPicPr/>
-              <p:nvPr/>
-            </p:nvPicPr>
-            <p:blipFill>
-              <a:blip r:embed="rId3"/>
-              <a:stretch>
-                <a:fillRect/>
-              </a:stretch>
-            </p:blipFill>
-            <p:spPr>
-              <a:xfrm>
-                <a:off x="5049084" y="5382245"/>
-                <a:ext cx="201600" cy="1072800"/>
-              </a:xfrm>
-              <a:prstGeom prst="rect">
-                <a:avLst/>
-              </a:prstGeom>
-            </p:spPr>
-          </p:pic>
-        </mc:Fallback>
-      </mc:AlternateContent>
-      <mc:AlternateContent xmlns:mc="http://schemas.openxmlformats.org/markup-compatibility/2006" xmlns:p14="http://schemas.microsoft.com/office/powerpoint/2010/main">
-        <mc:Choice Requires="p14">
-          <p:contentPart p14:bwMode="auto" r:id="rId4">
-            <p14:nvContentPartPr>
-              <p14:cNvPr id="23" name="Entrada de lápiz 22">
-                <a:extLst>
-                  <a:ext uri="{FF2B5EF4-FFF2-40B4-BE49-F238E27FC236}">
-                    <a16:creationId xmlns:a16="http://schemas.microsoft.com/office/drawing/2014/main" id="{E0570B77-64F8-F6DA-6F5B-C50DEB7D1D1B}"/>
-                  </a:ext>
-                </a:extLst>
-              </p14:cNvPr>
-              <p14:cNvContentPartPr/>
-              <p14:nvPr/>
-            </p14:nvContentPartPr>
-            <p14:xfrm>
-              <a:off x="5562804" y="5437325"/>
-              <a:ext cx="159120" cy="948960"/>
-            </p14:xfrm>
-          </p:contentPart>
-        </mc:Choice>
-        <mc:Fallback xmlns="">
-          <p:pic>
-            <p:nvPicPr>
-              <p:cNvPr id="23" name="Entrada de lápiz 22">
-                <a:extLst>
-                  <a:ext uri="{FF2B5EF4-FFF2-40B4-BE49-F238E27FC236}">
-                    <a16:creationId xmlns:a16="http://schemas.microsoft.com/office/drawing/2014/main" id="{E0570B77-64F8-F6DA-6F5B-C50DEB7D1D1B}"/>
-                  </a:ext>
-                </a:extLst>
-              </p:cNvPr>
-              <p:cNvPicPr/>
-              <p:nvPr/>
-            </p:nvPicPr>
-            <p:blipFill>
-              <a:blip r:embed="rId5"/>
-              <a:stretch>
-                <a:fillRect/>
-              </a:stretch>
-            </p:blipFill>
-            <p:spPr>
-              <a:xfrm>
-                <a:off x="5526804" y="5401685"/>
-                <a:ext cx="230760" cy="1020600"/>
-              </a:xfrm>
-              <a:prstGeom prst="rect">
-                <a:avLst/>
-              </a:prstGeom>
-            </p:spPr>
-          </p:pic>
-        </mc:Fallback>
-      </mc:AlternateContent>
-      <p:grpSp>
-        <p:nvGrpSpPr>
-          <p:cNvPr id="28" name="Grupo 27">
-            <a:extLst>
-              <a:ext uri="{FF2B5EF4-FFF2-40B4-BE49-F238E27FC236}">
-                <a16:creationId xmlns:a16="http://schemas.microsoft.com/office/drawing/2014/main" id="{7A67CBF1-6033-2797-63AF-1F50F2DB3E44}"/>
-              </a:ext>
-            </a:extLst>
-          </p:cNvPr>
-          <p:cNvGrpSpPr/>
-          <p:nvPr/>
-        </p:nvGrpSpPr>
-        <p:grpSpPr>
-          <a:xfrm>
-            <a:off x="5279484" y="5476565"/>
-            <a:ext cx="322560" cy="971280"/>
-            <a:chOff x="5279484" y="5476565"/>
-            <a:chExt cx="322560" cy="971280"/>
-          </a:xfrm>
-        </p:grpSpPr>
-        <mc:AlternateContent xmlns:mc="http://schemas.openxmlformats.org/markup-compatibility/2006" xmlns:p14="http://schemas.microsoft.com/office/powerpoint/2010/main">
-          <mc:Choice Requires="p14">
-            <p:contentPart p14:bwMode="auto" r:id="rId6">
-              <p14:nvContentPartPr>
-                <p14:cNvPr id="24" name="Entrada de lápiz 23">
-                  <a:extLst>
-                    <a:ext uri="{FF2B5EF4-FFF2-40B4-BE49-F238E27FC236}">
-                      <a16:creationId xmlns:a16="http://schemas.microsoft.com/office/drawing/2014/main" id="{5EF010FD-3390-3F23-E3E0-548A53F305B8}"/>
-                    </a:ext>
-                  </a:extLst>
-                </p14:cNvPr>
-                <p14:cNvContentPartPr/>
-                <p14:nvPr/>
-              </p14:nvContentPartPr>
-              <p14:xfrm>
-                <a:off x="5279484" y="5641805"/>
-                <a:ext cx="52200" cy="455760"/>
-              </p14:xfrm>
-            </p:contentPart>
-          </mc:Choice>
-          <mc:Fallback xmlns="">
-            <p:pic>
-              <p:nvPicPr>
-                <p:cNvPr id="24" name="Entrada de lápiz 23">
-                  <a:extLst>
-                    <a:ext uri="{FF2B5EF4-FFF2-40B4-BE49-F238E27FC236}">
-                      <a16:creationId xmlns:a16="http://schemas.microsoft.com/office/drawing/2014/main" id="{5EF010FD-3390-3F23-E3E0-548A53F305B8}"/>
-                    </a:ext>
-                  </a:extLst>
-                </p:cNvPr>
-                <p:cNvPicPr/>
-                <p:nvPr/>
-              </p:nvPicPr>
-              <p:blipFill>
-                <a:blip r:embed="rId7"/>
-                <a:stretch>
-                  <a:fillRect/>
-                </a:stretch>
-              </p:blipFill>
-              <p:spPr>
-                <a:xfrm>
-                  <a:off x="5273364" y="5635685"/>
-                  <a:ext cx="64440" cy="468000"/>
-                </a:xfrm>
-                <a:prstGeom prst="rect">
-                  <a:avLst/>
-                </a:prstGeom>
-              </p:spPr>
-            </p:pic>
-          </mc:Fallback>
-        </mc:AlternateContent>
-        <mc:AlternateContent xmlns:mc="http://schemas.openxmlformats.org/markup-compatibility/2006" xmlns:p14="http://schemas.microsoft.com/office/powerpoint/2010/main">
-          <mc:Choice Requires="p14">
-            <p:contentPart p14:bwMode="auto" r:id="rId8">
-              <p14:nvContentPartPr>
-                <p14:cNvPr id="25" name="Entrada de lápiz 24">
-                  <a:extLst>
-                    <a:ext uri="{FF2B5EF4-FFF2-40B4-BE49-F238E27FC236}">
-                      <a16:creationId xmlns:a16="http://schemas.microsoft.com/office/drawing/2014/main" id="{0F2ADFCD-D831-0EFA-96C1-80B8C5D38A94}"/>
-                    </a:ext>
-                  </a:extLst>
-                </p14:cNvPr>
-                <p14:cNvContentPartPr/>
-                <p14:nvPr/>
-              </p14:nvContentPartPr>
-              <p14:xfrm>
-                <a:off x="5378124" y="5729285"/>
-                <a:ext cx="61920" cy="588600"/>
-              </p14:xfrm>
-            </p:contentPart>
-          </mc:Choice>
-          <mc:Fallback xmlns="">
-            <p:pic>
-              <p:nvPicPr>
-                <p:cNvPr id="25" name="Entrada de lápiz 24">
-                  <a:extLst>
-                    <a:ext uri="{FF2B5EF4-FFF2-40B4-BE49-F238E27FC236}">
-                      <a16:creationId xmlns:a16="http://schemas.microsoft.com/office/drawing/2014/main" id="{0F2ADFCD-D831-0EFA-96C1-80B8C5D38A94}"/>
-                    </a:ext>
-                  </a:extLst>
-                </p:cNvPr>
-                <p:cNvPicPr/>
-                <p:nvPr/>
-              </p:nvPicPr>
-              <p:blipFill>
-                <a:blip r:embed="rId9"/>
-                <a:stretch>
-                  <a:fillRect/>
-                </a:stretch>
-              </p:blipFill>
-              <p:spPr>
-                <a:xfrm>
-                  <a:off x="5372004" y="5723165"/>
-                  <a:ext cx="74160" cy="600840"/>
-                </a:xfrm>
-                <a:prstGeom prst="rect">
-                  <a:avLst/>
-                </a:prstGeom>
-              </p:spPr>
-            </p:pic>
-          </mc:Fallback>
-        </mc:AlternateContent>
-        <mc:AlternateContent xmlns:mc="http://schemas.openxmlformats.org/markup-compatibility/2006" xmlns:p14="http://schemas.microsoft.com/office/powerpoint/2010/main">
-          <mc:Choice Requires="p14">
-            <p:contentPart p14:bwMode="auto" r:id="rId10">
-              <p14:nvContentPartPr>
-                <p14:cNvPr id="26" name="Entrada de lápiz 25">
-                  <a:extLst>
-                    <a:ext uri="{FF2B5EF4-FFF2-40B4-BE49-F238E27FC236}">
-                      <a16:creationId xmlns:a16="http://schemas.microsoft.com/office/drawing/2014/main" id="{CFFB1932-01C0-168B-5A12-0585FC7B135A}"/>
-                    </a:ext>
-                  </a:extLst>
-                </p14:cNvPr>
-                <p14:cNvContentPartPr/>
-                <p14:nvPr/>
-              </p14:nvContentPartPr>
-              <p14:xfrm>
-                <a:off x="5436444" y="5476565"/>
-                <a:ext cx="41040" cy="408240"/>
-              </p14:xfrm>
-            </p:contentPart>
-          </mc:Choice>
-          <mc:Fallback xmlns="">
-            <p:pic>
-              <p:nvPicPr>
-                <p:cNvPr id="26" name="Entrada de lápiz 25">
-                  <a:extLst>
-                    <a:ext uri="{FF2B5EF4-FFF2-40B4-BE49-F238E27FC236}">
-                      <a16:creationId xmlns:a16="http://schemas.microsoft.com/office/drawing/2014/main" id="{CFFB1932-01C0-168B-5A12-0585FC7B135A}"/>
-                    </a:ext>
-                  </a:extLst>
-                </p:cNvPr>
-                <p:cNvPicPr/>
-                <p:nvPr/>
-              </p:nvPicPr>
-              <p:blipFill>
-                <a:blip r:embed="rId11"/>
-                <a:stretch>
-                  <a:fillRect/>
-                </a:stretch>
-              </p:blipFill>
-              <p:spPr>
-                <a:xfrm>
-                  <a:off x="5430324" y="5470445"/>
-                  <a:ext cx="53280" cy="420480"/>
-                </a:xfrm>
-                <a:prstGeom prst="rect">
-                  <a:avLst/>
-                </a:prstGeom>
-              </p:spPr>
-            </p:pic>
-          </mc:Fallback>
-        </mc:AlternateContent>
-        <mc:AlternateContent xmlns:mc="http://schemas.openxmlformats.org/markup-compatibility/2006" xmlns:p14="http://schemas.microsoft.com/office/powerpoint/2010/main">
-          <mc:Choice Requires="p14">
-            <p:contentPart p14:bwMode="auto" r:id="rId12">
-              <p14:nvContentPartPr>
-                <p14:cNvPr id="27" name="Entrada de lápiz 26">
-                  <a:extLst>
-                    <a:ext uri="{FF2B5EF4-FFF2-40B4-BE49-F238E27FC236}">
-                      <a16:creationId xmlns:a16="http://schemas.microsoft.com/office/drawing/2014/main" id="{C09DF3E3-B54E-4A46-DC77-B018820CD53B}"/>
-                    </a:ext>
-                  </a:extLst>
-                </p14:cNvPr>
-                <p14:cNvContentPartPr/>
-                <p14:nvPr/>
-              </p14:nvContentPartPr>
-              <p14:xfrm>
-                <a:off x="5582964" y="6254525"/>
-                <a:ext cx="19080" cy="193320"/>
-              </p14:xfrm>
-            </p:contentPart>
-          </mc:Choice>
-          <mc:Fallback xmlns="">
-            <p:pic>
-              <p:nvPicPr>
-                <p:cNvPr id="27" name="Entrada de lápiz 26">
-                  <a:extLst>
-                    <a:ext uri="{FF2B5EF4-FFF2-40B4-BE49-F238E27FC236}">
-                      <a16:creationId xmlns:a16="http://schemas.microsoft.com/office/drawing/2014/main" id="{C09DF3E3-B54E-4A46-DC77-B018820CD53B}"/>
-                    </a:ext>
-                  </a:extLst>
-                </p:cNvPr>
-                <p:cNvPicPr/>
-                <p:nvPr/>
-              </p:nvPicPr>
-              <p:blipFill>
-                <a:blip r:embed="rId13"/>
-                <a:stretch>
-                  <a:fillRect/>
-                </a:stretch>
-              </p:blipFill>
-              <p:spPr>
-                <a:xfrm>
-                  <a:off x="5576844" y="6248405"/>
-                  <a:ext cx="31320" cy="205560"/>
-                </a:xfrm>
-                <a:prstGeom prst="rect">
-                  <a:avLst/>
-                </a:prstGeom>
-              </p:spPr>
-            </p:pic>
-          </mc:Fallback>
-        </mc:AlternateContent>
-      </p:grpSp>
-      <p:cxnSp>
-        <p:nvCxnSpPr>
-          <p:cNvPr id="38" name="Conector recto de flecha 37">
-            <a:extLst>
-              <a:ext uri="{FF2B5EF4-FFF2-40B4-BE49-F238E27FC236}">
-                <a16:creationId xmlns:a16="http://schemas.microsoft.com/office/drawing/2014/main" id="{8C076F04-B7B8-72E6-E7E4-244EA4015324}"/>
-              </a:ext>
-            </a:extLst>
-          </p:cNvPr>
-          <p:cNvCxnSpPr>
-            <a:cxnSpLocks/>
-          </p:cNvCxnSpPr>
-          <p:nvPr/>
-        </p:nvCxnSpPr>
-        <p:spPr>
-          <a:xfrm>
-            <a:off x="4036265" y="3516552"/>
-            <a:ext cx="2645923" cy="0"/>
-          </a:xfrm>
-          <a:prstGeom prst="straightConnector1">
-            <a:avLst/>
-          </a:prstGeom>
-          <a:ln w="38100">
-            <a:solidFill>
-              <a:schemeClr val="tx1"/>
-            </a:solidFill>
-            <a:headEnd type="triangle"/>
-            <a:tailEnd type="triangle"/>
-          </a:ln>
-        </p:spPr>
-        <p:style>
-          <a:lnRef idx="2">
-            <a:schemeClr val="accent1"/>
-          </a:lnRef>
-          <a:fillRef idx="0">
-            <a:schemeClr val="accent1"/>
-          </a:fillRef>
-          <a:effectRef idx="1">
-            <a:schemeClr val="accent1"/>
-          </a:effectRef>
-          <a:fontRef idx="minor">
-            <a:schemeClr val="tx1"/>
-          </a:fontRef>
-        </p:style>
-      </p:cxnSp>
-      <mc:AlternateContent xmlns:mc="http://schemas.openxmlformats.org/markup-compatibility/2006" xmlns:a14="http://schemas.microsoft.com/office/drawing/2010/main">
-        <mc:Choice Requires="a14">
-          <p:sp>
-            <p:nvSpPr>
-              <p:cNvPr id="40" name="CuadroTexto 39">
-                <a:extLst>
-                  <a:ext uri="{FF2B5EF4-FFF2-40B4-BE49-F238E27FC236}">
-                    <a16:creationId xmlns:a16="http://schemas.microsoft.com/office/drawing/2014/main" id="{FCB4C706-D92E-5187-E50A-C6D59270DE82}"/>
-                  </a:ext>
-                </a:extLst>
-              </p:cNvPr>
-              <p:cNvSpPr txBox="1"/>
-              <p:nvPr/>
-            </p:nvSpPr>
-            <p:spPr>
-              <a:xfrm>
-                <a:off x="5040988" y="2891973"/>
-                <a:ext cx="680936" cy="1077218"/>
-              </a:xfrm>
-              <a:prstGeom prst="rect">
-                <a:avLst/>
-              </a:prstGeom>
-              <a:noFill/>
-            </p:spPr>
-            <p:txBody>
-              <a:bodyPr wrap="square" rtlCol="0">
-                <a:spAutoFit/>
-              </a:bodyPr>
-              <a:lstStyle/>
-              <a:p>
-                <a:pPr/>
-                <a14:m>
-                  <m:oMathPara xmlns:m="http://schemas.openxmlformats.org/officeDocument/2006/math">
-                    <m:oMathParaPr>
-                      <m:jc m:val="centerGroup"/>
-                    </m:oMathParaPr>
-                    <m:oMath xmlns:m="http://schemas.openxmlformats.org/officeDocument/2006/math">
-                      <m:sSub>
-                        <m:sSubPr>
-                          <m:ctrlPr>
-                            <a:rPr lang="es-CO" sz="3200" b="1" i="1" smtClean="0">
-                              <a:solidFill>
-                                <a:schemeClr val="tx1"/>
-                              </a:solidFill>
-                              <a:latin typeface="Cambria Math" panose="02040503050406030204" pitchFamily="18" charset="0"/>
-                            </a:rPr>
-                          </m:ctrlPr>
-                        </m:sSubPr>
-                        <m:e>
-                          <m:r>
-                            <a:rPr lang="es-CO" sz="3200" b="1" i="1" smtClean="0">
-                              <a:solidFill>
-                                <a:schemeClr val="tx1"/>
-                              </a:solidFill>
-                              <a:latin typeface="Cambria Math" panose="02040503050406030204" pitchFamily="18" charset="0"/>
-                            </a:rPr>
-                            <m:t>𝑨</m:t>
-                          </m:r>
-                        </m:e>
-                        <m:sub>
-                          <m:r>
-                            <a:rPr lang="es-CO" sz="3200" b="1" i="1" smtClean="0">
-                              <a:solidFill>
-                                <a:schemeClr val="tx1"/>
-                              </a:solidFill>
-                              <a:latin typeface="Cambria Math" panose="02040503050406030204" pitchFamily="18" charset="0"/>
-                            </a:rPr>
-                            <m:t>𝒕</m:t>
-                          </m:r>
-                        </m:sub>
-                      </m:sSub>
-                    </m:oMath>
-                  </m:oMathPara>
-                </a14:m>
-                <a:endParaRPr lang="es-CO" sz="3200" b="1" dirty="0"/>
-              </a:p>
-              <a:p>
-                <a:endParaRPr lang="es-CO" sz="3200" dirty="0"/>
-              </a:p>
-            </p:txBody>
-          </p:sp>
-        </mc:Choice>
-        <mc:Fallback xmlns="">
-          <p:sp>
-            <p:nvSpPr>
-              <p:cNvPr id="40" name="CuadroTexto 39">
-                <a:extLst>
-                  <a:ext uri="{FF2B5EF4-FFF2-40B4-BE49-F238E27FC236}">
-                    <a16:creationId xmlns:a16="http://schemas.microsoft.com/office/drawing/2014/main" id="{FCB4C706-D92E-5187-E50A-C6D59270DE82}"/>
-                  </a:ext>
-                </a:extLst>
-              </p:cNvPr>
-              <p:cNvSpPr txBox="1">
-                <a:spLocks noRot="1" noChangeAspect="1" noMove="1" noResize="1" noEditPoints="1" noAdjustHandles="1" noChangeArrowheads="1" noChangeShapeType="1" noTextEdit="1"/>
-              </p:cNvSpPr>
-              <p:nvPr/>
-            </p:nvSpPr>
-            <p:spPr>
-              <a:xfrm>
-                <a:off x="5040988" y="2891973"/>
-                <a:ext cx="680936" cy="1077218"/>
-              </a:xfrm>
-              <a:prstGeom prst="rect">
-                <a:avLst/>
-              </a:prstGeom>
-              <a:blipFill>
-                <a:blip r:embed="rId14"/>
-                <a:stretch>
-                  <a:fillRect/>
-                </a:stretch>
-              </a:blipFill>
-            </p:spPr>
-            <p:txBody>
-              <a:bodyPr/>
-              <a:lstStyle/>
-              <a:p>
-                <a:r>
-                  <a:rPr lang="es-CO">
-                    <a:noFill/>
-                  </a:rPr>
-                  <a:t> </a:t>
-                </a:r>
-              </a:p>
-            </p:txBody>
-          </p:sp>
-        </mc:Fallback>
-      </mc:AlternateContent>
-      <p:cxnSp>
-        <p:nvCxnSpPr>
-          <p:cNvPr id="44" name="Conector recto de flecha 43">
-            <a:extLst>
-              <a:ext uri="{FF2B5EF4-FFF2-40B4-BE49-F238E27FC236}">
-                <a16:creationId xmlns:a16="http://schemas.microsoft.com/office/drawing/2014/main" id="{DA78D069-CE26-23CF-857F-FDE15ED6B550}"/>
-              </a:ext>
-            </a:extLst>
-          </p:cNvPr>
-          <p:cNvCxnSpPr/>
-          <p:nvPr/>
-        </p:nvCxnSpPr>
-        <p:spPr>
-          <a:xfrm>
-            <a:off x="4474723" y="5155660"/>
-            <a:ext cx="632296" cy="0"/>
-          </a:xfrm>
-          <a:prstGeom prst="straightConnector1">
-            <a:avLst/>
-          </a:prstGeom>
-          <a:ln w="38100">
-            <a:solidFill>
-              <a:schemeClr val="tx1"/>
-            </a:solidFill>
-            <a:tailEnd type="triangle"/>
-          </a:ln>
-        </p:spPr>
-        <p:style>
-          <a:lnRef idx="2">
-            <a:schemeClr val="dk1"/>
-          </a:lnRef>
-          <a:fillRef idx="0">
-            <a:schemeClr val="dk1"/>
-          </a:fillRef>
-          <a:effectRef idx="1">
-            <a:schemeClr val="dk1"/>
-          </a:effectRef>
-          <a:fontRef idx="minor">
-            <a:schemeClr val="tx1"/>
-          </a:fontRef>
-        </p:style>
-      </p:cxnSp>
-      <p:cxnSp>
-        <p:nvCxnSpPr>
-          <p:cNvPr id="47" name="Conector recto de flecha 46">
-            <a:extLst>
-              <a:ext uri="{FF2B5EF4-FFF2-40B4-BE49-F238E27FC236}">
-                <a16:creationId xmlns:a16="http://schemas.microsoft.com/office/drawing/2014/main" id="{B8CA313C-F9BC-F116-CECB-832BDA9CE2DD}"/>
-              </a:ext>
-            </a:extLst>
-          </p:cNvPr>
-          <p:cNvCxnSpPr>
-            <a:cxnSpLocks/>
-          </p:cNvCxnSpPr>
-          <p:nvPr/>
-        </p:nvCxnSpPr>
-        <p:spPr>
-          <a:xfrm flipH="1" flipV="1">
-            <a:off x="5602044" y="5144311"/>
-            <a:ext cx="714985" cy="22698"/>
-          </a:xfrm>
-          <a:prstGeom prst="straightConnector1">
-            <a:avLst/>
-          </a:prstGeom>
-          <a:ln w="38100">
-            <a:solidFill>
-              <a:schemeClr val="tx1"/>
-            </a:solidFill>
-            <a:tailEnd type="triangle"/>
-          </a:ln>
-        </p:spPr>
-        <p:style>
-          <a:lnRef idx="2">
-            <a:schemeClr val="dk1"/>
-          </a:lnRef>
-          <a:fillRef idx="0">
-            <a:schemeClr val="dk1"/>
-          </a:fillRef>
-          <a:effectRef idx="1">
-            <a:schemeClr val="dk1"/>
-          </a:effectRef>
-          <a:fontRef idx="minor">
-            <a:schemeClr val="tx1"/>
-          </a:fontRef>
-        </p:style>
-      </p:cxnSp>
-      <mc:AlternateContent xmlns:mc="http://schemas.openxmlformats.org/markup-compatibility/2006" xmlns:a14="http://schemas.microsoft.com/office/drawing/2010/main">
-        <mc:Choice Requires="a14">
-          <p:sp>
-            <p:nvSpPr>
-              <p:cNvPr id="49" name="CuadroTexto 48">
-                <a:extLst>
-                  <a:ext uri="{FF2B5EF4-FFF2-40B4-BE49-F238E27FC236}">
-                    <a16:creationId xmlns:a16="http://schemas.microsoft.com/office/drawing/2014/main" id="{F7069771-2CAD-91BC-8F56-D5EE8BAFE0CB}"/>
-                  </a:ext>
-                </a:extLst>
-              </p:cNvPr>
-              <p:cNvSpPr txBox="1"/>
-              <p:nvPr/>
-            </p:nvSpPr>
-            <p:spPr>
-              <a:xfrm>
-                <a:off x="6419142" y="4886664"/>
-                <a:ext cx="1090607" cy="513282"/>
-              </a:xfrm>
-              <a:prstGeom prst="rect">
-                <a:avLst/>
-              </a:prstGeom>
-              <a:noFill/>
-            </p:spPr>
-            <p:txBody>
-              <a:bodyPr wrap="square" rtlCol="0">
-                <a:spAutoFit/>
-              </a:bodyPr>
-              <a:lstStyle/>
-              <a:p>
-                <a14:m>
-                  <m:oMath xmlns:m="http://schemas.openxmlformats.org/officeDocument/2006/math">
-                    <m:r>
-                      <a:rPr lang="es-CO" sz="2400" b="1" i="1" smtClean="0">
-                        <a:latin typeface="Cambria Math" panose="02040503050406030204" pitchFamily="18" charset="0"/>
-                      </a:rPr>
-                      <m:t>𝒂</m:t>
-                    </m:r>
-                  </m:oMath>
-                </a14:m>
-                <a:r>
-                  <a:rPr lang="es-CO" b="1" dirty="0"/>
-                  <a:t> ó </a:t>
-                </a:r>
-                <a14:m>
-                  <m:oMath xmlns:m="http://schemas.openxmlformats.org/officeDocument/2006/math">
-                    <m:sSub>
-                      <m:sSubPr>
-                        <m:ctrlPr>
-                          <a:rPr lang="es-CO" sz="2800" b="1" i="1">
-                            <a:latin typeface="Cambria Math" panose="02040503050406030204" pitchFamily="18" charset="0"/>
-                          </a:rPr>
-                        </m:ctrlPr>
-                      </m:sSubPr>
-                      <m:e>
-                        <m:r>
-                          <a:rPr lang="es-CO" sz="2800" b="1" i="1">
-                            <a:latin typeface="Cambria Math" panose="02040503050406030204" pitchFamily="18" charset="0"/>
-                          </a:rPr>
-                          <m:t>𝑨</m:t>
-                        </m:r>
-                      </m:e>
-                      <m:sub>
-                        <m:r>
-                          <a:rPr lang="es-CO" sz="2800" b="1" i="1">
-                            <a:latin typeface="Cambria Math" panose="02040503050406030204" pitchFamily="18" charset="0"/>
-                          </a:rPr>
-                          <m:t>𝟎</m:t>
-                        </m:r>
-                      </m:sub>
-                    </m:sSub>
-                  </m:oMath>
-                </a14:m>
-                <a:r>
-                  <a:rPr lang="es-CO" b="1" dirty="0"/>
-                  <a:t> </a:t>
-                </a:r>
-              </a:p>
-            </p:txBody>
-          </p:sp>
-        </mc:Choice>
-        <mc:Fallback xmlns="">
-          <p:sp>
-            <p:nvSpPr>
-              <p:cNvPr id="49" name="CuadroTexto 48">
-                <a:extLst>
-                  <a:ext uri="{FF2B5EF4-FFF2-40B4-BE49-F238E27FC236}">
-                    <a16:creationId xmlns:a16="http://schemas.microsoft.com/office/drawing/2014/main" id="{F7069771-2CAD-91BC-8F56-D5EE8BAFE0CB}"/>
-                  </a:ext>
-                </a:extLst>
-              </p:cNvPr>
-              <p:cNvSpPr txBox="1">
-                <a:spLocks noRot="1" noChangeAspect="1" noMove="1" noResize="1" noEditPoints="1" noAdjustHandles="1" noChangeArrowheads="1" noChangeShapeType="1" noTextEdit="1"/>
-              </p:cNvSpPr>
-              <p:nvPr/>
-            </p:nvSpPr>
-            <p:spPr>
-              <a:xfrm>
-                <a:off x="6419142" y="4886664"/>
-                <a:ext cx="1090607" cy="513282"/>
-              </a:xfrm>
-              <a:prstGeom prst="rect">
-                <a:avLst/>
-              </a:prstGeom>
-              <a:blipFill>
-                <a:blip r:embed="rId15"/>
-                <a:stretch>
-                  <a:fillRect b="-15476"/>
-                </a:stretch>
-              </a:blipFill>
-            </p:spPr>
-            <p:txBody>
-              <a:bodyPr/>
-              <a:lstStyle/>
-              <a:p>
-                <a:r>
-                  <a:rPr lang="es-CO">
-                    <a:noFill/>
-                  </a:rPr>
-                  <a:t> </a:t>
-                </a:r>
-              </a:p>
-            </p:txBody>
-          </p:sp>
-        </mc:Fallback>
-      </mc:AlternateContent>
-      <p:cxnSp>
-        <p:nvCxnSpPr>
-          <p:cNvPr id="51" name="Conector recto de flecha 50">
-            <a:extLst>
-              <a:ext uri="{FF2B5EF4-FFF2-40B4-BE49-F238E27FC236}">
-                <a16:creationId xmlns:a16="http://schemas.microsoft.com/office/drawing/2014/main" id="{4A52A29E-1676-6D54-CFD8-0F561224D30B}"/>
-              </a:ext>
-            </a:extLst>
-          </p:cNvPr>
-          <p:cNvCxnSpPr>
-            <a:cxnSpLocks/>
-          </p:cNvCxnSpPr>
-          <p:nvPr/>
-        </p:nvCxnSpPr>
-        <p:spPr>
-          <a:xfrm>
-            <a:off x="7130375" y="2315183"/>
-            <a:ext cx="0" cy="2295724"/>
-          </a:xfrm>
-          <a:prstGeom prst="straightConnector1">
-            <a:avLst/>
-          </a:prstGeom>
-          <a:ln w="38100">
-            <a:headEnd type="triangle"/>
-            <a:tailEnd type="triangle"/>
-          </a:ln>
-        </p:spPr>
-        <p:style>
-          <a:lnRef idx="2">
-            <a:schemeClr val="dk1"/>
-          </a:lnRef>
-          <a:fillRef idx="0">
-            <a:schemeClr val="dk1"/>
-          </a:fillRef>
-          <a:effectRef idx="1">
-            <a:schemeClr val="dk1"/>
-          </a:effectRef>
-          <a:fontRef idx="minor">
-            <a:schemeClr val="tx1"/>
-          </a:fontRef>
-        </p:style>
-      </p:cxnSp>
-      <p:cxnSp>
-        <p:nvCxnSpPr>
-          <p:cNvPr id="53" name="Conector recto 52">
-            <a:extLst>
-              <a:ext uri="{FF2B5EF4-FFF2-40B4-BE49-F238E27FC236}">
-                <a16:creationId xmlns:a16="http://schemas.microsoft.com/office/drawing/2014/main" id="{6083BF3B-67A5-6F8B-5CF4-D54AA1D3AF62}"/>
-              </a:ext>
-            </a:extLst>
-          </p:cNvPr>
-          <p:cNvCxnSpPr>
-            <a:cxnSpLocks/>
-          </p:cNvCxnSpPr>
-          <p:nvPr/>
-        </p:nvCxnSpPr>
-        <p:spPr>
-          <a:xfrm>
-            <a:off x="6682188" y="2315183"/>
-            <a:ext cx="827565" cy="0"/>
-          </a:xfrm>
-          <a:prstGeom prst="line">
-            <a:avLst/>
-          </a:prstGeom>
-          <a:ln w="38100"/>
-        </p:spPr>
-        <p:style>
-          <a:lnRef idx="2">
-            <a:schemeClr val="dk1"/>
-          </a:lnRef>
-          <a:fillRef idx="0">
-            <a:schemeClr val="dk1"/>
-          </a:fillRef>
-          <a:effectRef idx="1">
-            <a:schemeClr val="dk1"/>
-          </a:effectRef>
-          <a:fontRef idx="minor">
-            <a:schemeClr val="tx1"/>
-          </a:fontRef>
-        </p:style>
-      </p:cxnSp>
-      <p:cxnSp>
-        <p:nvCxnSpPr>
-          <p:cNvPr id="55" name="Conector recto 54">
-            <a:extLst>
-              <a:ext uri="{FF2B5EF4-FFF2-40B4-BE49-F238E27FC236}">
-                <a16:creationId xmlns:a16="http://schemas.microsoft.com/office/drawing/2014/main" id="{92DCEBF0-A1DF-B9F8-516C-A1073D51BF49}"/>
-              </a:ext>
-            </a:extLst>
-          </p:cNvPr>
-          <p:cNvCxnSpPr>
-            <a:cxnSpLocks/>
-          </p:cNvCxnSpPr>
-          <p:nvPr/>
-        </p:nvCxnSpPr>
-        <p:spPr>
-          <a:xfrm>
-            <a:off x="6688668" y="4588218"/>
-            <a:ext cx="821085" cy="0"/>
-          </a:xfrm>
-          <a:prstGeom prst="line">
-            <a:avLst/>
-          </a:prstGeom>
-          <a:ln w="38100"/>
-        </p:spPr>
-        <p:style>
-          <a:lnRef idx="2">
-            <a:schemeClr val="dk1"/>
-          </a:lnRef>
-          <a:fillRef idx="0">
-            <a:schemeClr val="dk1"/>
-          </a:fillRef>
-          <a:effectRef idx="1">
-            <a:schemeClr val="dk1"/>
-          </a:effectRef>
-          <a:fontRef idx="minor">
-            <a:schemeClr val="tx1"/>
-          </a:fontRef>
-        </p:style>
-      </p:cxnSp>
-      <mc:AlternateContent xmlns:mc="http://schemas.openxmlformats.org/markup-compatibility/2006" xmlns:a14="http://schemas.microsoft.com/office/drawing/2010/main">
-        <mc:Choice Requires="a14">
-          <p:sp>
-            <p:nvSpPr>
-              <p:cNvPr id="59" name="CuadroTexto 58">
-                <a:extLst>
-                  <a:ext uri="{FF2B5EF4-FFF2-40B4-BE49-F238E27FC236}">
-                    <a16:creationId xmlns:a16="http://schemas.microsoft.com/office/drawing/2014/main" id="{CC23E74C-6EEA-C5E4-E75C-EF80294DDAB2}"/>
-                  </a:ext>
-                </a:extLst>
-              </p:cNvPr>
-              <p:cNvSpPr txBox="1"/>
-              <p:nvPr/>
-            </p:nvSpPr>
-            <p:spPr>
-              <a:xfrm>
-                <a:off x="7108702" y="3054887"/>
-                <a:ext cx="622571" cy="461665"/>
-              </a:xfrm>
-              <a:prstGeom prst="rect">
-                <a:avLst/>
-              </a:prstGeom>
-              <a:noFill/>
-            </p:spPr>
-            <p:txBody>
-              <a:bodyPr wrap="square" rtlCol="0">
-                <a:spAutoFit/>
-              </a:bodyPr>
-              <a:lstStyle/>
-              <a:p>
-                <a:pPr/>
-                <a14:m>
-                  <m:oMathPara xmlns:m="http://schemas.openxmlformats.org/officeDocument/2006/math">
-                    <m:oMathParaPr>
-                      <m:jc m:val="centerGroup"/>
-                    </m:oMathParaPr>
-                    <m:oMath xmlns:m="http://schemas.openxmlformats.org/officeDocument/2006/math">
-                      <m:r>
-                        <a:rPr lang="es-CO" sz="2400" b="1" i="1" smtClean="0">
-                          <a:latin typeface="Cambria Math" panose="02040503050406030204" pitchFamily="18" charset="0"/>
-                        </a:rPr>
-                        <m:t>𝒉</m:t>
-                      </m:r>
-                    </m:oMath>
-                  </m:oMathPara>
-                </a14:m>
-                <a:endParaRPr lang="es-CO" b="1" dirty="0"/>
-              </a:p>
-            </p:txBody>
-          </p:sp>
-        </mc:Choice>
-        <mc:Fallback xmlns="">
-          <p:sp>
-            <p:nvSpPr>
-              <p:cNvPr id="59" name="CuadroTexto 58">
-                <a:extLst>
-                  <a:ext uri="{FF2B5EF4-FFF2-40B4-BE49-F238E27FC236}">
-                    <a16:creationId xmlns:a16="http://schemas.microsoft.com/office/drawing/2014/main" id="{CC23E74C-6EEA-C5E4-E75C-EF80294DDAB2}"/>
-                  </a:ext>
-                </a:extLst>
-              </p:cNvPr>
-              <p:cNvSpPr txBox="1">
-                <a:spLocks noRot="1" noChangeAspect="1" noMove="1" noResize="1" noEditPoints="1" noAdjustHandles="1" noChangeArrowheads="1" noChangeShapeType="1" noTextEdit="1"/>
-              </p:cNvSpPr>
-              <p:nvPr/>
-            </p:nvSpPr>
-            <p:spPr>
-              <a:xfrm>
-                <a:off x="7108702" y="3054887"/>
-                <a:ext cx="622571" cy="461665"/>
-              </a:xfrm>
-              <a:prstGeom prst="rect">
-                <a:avLst/>
-              </a:prstGeom>
-              <a:blipFill>
-                <a:blip r:embed="rId16"/>
-                <a:stretch>
-                  <a:fillRect/>
-                </a:stretch>
-              </a:blipFill>
-            </p:spPr>
-            <p:txBody>
-              <a:bodyPr/>
-              <a:lstStyle/>
-              <a:p>
-                <a:r>
-                  <a:rPr lang="es-CO">
-                    <a:noFill/>
-                  </a:rPr>
-                  <a:t> </a:t>
-                </a:r>
-              </a:p>
-            </p:txBody>
-          </p:sp>
-        </mc:Fallback>
-      </mc:AlternateContent>
-      <p:cxnSp>
-        <p:nvCxnSpPr>
-          <p:cNvPr id="62" name="Conector recto 61">
-            <a:extLst>
-              <a:ext uri="{FF2B5EF4-FFF2-40B4-BE49-F238E27FC236}">
-                <a16:creationId xmlns:a16="http://schemas.microsoft.com/office/drawing/2014/main" id="{E92FD7E5-CF51-BB4F-CF1E-71C41FC759DE}"/>
-              </a:ext>
-            </a:extLst>
-          </p:cNvPr>
-          <p:cNvCxnSpPr>
-            <a:cxnSpLocks/>
-          </p:cNvCxnSpPr>
-          <p:nvPr/>
-        </p:nvCxnSpPr>
-        <p:spPr>
-          <a:xfrm>
-            <a:off x="5100885" y="5155449"/>
-            <a:ext cx="554477" cy="1"/>
-          </a:xfrm>
-          <a:prstGeom prst="line">
-            <a:avLst/>
-          </a:prstGeom>
-          <a:ln>
-            <a:prstDash val="dash"/>
-          </a:ln>
-        </p:spPr>
-        <p:style>
-          <a:lnRef idx="2">
-            <a:schemeClr val="dk1"/>
-          </a:lnRef>
-          <a:fillRef idx="0">
-            <a:schemeClr val="dk1"/>
-          </a:fillRef>
-          <a:effectRef idx="1">
-            <a:schemeClr val="dk1"/>
-          </a:effectRef>
-          <a:fontRef idx="minor">
-            <a:schemeClr val="tx1"/>
-          </a:fontRef>
-        </p:style>
-      </p:cxnSp>
-    </p:spTree>
-    <p:extLst>
-      <p:ext uri="{BB962C8B-B14F-4D97-AF65-F5344CB8AC3E}">
-        <p14:creationId xmlns:p14="http://schemas.microsoft.com/office/powerpoint/2010/main" val="3094165783"/>
-      </p:ext>
-    </p:extLst>
-  </p:cSld>
-  <p:clrMapOvr>
-    <a:masterClrMapping/>
-  </p:clrMapOvr>
-</p:sld>
-</file>
-
-<file path=ppt/slides/slide4.xml><?xml version="1.0" encoding="utf-8"?>
-<p:sld xmlns:a="http://schemas.openxmlformats.org/drawingml/2006/main" xmlns:r="http://schemas.openxmlformats.org/officeDocument/2006/relationships" xmlns:p="http://schemas.openxmlformats.org/presentationml/2006/main">
-  <p:cSld>
-    <p:spTree>
-      <p:nvGrpSpPr>
-        <p:cNvPr id="1" name="">
-          <a:extLst>
-            <a:ext uri="{FF2B5EF4-FFF2-40B4-BE49-F238E27FC236}">
-              <a16:creationId xmlns:a16="http://schemas.microsoft.com/office/drawing/2014/main" id="{79BF8679-0B1A-4A83-307A-7B9867069757}"/>
-            </a:ext>
-          </a:extLst>
-        </p:cNvPr>
-        <p:cNvGrpSpPr/>
-        <p:nvPr/>
-      </p:nvGrpSpPr>
-      <p:grpSpPr>
-        <a:xfrm>
-          <a:off x="0" y="0"/>
-          <a:ext cx="0" cy="0"/>
-          <a:chOff x="0" y="0"/>
-          <a:chExt cx="0" cy="0"/>
-        </a:xfrm>
-      </p:grpSpPr>
-      <p:sp>
-        <p:nvSpPr>
-          <p:cNvPr id="10" name="Cilindro 9">
-            <a:extLst>
-              <a:ext uri="{FF2B5EF4-FFF2-40B4-BE49-F238E27FC236}">
-                <a16:creationId xmlns:a16="http://schemas.microsoft.com/office/drawing/2014/main" id="{983EF379-DD07-0DFD-1CA4-AA96F69036AF}"/>
-              </a:ext>
-            </a:extLst>
-          </p:cNvPr>
-          <p:cNvSpPr/>
-          <p:nvPr/>
-        </p:nvSpPr>
-        <p:spPr>
-          <a:xfrm>
-            <a:off x="5107019" y="4717915"/>
-            <a:ext cx="486383" cy="680936"/>
-          </a:xfrm>
-          <a:prstGeom prst="can">
-            <a:avLst/>
-          </a:prstGeom>
-          <a:solidFill>
-            <a:schemeClr val="accent6">
-              <a:lumMod val="60000"/>
-              <a:lumOff val="40000"/>
-            </a:schemeClr>
-          </a:solidFill>
-          <a:ln w="38100"/>
-        </p:spPr>
-        <p:style>
-          <a:lnRef idx="2">
-            <a:schemeClr val="accent1">
-              <a:shade val="15000"/>
-            </a:schemeClr>
-          </a:lnRef>
-          <a:fillRef idx="1">
-            <a:schemeClr val="accent1"/>
-          </a:fillRef>
-          <a:effectRef idx="0">
-            <a:schemeClr val="accent1"/>
-          </a:effectRef>
-          <a:fontRef idx="minor">
-            <a:schemeClr val="lt1"/>
-          </a:fontRef>
-        </p:style>
-        <p:txBody>
-          <a:bodyPr rtlCol="0" anchor="ctr"/>
-          <a:lstStyle/>
-          <a:p>
-            <a:pPr algn="ctr"/>
-            <a:endParaRPr lang="es-CO"/>
-          </a:p>
-        </p:txBody>
-      </p:sp>
-      <p:sp>
-        <p:nvSpPr>
-          <p:cNvPr id="2" name="Cilindro 1">
-            <a:extLst>
-              <a:ext uri="{FF2B5EF4-FFF2-40B4-BE49-F238E27FC236}">
-                <a16:creationId xmlns:a16="http://schemas.microsoft.com/office/drawing/2014/main" id="{FB0870E7-2F04-BFD7-09E1-5E5931B8B404}"/>
-              </a:ext>
-            </a:extLst>
-          </p:cNvPr>
-          <p:cNvSpPr/>
-          <p:nvPr/>
-        </p:nvSpPr>
-        <p:spPr>
-          <a:xfrm>
-            <a:off x="4027251" y="836579"/>
-            <a:ext cx="2645923" cy="4056434"/>
-          </a:xfrm>
-          <a:prstGeom prst="can">
-            <a:avLst/>
-          </a:prstGeom>
-          <a:ln w="57150">
-            <a:solidFill>
-              <a:schemeClr val="tx1"/>
-            </a:solidFill>
-          </a:ln>
-        </p:spPr>
-        <p:style>
-          <a:lnRef idx="2">
-            <a:schemeClr val="accent1"/>
-          </a:lnRef>
-          <a:fillRef idx="1">
-            <a:schemeClr val="lt1"/>
-          </a:fillRef>
-          <a:effectRef idx="0">
-            <a:schemeClr val="accent1"/>
-          </a:effectRef>
-          <a:fontRef idx="minor">
-            <a:schemeClr val="dk1"/>
-          </a:fontRef>
-        </p:style>
-        <p:txBody>
-          <a:bodyPr rtlCol="0" anchor="ctr"/>
-          <a:lstStyle/>
-          <a:p>
-            <a:pPr algn="ctr"/>
-            <a:endParaRPr lang="es-CO"/>
-          </a:p>
-        </p:txBody>
-      </p:sp>
-      <p:sp>
-        <p:nvSpPr>
-          <p:cNvPr id="3" name="Cilindro 2">
-            <a:extLst>
-              <a:ext uri="{FF2B5EF4-FFF2-40B4-BE49-F238E27FC236}">
-                <a16:creationId xmlns:a16="http://schemas.microsoft.com/office/drawing/2014/main" id="{B9954016-3563-2207-5835-582378E169E3}"/>
-              </a:ext>
-            </a:extLst>
-          </p:cNvPr>
-          <p:cNvSpPr/>
-          <p:nvPr/>
-        </p:nvSpPr>
-        <p:spPr>
-          <a:xfrm>
-            <a:off x="4027250" y="1964987"/>
-            <a:ext cx="2645923" cy="2928026"/>
-          </a:xfrm>
-          <a:prstGeom prst="can">
-            <a:avLst/>
-          </a:prstGeom>
-          <a:solidFill>
-            <a:schemeClr val="accent6">
-              <a:lumMod val="60000"/>
-              <a:lumOff val="40000"/>
-            </a:schemeClr>
-          </a:solidFill>
-        </p:spPr>
-        <p:style>
-          <a:lnRef idx="2">
-            <a:schemeClr val="accent1">
-              <a:shade val="15000"/>
-            </a:schemeClr>
-          </a:lnRef>
-          <a:fillRef idx="1">
-            <a:schemeClr val="accent1"/>
-          </a:fillRef>
-          <a:effectRef idx="0">
-            <a:schemeClr val="accent1"/>
-          </a:effectRef>
-          <a:fontRef idx="minor">
-            <a:schemeClr val="lt1"/>
-          </a:fontRef>
-        </p:style>
-        <p:txBody>
-          <a:bodyPr rtlCol="0" anchor="ctr"/>
-          <a:lstStyle/>
-          <a:p>
-            <a:pPr algn="ctr"/>
-            <a:endParaRPr lang="es-CO"/>
-          </a:p>
-        </p:txBody>
-      </p:sp>
-      <p:sp>
-        <p:nvSpPr>
-          <p:cNvPr id="17" name="Elipse 16">
-            <a:extLst>
-              <a:ext uri="{FF2B5EF4-FFF2-40B4-BE49-F238E27FC236}">
-                <a16:creationId xmlns:a16="http://schemas.microsoft.com/office/drawing/2014/main" id="{15F83DA3-D3AD-8CD5-CEF7-19D24737DA01}"/>
-              </a:ext>
-            </a:extLst>
-          </p:cNvPr>
-          <p:cNvSpPr/>
-          <p:nvPr/>
-        </p:nvSpPr>
-        <p:spPr>
-          <a:xfrm>
-            <a:off x="4027250" y="4299625"/>
-            <a:ext cx="2645923" cy="593387"/>
-          </a:xfrm>
-          <a:prstGeom prst="ellipse">
-            <a:avLst/>
-          </a:prstGeom>
-          <a:noFill/>
-          <a:ln w="38100">
-            <a:prstDash val="lgDash"/>
-          </a:ln>
-        </p:spPr>
-        <p:style>
-          <a:lnRef idx="2">
-            <a:schemeClr val="accent1">
-              <a:shade val="15000"/>
-            </a:schemeClr>
-          </a:lnRef>
-          <a:fillRef idx="1">
-            <a:schemeClr val="accent1"/>
-          </a:fillRef>
-          <a:effectRef idx="0">
-            <a:schemeClr val="accent1"/>
-          </a:effectRef>
-          <a:fontRef idx="minor">
-            <a:schemeClr val="lt1"/>
-          </a:fontRef>
-        </p:style>
-        <p:txBody>
-          <a:bodyPr rtlCol="0" anchor="ctr"/>
-          <a:lstStyle/>
-          <a:p>
-            <a:pPr algn="ctr"/>
-            <a:endParaRPr lang="es-CO"/>
-          </a:p>
-        </p:txBody>
-      </p:sp>
-      <p:sp>
-        <p:nvSpPr>
-          <p:cNvPr id="18" name="Elipse 17">
-            <a:extLst>
-              <a:ext uri="{FF2B5EF4-FFF2-40B4-BE49-F238E27FC236}">
-                <a16:creationId xmlns:a16="http://schemas.microsoft.com/office/drawing/2014/main" id="{FCF633EA-3E05-21F4-6F4C-741A98587FAE}"/>
-              </a:ext>
-            </a:extLst>
-          </p:cNvPr>
-          <p:cNvSpPr/>
-          <p:nvPr/>
-        </p:nvSpPr>
-        <p:spPr>
-          <a:xfrm>
-            <a:off x="5145932" y="4610907"/>
-            <a:ext cx="418288" cy="87550"/>
-          </a:xfrm>
-          <a:prstGeom prst="ellipse">
-            <a:avLst/>
-          </a:prstGeom>
-          <a:noFill/>
-          <a:ln w="28575">
-            <a:prstDash val="dash"/>
-          </a:ln>
-        </p:spPr>
-        <p:style>
-          <a:lnRef idx="2">
-            <a:schemeClr val="accent1">
-              <a:shade val="15000"/>
-            </a:schemeClr>
-          </a:lnRef>
-          <a:fillRef idx="1">
-            <a:schemeClr val="accent1"/>
-          </a:fillRef>
-          <a:effectRef idx="0">
-            <a:schemeClr val="accent1"/>
-          </a:effectRef>
-          <a:fontRef idx="minor">
-            <a:schemeClr val="lt1"/>
-          </a:fontRef>
-        </p:style>
-        <p:txBody>
-          <a:bodyPr rtlCol="0" anchor="ctr"/>
-          <a:lstStyle/>
-          <a:p>
-            <a:pPr algn="ctr"/>
-            <a:endParaRPr lang="es-CO"/>
-          </a:p>
-        </p:txBody>
-      </p:sp>
-      <mc:AlternateContent xmlns:mc="http://schemas.openxmlformats.org/markup-compatibility/2006">
-        <mc:Choice xmlns:p14="http://schemas.microsoft.com/office/powerpoint/2010/main" Requires="p14">
-          <p:contentPart p14:bwMode="auto" r:id="rId2">
-            <p14:nvContentPartPr>
-              <p14:cNvPr id="22" name="Entrada de lápiz 21">
-                <a:extLst>
-                  <a:ext uri="{FF2B5EF4-FFF2-40B4-BE49-F238E27FC236}">
-                    <a16:creationId xmlns:a16="http://schemas.microsoft.com/office/drawing/2014/main" id="{8883193C-D82D-00FD-A347-42F207BEF8EB}"/>
-                  </a:ext>
-                </a:extLst>
-              </p14:cNvPr>
-              <p14:cNvContentPartPr/>
-              <p14:nvPr/>
-            </p14:nvContentPartPr>
-            <p14:xfrm>
-              <a:off x="5085084" y="5417885"/>
-              <a:ext cx="129960" cy="1001160"/>
-            </p14:xfrm>
-          </p:contentPart>
-        </mc:Choice>
-        <mc:Fallback>
-          <p:pic>
-            <p:nvPicPr>
-              <p:cNvPr id="22" name="Entrada de lápiz 21">
-                <a:extLst>
-                  <a:ext uri="{FF2B5EF4-FFF2-40B4-BE49-F238E27FC236}">
-                    <a16:creationId xmlns:a16="http://schemas.microsoft.com/office/drawing/2014/main" id="{8883193C-D82D-00FD-A347-42F207BEF8EB}"/>
-                  </a:ext>
-                </a:extLst>
-              </p:cNvPr>
-              <p:cNvPicPr/>
-              <p:nvPr/>
-            </p:nvPicPr>
-            <p:blipFill>
-              <a:blip r:embed="rId3"/>
-              <a:stretch>
-                <a:fillRect/>
-              </a:stretch>
-            </p:blipFill>
-            <p:spPr>
-              <a:xfrm>
-                <a:off x="5049084" y="5381885"/>
-                <a:ext cx="201600" cy="1072800"/>
-              </a:xfrm>
-              <a:prstGeom prst="rect">
-                <a:avLst/>
-              </a:prstGeom>
-            </p:spPr>
-          </p:pic>
-        </mc:Fallback>
-      </mc:AlternateContent>
-      <mc:AlternateContent xmlns:mc="http://schemas.openxmlformats.org/markup-compatibility/2006">
-        <mc:Choice xmlns:p14="http://schemas.microsoft.com/office/powerpoint/2010/main" Requires="p14">
-          <p:contentPart p14:bwMode="auto" r:id="rId4">
-            <p14:nvContentPartPr>
-              <p14:cNvPr id="23" name="Entrada de lápiz 22">
-                <a:extLst>
-                  <a:ext uri="{FF2B5EF4-FFF2-40B4-BE49-F238E27FC236}">
-                    <a16:creationId xmlns:a16="http://schemas.microsoft.com/office/drawing/2014/main" id="{DAA8C00E-E576-8F1C-B31F-5C1F92C49CA5}"/>
-                  </a:ext>
-                </a:extLst>
-              </p14:cNvPr>
-              <p14:cNvContentPartPr/>
-              <p14:nvPr/>
-            </p14:nvContentPartPr>
-            <p14:xfrm>
-              <a:off x="5562804" y="5437325"/>
-              <a:ext cx="159120" cy="948960"/>
-            </p14:xfrm>
-          </p:contentPart>
-        </mc:Choice>
-        <mc:Fallback>
-          <p:pic>
-            <p:nvPicPr>
-              <p:cNvPr id="23" name="Entrada de lápiz 22">
-                <a:extLst>
-                  <a:ext uri="{FF2B5EF4-FFF2-40B4-BE49-F238E27FC236}">
-                    <a16:creationId xmlns:a16="http://schemas.microsoft.com/office/drawing/2014/main" id="{DAA8C00E-E576-8F1C-B31F-5C1F92C49CA5}"/>
-                  </a:ext>
-                </a:extLst>
-              </p:cNvPr>
-              <p:cNvPicPr/>
-              <p:nvPr/>
-            </p:nvPicPr>
-            <p:blipFill>
-              <a:blip r:embed="rId5"/>
-              <a:stretch>
-                <a:fillRect/>
-              </a:stretch>
-            </p:blipFill>
-            <p:spPr>
-              <a:xfrm>
-                <a:off x="5526804" y="5401325"/>
-                <a:ext cx="230760" cy="1020600"/>
-              </a:xfrm>
-              <a:prstGeom prst="rect">
-                <a:avLst/>
-              </a:prstGeom>
-            </p:spPr>
-          </p:pic>
-        </mc:Fallback>
-      </mc:AlternateContent>
-      <p:grpSp>
-        <p:nvGrpSpPr>
-          <p:cNvPr id="28" name="Grupo 27">
-            <a:extLst>
-              <a:ext uri="{FF2B5EF4-FFF2-40B4-BE49-F238E27FC236}">
-                <a16:creationId xmlns:a16="http://schemas.microsoft.com/office/drawing/2014/main" id="{9D931282-2B67-B95A-EC0D-09ABE77B9C2F}"/>
-              </a:ext>
-            </a:extLst>
-          </p:cNvPr>
-          <p:cNvGrpSpPr/>
-          <p:nvPr/>
-        </p:nvGrpSpPr>
-        <p:grpSpPr>
-          <a:xfrm>
-            <a:off x="5279484" y="5476565"/>
-            <a:ext cx="322560" cy="971280"/>
-            <a:chOff x="5279484" y="5476565"/>
-            <a:chExt cx="322560" cy="971280"/>
-          </a:xfrm>
-        </p:grpSpPr>
-        <mc:AlternateContent xmlns:mc="http://schemas.openxmlformats.org/markup-compatibility/2006" xmlns:p14="http://schemas.microsoft.com/office/powerpoint/2010/main">
-          <mc:Choice Requires="p14">
-            <p:contentPart p14:bwMode="auto" r:id="rId6">
-              <p14:nvContentPartPr>
-                <p14:cNvPr id="24" name="Entrada de lápiz 23">
-                  <a:extLst>
-                    <a:ext uri="{FF2B5EF4-FFF2-40B4-BE49-F238E27FC236}">
-                      <a16:creationId xmlns:a16="http://schemas.microsoft.com/office/drawing/2014/main" id="{171904C9-A5C3-89C9-0F79-1A6208D3DE65}"/>
-                    </a:ext>
-                  </a:extLst>
-                </p14:cNvPr>
-                <p14:cNvContentPartPr/>
-                <p14:nvPr/>
-              </p14:nvContentPartPr>
-              <p14:xfrm>
-                <a:off x="5279484" y="5641805"/>
-                <a:ext cx="52200" cy="455760"/>
-              </p14:xfrm>
-            </p:contentPart>
-          </mc:Choice>
-          <mc:Fallback xmlns="">
-            <p:pic>
-              <p:nvPicPr>
-                <p:cNvPr id="24" name="Entrada de lápiz 23">
-                  <a:extLst>
-                    <a:ext uri="{FF2B5EF4-FFF2-40B4-BE49-F238E27FC236}">
-                      <a16:creationId xmlns:a16="http://schemas.microsoft.com/office/drawing/2014/main" id="{5EF010FD-3390-3F23-E3E0-548A53F305B8}"/>
-                    </a:ext>
-                  </a:extLst>
-                </p:cNvPr>
-                <p:cNvPicPr/>
-                <p:nvPr/>
-              </p:nvPicPr>
-              <p:blipFill>
-                <a:blip r:embed="rId7"/>
-                <a:stretch>
-                  <a:fillRect/>
-                </a:stretch>
-              </p:blipFill>
-              <p:spPr>
-                <a:xfrm>
-                  <a:off x="5273364" y="5635685"/>
-                  <a:ext cx="64440" cy="468000"/>
-                </a:xfrm>
-                <a:prstGeom prst="rect">
-                  <a:avLst/>
-                </a:prstGeom>
-              </p:spPr>
-            </p:pic>
-          </mc:Fallback>
-        </mc:AlternateContent>
-        <mc:AlternateContent xmlns:mc="http://schemas.openxmlformats.org/markup-compatibility/2006" xmlns:p14="http://schemas.microsoft.com/office/powerpoint/2010/main">
-          <mc:Choice Requires="p14">
-            <p:contentPart p14:bwMode="auto" r:id="rId8">
-              <p14:nvContentPartPr>
-                <p14:cNvPr id="25" name="Entrada de lápiz 24">
-                  <a:extLst>
-                    <a:ext uri="{FF2B5EF4-FFF2-40B4-BE49-F238E27FC236}">
-                      <a16:creationId xmlns:a16="http://schemas.microsoft.com/office/drawing/2014/main" id="{E8D1FA2B-CD98-D0FB-7902-F0544E9AF837}"/>
-                    </a:ext>
-                  </a:extLst>
-                </p14:cNvPr>
-                <p14:cNvContentPartPr/>
-                <p14:nvPr/>
-              </p14:nvContentPartPr>
-              <p14:xfrm>
-                <a:off x="5378124" y="5729285"/>
-                <a:ext cx="61920" cy="588600"/>
-              </p14:xfrm>
-            </p:contentPart>
-          </mc:Choice>
-          <mc:Fallback xmlns="">
-            <p:pic>
-              <p:nvPicPr>
-                <p:cNvPr id="25" name="Entrada de lápiz 24">
-                  <a:extLst>
-                    <a:ext uri="{FF2B5EF4-FFF2-40B4-BE49-F238E27FC236}">
-                      <a16:creationId xmlns:a16="http://schemas.microsoft.com/office/drawing/2014/main" id="{0F2ADFCD-D831-0EFA-96C1-80B8C5D38A94}"/>
-                    </a:ext>
-                  </a:extLst>
-                </p:cNvPr>
-                <p:cNvPicPr/>
-                <p:nvPr/>
-              </p:nvPicPr>
-              <p:blipFill>
-                <a:blip r:embed="rId9"/>
-                <a:stretch>
-                  <a:fillRect/>
-                </a:stretch>
-              </p:blipFill>
-              <p:spPr>
-                <a:xfrm>
-                  <a:off x="5372004" y="5723165"/>
-                  <a:ext cx="74160" cy="600840"/>
-                </a:xfrm>
-                <a:prstGeom prst="rect">
-                  <a:avLst/>
-                </a:prstGeom>
-              </p:spPr>
-            </p:pic>
-          </mc:Fallback>
-        </mc:AlternateContent>
-        <mc:AlternateContent xmlns:mc="http://schemas.openxmlformats.org/markup-compatibility/2006" xmlns:p14="http://schemas.microsoft.com/office/powerpoint/2010/main">
-          <mc:Choice Requires="p14">
-            <p:contentPart p14:bwMode="auto" r:id="rId10">
-              <p14:nvContentPartPr>
-                <p14:cNvPr id="26" name="Entrada de lápiz 25">
-                  <a:extLst>
-                    <a:ext uri="{FF2B5EF4-FFF2-40B4-BE49-F238E27FC236}">
-                      <a16:creationId xmlns:a16="http://schemas.microsoft.com/office/drawing/2014/main" id="{6257C71C-C9AD-1DB3-58B5-72C947250F3C}"/>
-                    </a:ext>
-                  </a:extLst>
-                </p14:cNvPr>
-                <p14:cNvContentPartPr/>
-                <p14:nvPr/>
-              </p14:nvContentPartPr>
-              <p14:xfrm>
-                <a:off x="5436444" y="5476565"/>
-                <a:ext cx="41040" cy="408240"/>
-              </p14:xfrm>
-            </p:contentPart>
-          </mc:Choice>
-          <mc:Fallback xmlns="">
-            <p:pic>
-              <p:nvPicPr>
-                <p:cNvPr id="26" name="Entrada de lápiz 25">
-                  <a:extLst>
-                    <a:ext uri="{FF2B5EF4-FFF2-40B4-BE49-F238E27FC236}">
-                      <a16:creationId xmlns:a16="http://schemas.microsoft.com/office/drawing/2014/main" id="{CFFB1932-01C0-168B-5A12-0585FC7B135A}"/>
-                    </a:ext>
-                  </a:extLst>
-                </p:cNvPr>
-                <p:cNvPicPr/>
-                <p:nvPr/>
-              </p:nvPicPr>
-              <p:blipFill>
-                <a:blip r:embed="rId11"/>
-                <a:stretch>
-                  <a:fillRect/>
-                </a:stretch>
-              </p:blipFill>
-              <p:spPr>
-                <a:xfrm>
-                  <a:off x="5430324" y="5470445"/>
-                  <a:ext cx="53280" cy="420480"/>
-                </a:xfrm>
-                <a:prstGeom prst="rect">
-                  <a:avLst/>
-                </a:prstGeom>
-              </p:spPr>
-            </p:pic>
-          </mc:Fallback>
-        </mc:AlternateContent>
-        <mc:AlternateContent xmlns:mc="http://schemas.openxmlformats.org/markup-compatibility/2006" xmlns:p14="http://schemas.microsoft.com/office/powerpoint/2010/main">
-          <mc:Choice Requires="p14">
-            <p:contentPart p14:bwMode="auto" r:id="rId12">
-              <p14:nvContentPartPr>
-                <p14:cNvPr id="27" name="Entrada de lápiz 26">
-                  <a:extLst>
-                    <a:ext uri="{FF2B5EF4-FFF2-40B4-BE49-F238E27FC236}">
-                      <a16:creationId xmlns:a16="http://schemas.microsoft.com/office/drawing/2014/main" id="{1AFF8474-2945-0C28-C63A-CFE8E472BEF2}"/>
-                    </a:ext>
-                  </a:extLst>
-                </p14:cNvPr>
-                <p14:cNvContentPartPr/>
-                <p14:nvPr/>
-              </p14:nvContentPartPr>
-              <p14:xfrm>
-                <a:off x="5582964" y="6254525"/>
-                <a:ext cx="19080" cy="193320"/>
-              </p14:xfrm>
-            </p:contentPart>
-          </mc:Choice>
-          <mc:Fallback xmlns="">
-            <p:pic>
-              <p:nvPicPr>
-                <p:cNvPr id="27" name="Entrada de lápiz 26">
-                  <a:extLst>
-                    <a:ext uri="{FF2B5EF4-FFF2-40B4-BE49-F238E27FC236}">
-                      <a16:creationId xmlns:a16="http://schemas.microsoft.com/office/drawing/2014/main" id="{C09DF3E3-B54E-4A46-DC77-B018820CD53B}"/>
-                    </a:ext>
-                  </a:extLst>
-                </p:cNvPr>
-                <p:cNvPicPr/>
-                <p:nvPr/>
-              </p:nvPicPr>
-              <p:blipFill>
-                <a:blip r:embed="rId13"/>
-                <a:stretch>
-                  <a:fillRect/>
-                </a:stretch>
-              </p:blipFill>
-              <p:spPr>
-                <a:xfrm>
-                  <a:off x="5576844" y="6248405"/>
-                  <a:ext cx="31320" cy="205560"/>
-                </a:xfrm>
-                <a:prstGeom prst="rect">
-                  <a:avLst/>
-                </a:prstGeom>
-              </p:spPr>
-            </p:pic>
-          </mc:Fallback>
-        </mc:AlternateContent>
-      </p:grpSp>
-      <p:cxnSp>
-        <p:nvCxnSpPr>
-          <p:cNvPr id="38" name="Conector recto de flecha 37">
-            <a:extLst>
-              <a:ext uri="{FF2B5EF4-FFF2-40B4-BE49-F238E27FC236}">
-                <a16:creationId xmlns:a16="http://schemas.microsoft.com/office/drawing/2014/main" id="{A34B9125-B1FC-F13D-444A-C6A1A126BCF6}"/>
-              </a:ext>
-            </a:extLst>
-          </p:cNvPr>
-          <p:cNvCxnSpPr>
-            <a:cxnSpLocks/>
-          </p:cNvCxnSpPr>
-          <p:nvPr/>
-        </p:nvCxnSpPr>
-        <p:spPr>
-          <a:xfrm>
-            <a:off x="4036265" y="3516552"/>
-            <a:ext cx="2645923" cy="0"/>
-          </a:xfrm>
-          <a:prstGeom prst="straightConnector1">
-            <a:avLst/>
-          </a:prstGeom>
-          <a:ln w="38100">
-            <a:solidFill>
-              <a:schemeClr val="tx1"/>
-            </a:solidFill>
-            <a:headEnd type="triangle"/>
-            <a:tailEnd type="triangle"/>
-          </a:ln>
-        </p:spPr>
-        <p:style>
-          <a:lnRef idx="2">
-            <a:schemeClr val="accent1"/>
-          </a:lnRef>
-          <a:fillRef idx="0">
-            <a:schemeClr val="accent1"/>
-          </a:fillRef>
-          <a:effectRef idx="1">
-            <a:schemeClr val="accent1"/>
-          </a:effectRef>
-          <a:fontRef idx="minor">
-            <a:schemeClr val="tx1"/>
-          </a:fontRef>
-        </p:style>
-      </p:cxnSp>
-      <mc:AlternateContent xmlns:mc="http://schemas.openxmlformats.org/markup-compatibility/2006">
-        <mc:Choice xmlns:a14="http://schemas.microsoft.com/office/drawing/2010/main" Requires="a14">
-          <p:sp>
-            <p:nvSpPr>
-              <p:cNvPr id="40" name="CuadroTexto 39">
-                <a:extLst>
-                  <a:ext uri="{FF2B5EF4-FFF2-40B4-BE49-F238E27FC236}">
-                    <a16:creationId xmlns:a16="http://schemas.microsoft.com/office/drawing/2014/main" id="{7B279D7A-CF11-41EA-8D5B-D13360341B2F}"/>
-                  </a:ext>
-                </a:extLst>
-              </p:cNvPr>
-              <p:cNvSpPr txBox="1"/>
-              <p:nvPr/>
-            </p:nvSpPr>
-            <p:spPr>
-              <a:xfrm>
-                <a:off x="4701718" y="2985991"/>
-                <a:ext cx="1155531" cy="954107"/>
-              </a:xfrm>
-              <a:prstGeom prst="rect">
-                <a:avLst/>
-              </a:prstGeom>
-              <a:noFill/>
-            </p:spPr>
-            <p:txBody>
-              <a:bodyPr wrap="square" rtlCol="0">
-                <a:spAutoFit/>
-              </a:bodyPr>
-              <a:lstStyle/>
-              <a:p>
-                <a:pPr/>
-                <a14:m>
-                  <m:oMathPara xmlns:m="http://schemas.openxmlformats.org/officeDocument/2006/math">
-                    <m:oMathParaPr>
-                      <m:jc m:val="centerGroup"/>
-                    </m:oMathParaPr>
-                    <m:oMath xmlns:m="http://schemas.openxmlformats.org/officeDocument/2006/math">
-                      <m:r>
-                        <a:rPr lang="es-CO" sz="2400" b="0" i="0" smtClean="0">
-                          <a:latin typeface="Cambria Math" panose="02040503050406030204" pitchFamily="18" charset="0"/>
-                        </a:rPr>
-                        <m:t>∅ 90 </m:t>
-                      </m:r>
-                      <m:r>
-                        <m:rPr>
-                          <m:sty m:val="p"/>
-                        </m:rPr>
-                        <a:rPr lang="es-CO" sz="2400" b="0" i="0" smtClean="0">
-                          <a:latin typeface="Cambria Math" panose="02040503050406030204" pitchFamily="18" charset="0"/>
-                        </a:rPr>
-                        <m:t>mm</m:t>
-                      </m:r>
-                    </m:oMath>
-                  </m:oMathPara>
-                </a14:m>
-                <a:endParaRPr lang="es-CO" sz="3200" dirty="0"/>
-              </a:p>
-              <a:p>
-                <a:endParaRPr lang="es-CO" sz="3200" dirty="0"/>
-              </a:p>
-            </p:txBody>
-          </p:sp>
-        </mc:Choice>
-        <mc:Fallback>
-          <p:sp>
-            <p:nvSpPr>
-              <p:cNvPr id="40" name="CuadroTexto 39">
-                <a:extLst>
-                  <a:ext uri="{FF2B5EF4-FFF2-40B4-BE49-F238E27FC236}">
-                    <a16:creationId xmlns:a16="http://schemas.microsoft.com/office/drawing/2014/main" id="{7B279D7A-CF11-41EA-8D5B-D13360341B2F}"/>
-                  </a:ext>
-                </a:extLst>
-              </p:cNvPr>
-              <p:cNvSpPr txBox="1">
-                <a:spLocks noRot="1" noChangeAspect="1" noMove="1" noResize="1" noEditPoints="1" noAdjustHandles="1" noChangeArrowheads="1" noChangeShapeType="1" noTextEdit="1"/>
-              </p:cNvSpPr>
-              <p:nvPr/>
-            </p:nvSpPr>
-            <p:spPr>
-              <a:xfrm>
-                <a:off x="4701718" y="2985991"/>
-                <a:ext cx="1155531" cy="954107"/>
-              </a:xfrm>
-              <a:prstGeom prst="rect">
-                <a:avLst/>
-              </a:prstGeom>
-              <a:blipFill>
-                <a:blip r:embed="rId14"/>
-                <a:stretch>
-                  <a:fillRect l="-2632" r="-16316"/>
-                </a:stretch>
-              </a:blipFill>
-            </p:spPr>
-            <p:txBody>
-              <a:bodyPr/>
-              <a:lstStyle/>
-              <a:p>
-                <a:r>
-                  <a:rPr lang="es-CO">
-                    <a:noFill/>
-                  </a:rPr>
-                  <a:t> </a:t>
-                </a:r>
-              </a:p>
-            </p:txBody>
-          </p:sp>
-        </mc:Fallback>
-      </mc:AlternateContent>
-      <p:cxnSp>
-        <p:nvCxnSpPr>
-          <p:cNvPr id="44" name="Conector recto de flecha 43">
-            <a:extLst>
-              <a:ext uri="{FF2B5EF4-FFF2-40B4-BE49-F238E27FC236}">
-                <a16:creationId xmlns:a16="http://schemas.microsoft.com/office/drawing/2014/main" id="{857FB432-8289-8CA4-146C-08883BCCE28A}"/>
-              </a:ext>
-            </a:extLst>
-          </p:cNvPr>
-          <p:cNvCxnSpPr/>
-          <p:nvPr/>
-        </p:nvCxnSpPr>
-        <p:spPr>
-          <a:xfrm>
-            <a:off x="4474723" y="5155660"/>
-            <a:ext cx="632296" cy="0"/>
-          </a:xfrm>
-          <a:prstGeom prst="straightConnector1">
-            <a:avLst/>
-          </a:prstGeom>
-          <a:ln w="38100">
-            <a:solidFill>
-              <a:schemeClr val="tx1"/>
-            </a:solidFill>
-            <a:tailEnd type="triangle"/>
-          </a:ln>
-        </p:spPr>
-        <p:style>
-          <a:lnRef idx="2">
-            <a:schemeClr val="dk1"/>
-          </a:lnRef>
-          <a:fillRef idx="0">
-            <a:schemeClr val="dk1"/>
-          </a:fillRef>
-          <a:effectRef idx="1">
-            <a:schemeClr val="dk1"/>
-          </a:effectRef>
-          <a:fontRef idx="minor">
-            <a:schemeClr val="tx1"/>
-          </a:fontRef>
-        </p:style>
-      </p:cxnSp>
-      <p:cxnSp>
-        <p:nvCxnSpPr>
-          <p:cNvPr id="47" name="Conector recto de flecha 46">
-            <a:extLst>
-              <a:ext uri="{FF2B5EF4-FFF2-40B4-BE49-F238E27FC236}">
-                <a16:creationId xmlns:a16="http://schemas.microsoft.com/office/drawing/2014/main" id="{6F57711F-9B68-41DE-11C3-F8DCD818B153}"/>
-              </a:ext>
-            </a:extLst>
-          </p:cNvPr>
-          <p:cNvCxnSpPr>
-            <a:cxnSpLocks/>
-          </p:cNvCxnSpPr>
-          <p:nvPr/>
-        </p:nvCxnSpPr>
-        <p:spPr>
-          <a:xfrm flipH="1" flipV="1">
-            <a:off x="5602044" y="5144311"/>
-            <a:ext cx="714985" cy="22698"/>
-          </a:xfrm>
-          <a:prstGeom prst="straightConnector1">
-            <a:avLst/>
-          </a:prstGeom>
-          <a:ln w="38100">
-            <a:solidFill>
-              <a:schemeClr val="tx1"/>
-            </a:solidFill>
-            <a:tailEnd type="triangle"/>
-          </a:ln>
-        </p:spPr>
-        <p:style>
-          <a:lnRef idx="2">
-            <a:schemeClr val="dk1"/>
-          </a:lnRef>
-          <a:fillRef idx="0">
-            <a:schemeClr val="dk1"/>
-          </a:fillRef>
-          <a:effectRef idx="1">
-            <a:schemeClr val="dk1"/>
-          </a:effectRef>
-          <a:fontRef idx="minor">
-            <a:schemeClr val="tx1"/>
-          </a:fontRef>
-        </p:style>
-      </p:cxnSp>
-      <mc:AlternateContent xmlns:mc="http://schemas.openxmlformats.org/markup-compatibility/2006">
-        <mc:Choice xmlns:a14="http://schemas.microsoft.com/office/drawing/2010/main" Requires="a14">
-          <p:sp>
-            <p:nvSpPr>
-              <p:cNvPr id="49" name="CuadroTexto 48">
-                <a:extLst>
-                  <a:ext uri="{FF2B5EF4-FFF2-40B4-BE49-F238E27FC236}">
-                    <a16:creationId xmlns:a16="http://schemas.microsoft.com/office/drawing/2014/main" id="{ED39A0B0-9622-4721-74A5-89782DB0AB0B}"/>
-                  </a:ext>
-                </a:extLst>
-              </p:cNvPr>
-              <p:cNvSpPr txBox="1"/>
-              <p:nvPr/>
-            </p:nvSpPr>
-            <p:spPr>
-              <a:xfrm>
-                <a:off x="6419142" y="4886664"/>
-                <a:ext cx="1090607" cy="461665"/>
-              </a:xfrm>
-              <a:prstGeom prst="rect">
-                <a:avLst/>
-              </a:prstGeom>
-              <a:noFill/>
-            </p:spPr>
-            <p:txBody>
-              <a:bodyPr wrap="square" rtlCol="0">
-                <a:spAutoFit/>
-              </a:bodyPr>
-              <a:lstStyle/>
-              <a:p>
-                <a:pPr/>
-                <a14:m>
-                  <m:oMathPara xmlns:m="http://schemas.openxmlformats.org/officeDocument/2006/math">
-                    <m:oMathParaPr>
-                      <m:jc m:val="centerGroup"/>
-                    </m:oMathParaPr>
-                    <m:oMath xmlns:m="http://schemas.openxmlformats.org/officeDocument/2006/math">
-                      <m:r>
-                        <a:rPr lang="es-CO" sz="2400" b="0" i="0" smtClean="0">
-                          <a:latin typeface="Cambria Math" panose="02040503050406030204" pitchFamily="18" charset="0"/>
-                        </a:rPr>
-                        <m:t>∅ 6 </m:t>
-                      </m:r>
-                      <m:r>
-                        <m:rPr>
-                          <m:sty m:val="p"/>
-                        </m:rPr>
-                        <a:rPr lang="es-CO" sz="2400" b="0" i="0" smtClean="0">
-                          <a:latin typeface="Cambria Math" panose="02040503050406030204" pitchFamily="18" charset="0"/>
-                        </a:rPr>
-                        <m:t>mm</m:t>
-                      </m:r>
-                    </m:oMath>
-                  </m:oMathPara>
-                </a14:m>
-                <a:endParaRPr lang="es-CO" sz="2400" dirty="0"/>
-              </a:p>
-            </p:txBody>
-          </p:sp>
-        </mc:Choice>
-        <mc:Fallback>
-          <p:sp>
-            <p:nvSpPr>
-              <p:cNvPr id="49" name="CuadroTexto 48">
-                <a:extLst>
-                  <a:ext uri="{FF2B5EF4-FFF2-40B4-BE49-F238E27FC236}">
-                    <a16:creationId xmlns:a16="http://schemas.microsoft.com/office/drawing/2014/main" id="{ED39A0B0-9622-4721-74A5-89782DB0AB0B}"/>
-                  </a:ext>
-                </a:extLst>
-              </p:cNvPr>
-              <p:cNvSpPr txBox="1">
-                <a:spLocks noRot="1" noChangeAspect="1" noMove="1" noResize="1" noEditPoints="1" noAdjustHandles="1" noChangeArrowheads="1" noChangeShapeType="1" noTextEdit="1"/>
-              </p:cNvSpPr>
-              <p:nvPr/>
-            </p:nvSpPr>
-            <p:spPr>
-              <a:xfrm>
-                <a:off x="6419142" y="4886664"/>
-                <a:ext cx="1090607" cy="461665"/>
-              </a:xfrm>
-              <a:prstGeom prst="rect">
-                <a:avLst/>
-              </a:prstGeom>
-              <a:blipFill>
-                <a:blip r:embed="rId15"/>
-                <a:stretch>
-                  <a:fillRect l="-2793" r="-7821" b="-4000"/>
-                </a:stretch>
-              </a:blipFill>
-            </p:spPr>
-            <p:txBody>
-              <a:bodyPr/>
-              <a:lstStyle/>
-              <a:p>
-                <a:r>
-                  <a:rPr lang="es-CO">
-                    <a:noFill/>
-                  </a:rPr>
-                  <a:t> </a:t>
-                </a:r>
-              </a:p>
-            </p:txBody>
-          </p:sp>
-        </mc:Fallback>
-      </mc:AlternateContent>
-      <p:cxnSp>
-        <p:nvCxnSpPr>
-          <p:cNvPr id="51" name="Conector recto de flecha 50">
-            <a:extLst>
-              <a:ext uri="{FF2B5EF4-FFF2-40B4-BE49-F238E27FC236}">
-                <a16:creationId xmlns:a16="http://schemas.microsoft.com/office/drawing/2014/main" id="{FEA37C46-0FE5-04E6-22ED-8864D42791EF}"/>
-              </a:ext>
-            </a:extLst>
-          </p:cNvPr>
-          <p:cNvCxnSpPr>
-            <a:cxnSpLocks/>
-          </p:cNvCxnSpPr>
-          <p:nvPr/>
-        </p:nvCxnSpPr>
-        <p:spPr>
-          <a:xfrm>
-            <a:off x="7130375" y="2315183"/>
-            <a:ext cx="0" cy="2295724"/>
-          </a:xfrm>
-          <a:prstGeom prst="straightConnector1">
-            <a:avLst/>
-          </a:prstGeom>
-          <a:ln w="38100">
-            <a:headEnd type="triangle"/>
-            <a:tailEnd type="triangle"/>
-          </a:ln>
-        </p:spPr>
-        <p:style>
-          <a:lnRef idx="2">
-            <a:schemeClr val="dk1"/>
-          </a:lnRef>
-          <a:fillRef idx="0">
-            <a:schemeClr val="dk1"/>
-          </a:fillRef>
-          <a:effectRef idx="1">
-            <a:schemeClr val="dk1"/>
-          </a:effectRef>
-          <a:fontRef idx="minor">
-            <a:schemeClr val="tx1"/>
-          </a:fontRef>
-        </p:style>
-      </p:cxnSp>
-      <p:cxnSp>
-        <p:nvCxnSpPr>
-          <p:cNvPr id="53" name="Conector recto 52">
-            <a:extLst>
-              <a:ext uri="{FF2B5EF4-FFF2-40B4-BE49-F238E27FC236}">
-                <a16:creationId xmlns:a16="http://schemas.microsoft.com/office/drawing/2014/main" id="{58498B02-2A73-BE5E-5A0C-D746AF6E893B}"/>
-              </a:ext>
-            </a:extLst>
-          </p:cNvPr>
-          <p:cNvCxnSpPr>
-            <a:cxnSpLocks/>
-          </p:cNvCxnSpPr>
-          <p:nvPr/>
-        </p:nvCxnSpPr>
-        <p:spPr>
-          <a:xfrm>
-            <a:off x="6682188" y="2315183"/>
-            <a:ext cx="827565" cy="0"/>
-          </a:xfrm>
-          <a:prstGeom prst="line">
-            <a:avLst/>
-          </a:prstGeom>
-          <a:ln w="38100"/>
-        </p:spPr>
-        <p:style>
-          <a:lnRef idx="2">
-            <a:schemeClr val="dk1"/>
-          </a:lnRef>
-          <a:fillRef idx="0">
-            <a:schemeClr val="dk1"/>
-          </a:fillRef>
-          <a:effectRef idx="1">
-            <a:schemeClr val="dk1"/>
-          </a:effectRef>
-          <a:fontRef idx="minor">
-            <a:schemeClr val="tx1"/>
-          </a:fontRef>
-        </p:style>
-      </p:cxnSp>
-      <p:cxnSp>
-        <p:nvCxnSpPr>
-          <p:cNvPr id="55" name="Conector recto 54">
-            <a:extLst>
-              <a:ext uri="{FF2B5EF4-FFF2-40B4-BE49-F238E27FC236}">
-                <a16:creationId xmlns:a16="http://schemas.microsoft.com/office/drawing/2014/main" id="{9BC671A0-154B-28A9-1B20-78F9ACBE6054}"/>
-              </a:ext>
-            </a:extLst>
-          </p:cNvPr>
-          <p:cNvCxnSpPr>
-            <a:cxnSpLocks/>
-          </p:cNvCxnSpPr>
-          <p:nvPr/>
-        </p:nvCxnSpPr>
-        <p:spPr>
-          <a:xfrm>
-            <a:off x="6688668" y="4588218"/>
-            <a:ext cx="821085" cy="0"/>
-          </a:xfrm>
-          <a:prstGeom prst="line">
-            <a:avLst/>
-          </a:prstGeom>
-          <a:ln w="38100"/>
-        </p:spPr>
-        <p:style>
-          <a:lnRef idx="2">
-            <a:schemeClr val="dk1"/>
-          </a:lnRef>
-          <a:fillRef idx="0">
-            <a:schemeClr val="dk1"/>
-          </a:fillRef>
-          <a:effectRef idx="1">
-            <a:schemeClr val="dk1"/>
-          </a:effectRef>
-          <a:fontRef idx="minor">
-            <a:schemeClr val="tx1"/>
-          </a:fontRef>
-        </p:style>
-      </p:cxnSp>
-      <mc:AlternateContent xmlns:mc="http://schemas.openxmlformats.org/markup-compatibility/2006">
-        <mc:Choice xmlns:a14="http://schemas.microsoft.com/office/drawing/2010/main" Requires="a14">
-          <p:sp>
-            <p:nvSpPr>
-              <p:cNvPr id="59" name="CuadroTexto 58">
-                <a:extLst>
-                  <a:ext uri="{FF2B5EF4-FFF2-40B4-BE49-F238E27FC236}">
-                    <a16:creationId xmlns:a16="http://schemas.microsoft.com/office/drawing/2014/main" id="{47C10741-8C1C-5E9A-B1FA-AB3A67559190}"/>
-                  </a:ext>
-                </a:extLst>
-              </p:cNvPr>
-              <p:cNvSpPr txBox="1"/>
-              <p:nvPr/>
-            </p:nvSpPr>
-            <p:spPr>
-              <a:xfrm>
-                <a:off x="7198463" y="3152084"/>
-                <a:ext cx="622571" cy="400110"/>
-              </a:xfrm>
-              <a:prstGeom prst="rect">
-                <a:avLst/>
-              </a:prstGeom>
-              <a:noFill/>
-            </p:spPr>
-            <p:txBody>
-              <a:bodyPr wrap="square" rtlCol="0">
-                <a:spAutoFit/>
-              </a:bodyPr>
-              <a:lstStyle/>
-              <a:p>
-                <a:pPr/>
-                <a14:m>
-                  <m:oMathPara xmlns:m="http://schemas.openxmlformats.org/officeDocument/2006/math">
-                    <m:oMathParaPr>
-                      <m:jc m:val="centerGroup"/>
-                    </m:oMathParaPr>
-                    <m:oMath xmlns:m="http://schemas.openxmlformats.org/officeDocument/2006/math">
-                      <m:r>
-                        <a:rPr lang="es-CO" sz="2000" b="0" i="1" smtClean="0">
-                          <a:latin typeface="Cambria Math" panose="02040503050406030204" pitchFamily="18" charset="0"/>
-                        </a:rPr>
-                        <m:t>350 </m:t>
-                      </m:r>
-                      <m:r>
-                        <a:rPr lang="es-CO" sz="2000" b="0" i="1" smtClean="0">
-                          <a:latin typeface="Cambria Math" panose="02040503050406030204" pitchFamily="18" charset="0"/>
-                        </a:rPr>
-                        <m:t>𝑚𝑚</m:t>
-                      </m:r>
-                    </m:oMath>
-                  </m:oMathPara>
-                </a14:m>
-                <a:endParaRPr lang="es-CO" sz="2000" dirty="0"/>
-              </a:p>
-            </p:txBody>
-          </p:sp>
-        </mc:Choice>
-        <mc:Fallback>
-          <p:sp>
-            <p:nvSpPr>
-              <p:cNvPr id="59" name="CuadroTexto 58">
-                <a:extLst>
-                  <a:ext uri="{FF2B5EF4-FFF2-40B4-BE49-F238E27FC236}">
-                    <a16:creationId xmlns:a16="http://schemas.microsoft.com/office/drawing/2014/main" id="{47C10741-8C1C-5E9A-B1FA-AB3A67559190}"/>
-                  </a:ext>
-                </a:extLst>
-              </p:cNvPr>
-              <p:cNvSpPr txBox="1">
-                <a:spLocks noRot="1" noChangeAspect="1" noMove="1" noResize="1" noEditPoints="1" noAdjustHandles="1" noChangeArrowheads="1" noChangeShapeType="1" noTextEdit="1"/>
-              </p:cNvSpPr>
-              <p:nvPr/>
-            </p:nvSpPr>
-            <p:spPr>
-              <a:xfrm>
-                <a:off x="7198463" y="3152084"/>
-                <a:ext cx="622571" cy="400110"/>
-              </a:xfrm>
-              <a:prstGeom prst="rect">
-                <a:avLst/>
-              </a:prstGeom>
-              <a:blipFill>
-                <a:blip r:embed="rId16"/>
-                <a:stretch>
-                  <a:fillRect r="-70588"/>
-                </a:stretch>
-              </a:blipFill>
-            </p:spPr>
-            <p:txBody>
-              <a:bodyPr/>
-              <a:lstStyle/>
-              <a:p>
-                <a:r>
-                  <a:rPr lang="es-CO">
-                    <a:noFill/>
-                  </a:rPr>
-                  <a:t> </a:t>
-                </a:r>
-              </a:p>
-            </p:txBody>
-          </p:sp>
-        </mc:Fallback>
-      </mc:AlternateContent>
-      <p:cxnSp>
-        <p:nvCxnSpPr>
-          <p:cNvPr id="62" name="Conector recto 61">
-            <a:extLst>
-              <a:ext uri="{FF2B5EF4-FFF2-40B4-BE49-F238E27FC236}">
-                <a16:creationId xmlns:a16="http://schemas.microsoft.com/office/drawing/2014/main" id="{4BD85EB7-3B8D-58BB-F30F-5A07D54CE48E}"/>
-              </a:ext>
-            </a:extLst>
-          </p:cNvPr>
-          <p:cNvCxnSpPr>
-            <a:cxnSpLocks/>
-          </p:cNvCxnSpPr>
-          <p:nvPr/>
-        </p:nvCxnSpPr>
-        <p:spPr>
-          <a:xfrm>
-            <a:off x="5100885" y="5155449"/>
-            <a:ext cx="554477" cy="1"/>
-          </a:xfrm>
-          <a:prstGeom prst="line">
-            <a:avLst/>
-          </a:prstGeom>
-          <a:ln>
-            <a:prstDash val="dash"/>
-          </a:ln>
-        </p:spPr>
-        <p:style>
-          <a:lnRef idx="2">
-            <a:schemeClr val="dk1"/>
-          </a:lnRef>
-          <a:fillRef idx="0">
-            <a:schemeClr val="dk1"/>
-          </a:fillRef>
-          <a:effectRef idx="1">
-            <a:schemeClr val="dk1"/>
-          </a:effectRef>
-          <a:fontRef idx="minor">
-            <a:schemeClr val="tx1"/>
-          </a:fontRef>
-        </p:style>
-      </p:cxnSp>
-    </p:spTree>
-    <p:extLst>
-      <p:ext uri="{BB962C8B-B14F-4D97-AF65-F5344CB8AC3E}">
-        <p14:creationId xmlns:p14="http://schemas.microsoft.com/office/powerpoint/2010/main" val="3571843028"/>
-      </p:ext>
-    </p:extLst>
-  </p:cSld>
-  <p:clrMapOvr>
-    <a:masterClrMapping/>
-  </p:clrMapOvr>
-</p:sld>
-</file>
-
-<file path=ppt/slides/slide5.xml><?xml version="1.0" encoding="utf-8"?>
-<p:sld xmlns:a="http://schemas.openxmlformats.org/drawingml/2006/main" xmlns:r="http://schemas.openxmlformats.org/officeDocument/2006/relationships" xmlns:p="http://schemas.openxmlformats.org/presentationml/2006/main">
-  <p:cSld>
-    <p:spTree>
-      <p:nvGrpSpPr>
-        <p:cNvPr id="1" name=""/>
-        <p:cNvGrpSpPr/>
-        <p:nvPr/>
-      </p:nvGrpSpPr>
-      <p:grpSpPr>
-        <a:xfrm>
-          <a:off x="0" y="0"/>
-          <a:ext cx="0" cy="0"/>
-          <a:chOff x="0" y="0"/>
-          <a:chExt cx="0" cy="0"/>
-        </a:xfrm>
-      </p:grpSpPr>
-      <p:pic>
-        <p:nvPicPr>
-          <p:cNvPr id="5" name="Imagen 4">
-            <a:extLst>
-              <a:ext uri="{FF2B5EF4-FFF2-40B4-BE49-F238E27FC236}">
-                <a16:creationId xmlns:a16="http://schemas.microsoft.com/office/drawing/2014/main" id="{EC161643-5E52-5A68-2696-4596A285ED95}"/>
-              </a:ext>
-            </a:extLst>
-          </p:cNvPr>
-          <p:cNvPicPr>
-            <a:picLocks noChangeAspect="1"/>
-          </p:cNvPicPr>
-          <p:nvPr/>
-        </p:nvPicPr>
-        <p:blipFill>
-          <a:blip r:embed="rId2"/>
-          <a:stretch>
-            <a:fillRect/>
-          </a:stretch>
-        </p:blipFill>
-        <p:spPr>
-          <a:xfrm>
-            <a:off x="4723300" y="437066"/>
-            <a:ext cx="2410161" cy="3238952"/>
-          </a:xfrm>
-          <a:prstGeom prst="rect">
-            <a:avLst/>
-          </a:prstGeom>
-        </p:spPr>
-      </p:pic>
-      <p:pic>
-        <p:nvPicPr>
-          <p:cNvPr id="1026" name="Picture 2" descr="Swimming Pool Drawing Vectors &amp; Illustrations for Free Download | Freepik">
-            <a:extLst>
-              <a:ext uri="{FF2B5EF4-FFF2-40B4-BE49-F238E27FC236}">
-                <a16:creationId xmlns:a16="http://schemas.microsoft.com/office/drawing/2014/main" id="{6268BA17-6B42-A9C8-1242-D284C397F69A}"/>
-              </a:ext>
-            </a:extLst>
-          </p:cNvPr>
-          <p:cNvPicPr>
-            <a:picLocks noChangeAspect="1" noChangeArrowheads="1"/>
-          </p:cNvPicPr>
-          <p:nvPr/>
-        </p:nvPicPr>
-        <p:blipFill rotWithShape="1">
-          <a:blip r:embed="rId3">
-            <a:extLst>
-              <a:ext uri="{28A0092B-C50C-407E-A947-70E740481C1C}">
-                <a14:useLocalDpi xmlns:a14="http://schemas.microsoft.com/office/drawing/2010/main" val="0"/>
-              </a:ext>
-            </a:extLst>
-          </a:blip>
-          <a:srcRect t="66642" r="6431"/>
-          <a:stretch/>
-        </p:blipFill>
-        <p:spPr bwMode="auto">
-          <a:xfrm>
-            <a:off x="3138791" y="4156382"/>
-            <a:ext cx="5579180" cy="1989050"/>
-          </a:xfrm>
-          <a:prstGeom prst="rect">
-            <a:avLst/>
-          </a:prstGeom>
-          <a:noFill/>
-          <a:extLst>
-            <a:ext uri="{909E8E84-426E-40DD-AFC4-6F175D3DCCD1}">
-              <a14:hiddenFill xmlns:a14="http://schemas.microsoft.com/office/drawing/2010/main">
-                <a:solidFill>
-                  <a:srgbClr val="FFFFFF"/>
-                </a:solidFill>
-              </a14:hiddenFill>
-            </a:ext>
-          </a:extLst>
-        </p:spPr>
-      </p:pic>
-      <p:cxnSp>
-        <p:nvCxnSpPr>
-          <p:cNvPr id="31" name="Conector recto de flecha 30">
-            <a:extLst>
-              <a:ext uri="{FF2B5EF4-FFF2-40B4-BE49-F238E27FC236}">
-                <a16:creationId xmlns:a16="http://schemas.microsoft.com/office/drawing/2014/main" id="{59BCEC5D-74E7-CD26-B355-BCF8236DB2AF}"/>
-              </a:ext>
-            </a:extLst>
-          </p:cNvPr>
-          <p:cNvCxnSpPr>
-            <a:cxnSpLocks/>
-          </p:cNvCxnSpPr>
-          <p:nvPr/>
-        </p:nvCxnSpPr>
-        <p:spPr>
-          <a:xfrm>
-            <a:off x="5706893" y="2538918"/>
-            <a:ext cx="0" cy="1539642"/>
-          </a:xfrm>
-          <a:prstGeom prst="straightConnector1">
-            <a:avLst/>
-          </a:prstGeom>
-          <a:ln w="57150">
-            <a:solidFill>
-              <a:srgbClr val="FF0000"/>
-            </a:solidFill>
-            <a:tailEnd type="triangle"/>
-          </a:ln>
-        </p:spPr>
-        <p:style>
-          <a:lnRef idx="2">
-            <a:schemeClr val="accent1"/>
-          </a:lnRef>
-          <a:fillRef idx="0">
-            <a:schemeClr val="accent1"/>
-          </a:fillRef>
-          <a:effectRef idx="1">
-            <a:schemeClr val="accent1"/>
-          </a:effectRef>
-          <a:fontRef idx="minor">
-            <a:schemeClr val="tx1"/>
-          </a:fontRef>
-        </p:style>
-      </p:cxnSp>
-      <mc:AlternateContent xmlns:mc="http://schemas.openxmlformats.org/markup-compatibility/2006" xmlns:a14="http://schemas.microsoft.com/office/drawing/2010/main">
-        <mc:Choice Requires="a14">
-          <p:sp>
-            <p:nvSpPr>
-              <p:cNvPr id="34" name="CuadroTexto 33">
-                <a:extLst>
-                  <a:ext uri="{FF2B5EF4-FFF2-40B4-BE49-F238E27FC236}">
-                    <a16:creationId xmlns:a16="http://schemas.microsoft.com/office/drawing/2014/main" id="{E5DE842B-CDED-6894-F4BC-ABC56E0696A6}"/>
-                  </a:ext>
-                </a:extLst>
-              </p:cNvPr>
-              <p:cNvSpPr txBox="1"/>
-              <p:nvPr/>
-            </p:nvSpPr>
-            <p:spPr>
-              <a:xfrm>
-                <a:off x="5928380" y="3676018"/>
-                <a:ext cx="655629" cy="307777"/>
-              </a:xfrm>
-              <a:prstGeom prst="rect">
-                <a:avLst/>
-              </a:prstGeom>
-              <a:noFill/>
-            </p:spPr>
-            <p:txBody>
-              <a:bodyPr wrap="none" lIns="0" tIns="0" rIns="0" bIns="0" rtlCol="0">
-                <a:spAutoFit/>
-              </a:bodyPr>
-              <a:lstStyle/>
-              <a:p>
-                <a:pPr/>
-                <a14:m>
-                  <m:oMathPara xmlns:m="http://schemas.openxmlformats.org/officeDocument/2006/math">
-                    <m:oMathParaPr>
-                      <m:jc m:val="centerGroup"/>
-                    </m:oMathParaPr>
-                    <m:oMath xmlns:m="http://schemas.openxmlformats.org/officeDocument/2006/math">
-                      <m:r>
-                        <a:rPr lang="es-CO" sz="2000" b="1" i="1" smtClean="0">
-                          <a:solidFill>
-                            <a:srgbClr val="0070C0"/>
-                          </a:solidFill>
-                          <a:latin typeface="Cambria Math" panose="02040503050406030204" pitchFamily="18" charset="0"/>
-                        </a:rPr>
-                        <m:t>−</m:t>
-                      </m:r>
-                      <m:r>
-                        <a:rPr lang="es-CO" sz="2000" b="1" i="1" smtClean="0">
-                          <a:solidFill>
-                            <a:srgbClr val="0070C0"/>
-                          </a:solidFill>
-                          <a:latin typeface="Cambria Math" panose="02040503050406030204" pitchFamily="18" charset="0"/>
-                        </a:rPr>
-                        <m:t>𝒎𝒈</m:t>
-                      </m:r>
-                    </m:oMath>
-                  </m:oMathPara>
-                </a14:m>
-                <a:endParaRPr lang="es-CO" b="1" dirty="0"/>
-              </a:p>
-            </p:txBody>
-          </p:sp>
-        </mc:Choice>
-        <mc:Fallback xmlns="">
-          <p:sp>
-            <p:nvSpPr>
-              <p:cNvPr id="34" name="CuadroTexto 33">
-                <a:extLst>
-                  <a:ext uri="{FF2B5EF4-FFF2-40B4-BE49-F238E27FC236}">
-                    <a16:creationId xmlns:a16="http://schemas.microsoft.com/office/drawing/2014/main" id="{E5DE842B-CDED-6894-F4BC-ABC56E0696A6}"/>
-                  </a:ext>
-                </a:extLst>
-              </p:cNvPr>
-              <p:cNvSpPr txBox="1">
-                <a:spLocks noRot="1" noChangeAspect="1" noMove="1" noResize="1" noEditPoints="1" noAdjustHandles="1" noChangeArrowheads="1" noChangeShapeType="1" noTextEdit="1"/>
-              </p:cNvSpPr>
-              <p:nvPr/>
-            </p:nvSpPr>
-            <p:spPr>
-              <a:xfrm>
-                <a:off x="5928380" y="3676018"/>
-                <a:ext cx="655629" cy="307777"/>
-              </a:xfrm>
-              <a:prstGeom prst="rect">
-                <a:avLst/>
-              </a:prstGeom>
-              <a:blipFill>
-                <a:blip r:embed="rId4"/>
-                <a:stretch>
-                  <a:fillRect l="-2804" r="-10280" b="-25490"/>
-                </a:stretch>
-              </a:blipFill>
-            </p:spPr>
-            <p:txBody>
-              <a:bodyPr/>
-              <a:lstStyle/>
-              <a:p>
-                <a:r>
-                  <a:rPr lang="es-CO">
-                    <a:noFill/>
-                  </a:rPr>
-                  <a:t> </a:t>
-                </a:r>
-              </a:p>
-            </p:txBody>
-          </p:sp>
-        </mc:Fallback>
-      </mc:AlternateContent>
-      <p:cxnSp>
-        <p:nvCxnSpPr>
-          <p:cNvPr id="35" name="Conector recto de flecha 34">
-            <a:extLst>
-              <a:ext uri="{FF2B5EF4-FFF2-40B4-BE49-F238E27FC236}">
-                <a16:creationId xmlns:a16="http://schemas.microsoft.com/office/drawing/2014/main" id="{DCD1C6AC-5381-BC12-36CC-9E0E3F501AB2}"/>
-              </a:ext>
-            </a:extLst>
-          </p:cNvPr>
-          <p:cNvCxnSpPr>
-            <a:cxnSpLocks/>
-          </p:cNvCxnSpPr>
-          <p:nvPr/>
-        </p:nvCxnSpPr>
-        <p:spPr>
-          <a:xfrm flipV="1">
-            <a:off x="5736076" y="694447"/>
-            <a:ext cx="0" cy="1549399"/>
-          </a:xfrm>
-          <a:prstGeom prst="straightConnector1">
-            <a:avLst/>
-          </a:prstGeom>
-          <a:ln w="57150">
-            <a:solidFill>
-              <a:srgbClr val="FF0000"/>
-            </a:solidFill>
-            <a:tailEnd type="triangle"/>
-          </a:ln>
-        </p:spPr>
-        <p:style>
-          <a:lnRef idx="2">
-            <a:schemeClr val="accent1"/>
-          </a:lnRef>
-          <a:fillRef idx="0">
-            <a:schemeClr val="accent1"/>
-          </a:fillRef>
-          <a:effectRef idx="1">
-            <a:schemeClr val="accent1"/>
-          </a:effectRef>
-          <a:fontRef idx="minor">
-            <a:schemeClr val="tx1"/>
-          </a:fontRef>
-        </p:style>
-      </p:cxnSp>
-      <mc:AlternateContent xmlns:mc="http://schemas.openxmlformats.org/markup-compatibility/2006" xmlns:a14="http://schemas.microsoft.com/office/drawing/2010/main">
-        <mc:Choice Requires="a14">
-          <p:sp>
-            <p:nvSpPr>
-              <p:cNvPr id="38" name="CuadroTexto 37">
-                <a:extLst>
-                  <a:ext uri="{FF2B5EF4-FFF2-40B4-BE49-F238E27FC236}">
-                    <a16:creationId xmlns:a16="http://schemas.microsoft.com/office/drawing/2014/main" id="{0BC4DD87-47C6-036F-460E-D8507F56B446}"/>
-                  </a:ext>
-                </a:extLst>
-              </p:cNvPr>
-              <p:cNvSpPr txBox="1"/>
-              <p:nvPr/>
-            </p:nvSpPr>
-            <p:spPr>
-              <a:xfrm>
-                <a:off x="6000355" y="509781"/>
-                <a:ext cx="434414" cy="369332"/>
-              </a:xfrm>
-              <a:prstGeom prst="rect">
-                <a:avLst/>
-              </a:prstGeom>
-              <a:noFill/>
-            </p:spPr>
-            <p:txBody>
-              <a:bodyPr wrap="none" lIns="0" tIns="0" rIns="0" bIns="0" rtlCol="0">
-                <a:spAutoFit/>
-              </a:bodyPr>
-              <a:lstStyle/>
-              <a:p>
-                <a:pPr/>
-                <a14:m>
-                  <m:oMathPara xmlns:m="http://schemas.openxmlformats.org/officeDocument/2006/math">
-                    <m:oMathParaPr>
-                      <m:jc m:val="centerGroup"/>
-                    </m:oMathParaPr>
-                    <m:oMath xmlns:m="http://schemas.openxmlformats.org/officeDocument/2006/math">
-                      <m:r>
-                        <a:rPr lang="es-CO" sz="2400" b="1" i="1" smtClean="0">
-                          <a:solidFill>
-                            <a:srgbClr val="0070C0"/>
-                          </a:solidFill>
-                          <a:latin typeface="Cambria Math" panose="02040503050406030204" pitchFamily="18" charset="0"/>
-                        </a:rPr>
-                        <m:t>𝒃𝒗</m:t>
-                      </m:r>
-                    </m:oMath>
-                  </m:oMathPara>
-                </a14:m>
-                <a:endParaRPr lang="es-CO" b="1" dirty="0"/>
-              </a:p>
-            </p:txBody>
-          </p:sp>
-        </mc:Choice>
-        <mc:Fallback xmlns="">
-          <p:sp>
-            <p:nvSpPr>
-              <p:cNvPr id="38" name="CuadroTexto 37">
-                <a:extLst>
-                  <a:ext uri="{FF2B5EF4-FFF2-40B4-BE49-F238E27FC236}">
-                    <a16:creationId xmlns:a16="http://schemas.microsoft.com/office/drawing/2014/main" id="{0BC4DD87-47C6-036F-460E-D8507F56B446}"/>
-                  </a:ext>
-                </a:extLst>
-              </p:cNvPr>
-              <p:cNvSpPr txBox="1">
-                <a:spLocks noRot="1" noChangeAspect="1" noMove="1" noResize="1" noEditPoints="1" noAdjustHandles="1" noChangeArrowheads="1" noChangeShapeType="1" noTextEdit="1"/>
-              </p:cNvSpPr>
-              <p:nvPr/>
-            </p:nvSpPr>
-            <p:spPr>
-              <a:xfrm>
-                <a:off x="6000355" y="509781"/>
-                <a:ext cx="434414" cy="369332"/>
-              </a:xfrm>
-              <a:prstGeom prst="rect">
-                <a:avLst/>
-              </a:prstGeom>
-              <a:blipFill>
-                <a:blip r:embed="rId5"/>
-                <a:stretch>
-                  <a:fillRect l="-19444" r="-16667" b="-10000"/>
-                </a:stretch>
-              </a:blipFill>
-            </p:spPr>
-            <p:txBody>
-              <a:bodyPr/>
-              <a:lstStyle/>
-              <a:p>
-                <a:r>
-                  <a:rPr lang="es-CO">
-                    <a:noFill/>
-                  </a:rPr>
-                  <a:t> </a:t>
-                </a:r>
-              </a:p>
-            </p:txBody>
-          </p:sp>
-        </mc:Fallback>
-      </mc:AlternateContent>
-      <p:cxnSp>
-        <p:nvCxnSpPr>
-          <p:cNvPr id="45" name="Conector recto de flecha 44">
-            <a:extLst>
-              <a:ext uri="{FF2B5EF4-FFF2-40B4-BE49-F238E27FC236}">
-                <a16:creationId xmlns:a16="http://schemas.microsoft.com/office/drawing/2014/main" id="{BD15EED6-8D35-F1AD-E59C-9FD693E2F7D2}"/>
-              </a:ext>
-            </a:extLst>
-          </p:cNvPr>
-          <p:cNvCxnSpPr/>
-          <p:nvPr/>
-        </p:nvCxnSpPr>
-        <p:spPr>
-          <a:xfrm flipV="1">
-            <a:off x="8035047" y="2243846"/>
-            <a:ext cx="0" cy="2522707"/>
-          </a:xfrm>
-          <a:prstGeom prst="straightConnector1">
-            <a:avLst/>
-          </a:prstGeom>
-          <a:ln w="57150">
-            <a:solidFill>
-              <a:schemeClr val="tx2">
-                <a:lumMod val="50000"/>
-                <a:lumOff val="50000"/>
-              </a:schemeClr>
-            </a:solidFill>
-            <a:tailEnd type="triangle"/>
-          </a:ln>
-        </p:spPr>
-        <p:style>
-          <a:lnRef idx="2">
-            <a:schemeClr val="accent1"/>
-          </a:lnRef>
-          <a:fillRef idx="0">
-            <a:schemeClr val="accent1"/>
-          </a:fillRef>
-          <a:effectRef idx="1">
-            <a:schemeClr val="accent1"/>
-          </a:effectRef>
-          <a:fontRef idx="minor">
-            <a:schemeClr val="tx1"/>
-          </a:fontRef>
-        </p:style>
-      </p:cxnSp>
-      <mc:AlternateContent xmlns:mc="http://schemas.openxmlformats.org/markup-compatibility/2006" xmlns:a14="http://schemas.microsoft.com/office/drawing/2010/main">
-        <mc:Choice Requires="a14">
-          <p:sp>
-            <p:nvSpPr>
-              <p:cNvPr id="46" name="CuadroTexto 45">
-                <a:extLst>
-                  <a:ext uri="{FF2B5EF4-FFF2-40B4-BE49-F238E27FC236}">
-                    <a16:creationId xmlns:a16="http://schemas.microsoft.com/office/drawing/2014/main" id="{5A0940D9-3695-90E4-EA17-0198F07EAC88}"/>
-                  </a:ext>
-                </a:extLst>
-              </p:cNvPr>
-              <p:cNvSpPr txBox="1"/>
-              <p:nvPr/>
-            </p:nvSpPr>
-            <p:spPr>
-              <a:xfrm>
-                <a:off x="7905204" y="1756367"/>
-                <a:ext cx="259686" cy="430887"/>
-              </a:xfrm>
-              <a:prstGeom prst="rect">
-                <a:avLst/>
-              </a:prstGeom>
-              <a:noFill/>
-            </p:spPr>
-            <p:txBody>
-              <a:bodyPr wrap="none" lIns="0" tIns="0" rIns="0" bIns="0" rtlCol="0">
-                <a:spAutoFit/>
-              </a:bodyPr>
-              <a:lstStyle/>
-              <a:p>
-                <a:pPr/>
-                <a14:m>
-                  <m:oMathPara xmlns:m="http://schemas.openxmlformats.org/officeDocument/2006/math">
-                    <m:oMathParaPr>
-                      <m:jc m:val="centerGroup"/>
-                    </m:oMathParaPr>
-                    <m:oMath xmlns:m="http://schemas.openxmlformats.org/officeDocument/2006/math">
-                      <m:r>
-                        <a:rPr lang="es-CO" sz="2800" b="1" i="1" smtClean="0">
-                          <a:solidFill>
-                            <a:srgbClr val="0070C0"/>
-                          </a:solidFill>
-                          <a:latin typeface="Cambria Math" panose="02040503050406030204" pitchFamily="18" charset="0"/>
-                        </a:rPr>
-                        <m:t>𝒛</m:t>
-                      </m:r>
-                    </m:oMath>
-                  </m:oMathPara>
-                </a14:m>
-                <a:endParaRPr lang="es-CO" b="1" dirty="0"/>
-              </a:p>
-            </p:txBody>
-          </p:sp>
-        </mc:Choice>
-        <mc:Fallback xmlns="">
-          <p:sp>
-            <p:nvSpPr>
-              <p:cNvPr id="46" name="CuadroTexto 45">
-                <a:extLst>
-                  <a:ext uri="{FF2B5EF4-FFF2-40B4-BE49-F238E27FC236}">
-                    <a16:creationId xmlns:a16="http://schemas.microsoft.com/office/drawing/2014/main" id="{5A0940D9-3695-90E4-EA17-0198F07EAC88}"/>
-                  </a:ext>
-                </a:extLst>
-              </p:cNvPr>
-              <p:cNvSpPr txBox="1">
-                <a:spLocks noRot="1" noChangeAspect="1" noMove="1" noResize="1" noEditPoints="1" noAdjustHandles="1" noChangeArrowheads="1" noChangeShapeType="1" noTextEdit="1"/>
-              </p:cNvSpPr>
-              <p:nvPr/>
-            </p:nvSpPr>
-            <p:spPr>
-              <a:xfrm>
-                <a:off x="7905204" y="1756367"/>
-                <a:ext cx="259686" cy="430887"/>
-              </a:xfrm>
-              <a:prstGeom prst="rect">
-                <a:avLst/>
-              </a:prstGeom>
-              <a:blipFill>
-                <a:blip r:embed="rId6"/>
-                <a:stretch>
-                  <a:fillRect/>
-                </a:stretch>
-              </a:blipFill>
-            </p:spPr>
-            <p:txBody>
-              <a:bodyPr/>
-              <a:lstStyle/>
-              <a:p>
-                <a:r>
-                  <a:rPr lang="es-CO">
-                    <a:noFill/>
-                  </a:rPr>
-                  <a:t> </a:t>
-                </a:r>
-              </a:p>
-            </p:txBody>
-          </p:sp>
-        </mc:Fallback>
-      </mc:AlternateContent>
-    </p:spTree>
-    <p:extLst>
-      <p:ext uri="{BB962C8B-B14F-4D97-AF65-F5344CB8AC3E}">
-        <p14:creationId xmlns:p14="http://schemas.microsoft.com/office/powerpoint/2010/main" val="3339832858"/>
-      </p:ext>
-    </p:extLst>
-  </p:cSld>
-  <p:clrMapOvr>
-    <a:masterClrMapping/>
-  </p:clrMapOvr>
-</p:sld>
-</file>
-
 <file path=ppt/theme/theme1.xml><?xml version="1.0" encoding="utf-8"?>
 <a:theme xmlns:a="http://schemas.openxmlformats.org/drawingml/2006/main" name="Tema de Office">
   <a:themeElements>
